--- a/report/Projet_classification_MLOps_Partie4_Killian.pptx
+++ b/report/Projet_classification_MLOps_Partie4_Killian.pptx
@@ -5,15 +5,17 @@
     <p:sldMasterId id="2147483666" r:id="rId4"/>
   </p:sldMasterIdLst>
   <p:notesMasterIdLst>
-    <p:notesMasterId r:id="rId8"/>
+    <p:notesMasterId r:id="rId10"/>
   </p:notesMasterIdLst>
   <p:handoutMasterIdLst>
-    <p:handoutMasterId r:id="rId9"/>
+    <p:handoutMasterId r:id="rId11"/>
   </p:handoutMasterIdLst>
   <p:sldIdLst>
     <p:sldId id="284" r:id="rId5"/>
-    <p:sldId id="285" r:id="rId6"/>
-    <p:sldId id="286" r:id="rId7"/>
+    <p:sldId id="287" r:id="rId6"/>
+    <p:sldId id="285" r:id="rId7"/>
+    <p:sldId id="288" r:id="rId8"/>
+    <p:sldId id="286" r:id="rId9"/>
   </p:sldIdLst>
   <p:sldSz cx="12192000" cy="6858000"/>
   <p:notesSz cx="6858000" cy="9144000"/>
@@ -240,7 +242,7 @@
           <a:p>
             <a:fld id="{F352A77B-D33C-49B3-A83C-450AA2ED72B3}" type="datetimeFigureOut">
               <a:rPr lang="en-US" smtClean="0"/>
-              <a:t>2/11/2025</a:t>
+              <a:t>2/12/2025</a:t>
             </a:fld>
             <a:endParaRPr lang="en-US" dirty="0"/>
           </a:p>
@@ -417,7 +419,7 @@
           <a:p>
             <a:fld id="{E38D8F9A-F5CB-4EF8-A859-ED5E107B9763}" type="datetimeFigureOut">
               <a:rPr lang="en-US" smtClean="0"/>
-              <a:t>2/11/2025</a:t>
+              <a:t>2/12/2025</a:t>
             </a:fld>
             <a:endParaRPr lang="en-US" dirty="0"/>
           </a:p>
@@ -16499,7 +16501,7 @@
           <a:p>
             <a:r>
               <a:rPr lang="fr-FR" dirty="0"/>
-              <a:t>CD/CI</a:t>
+              <a:t>CI : Jenkins</a:t>
             </a:r>
             <a:endParaRPr lang="en-US" dirty="0"/>
           </a:p>
@@ -16607,6 +16609,46 @@
           </a:p>
         </p:txBody>
       </p:sp>
+      <p:pic>
+        <p:nvPicPr>
+          <p:cNvPr id="8" name="Picture 7" descr="A screenshot of a computer&#10;&#10;AI-generated content may be incorrect.">
+            <a:extLst>
+              <a:ext uri="{FF2B5EF4-FFF2-40B4-BE49-F238E27FC236}">
+                <a16:creationId xmlns:a16="http://schemas.microsoft.com/office/drawing/2014/main" id="{93808694-26D6-20EB-3D8E-F9264275114F}"/>
+              </a:ext>
+            </a:extLst>
+          </p:cNvPr>
+          <p:cNvPicPr>
+            <a:picLocks noChangeAspect="1"/>
+          </p:cNvPicPr>
+          <p:nvPr/>
+        </p:nvPicPr>
+        <p:blipFill>
+          <a:blip r:embed="rId2"/>
+          <a:stretch>
+            <a:fillRect/>
+          </a:stretch>
+        </p:blipFill>
+        <p:spPr>
+          <a:xfrm>
+            <a:off x="230171" y="805842"/>
+            <a:ext cx="11571303" cy="5998761"/>
+          </a:xfrm>
+          <a:prstGeom prst="rect">
+            <a:avLst/>
+          </a:prstGeom>
+          <a:ln>
+            <a:noFill/>
+          </a:ln>
+          <a:effectLst>
+            <a:outerShdw blurRad="190500" algn="tl" rotWithShape="0">
+              <a:srgbClr val="000000">
+                <a:alpha val="70000"/>
+              </a:srgbClr>
+            </a:outerShdw>
+          </a:effectLst>
+        </p:spPr>
+      </p:pic>
       <p:sp>
         <p:nvSpPr>
           <p:cNvPr id="6" name="Espace réservé du contenu 5">
@@ -16625,47 +16667,66 @@
         </p:nvSpPr>
         <p:spPr>
           <a:xfrm>
-            <a:off x="838200" y="1198563"/>
-            <a:ext cx="11353800" cy="4900612"/>
-          </a:xfrm>
+            <a:off x="5326144" y="3931154"/>
+            <a:ext cx="6381948" cy="2425195"/>
+          </a:xfrm>
+          <a:solidFill>
+            <a:schemeClr val="accent1"/>
+          </a:solidFill>
         </p:spPr>
         <p:txBody>
           <a:bodyPr/>
           <a:lstStyle/>
           <a:p>
-            <a:r>
-              <a:rPr lang="fr-FR" dirty="0" err="1"/>
-              <a:t>Github</a:t>
-            </a:r>
-            <a:r>
-              <a:rPr lang="fr-FR" dirty="0"/>
-              <a:t> Actions ?</a:t>
-            </a:r>
-          </a:p>
-          <a:p>
-            <a:r>
-              <a:rPr lang="fr-FR" dirty="0"/>
-              <a:t>Details des activités Jenkins</a:t>
-            </a:r>
-          </a:p>
-          <a:p>
-            <a:endParaRPr lang="fr-FR" dirty="0"/>
-          </a:p>
-          <a:p>
-            <a:r>
-              <a:rPr lang="fr-FR" dirty="0"/>
-              <a:t>Défis techniques</a:t>
-            </a:r>
-          </a:p>
-          <a:p>
-            <a:pPr lvl="1"/>
-            <a:r>
-              <a:rPr lang="fr-FR" dirty="0"/>
-              <a:t>…</a:t>
-            </a:r>
-          </a:p>
-          <a:p>
-            <a:endParaRPr lang="fr-FR" dirty="0"/>
+            <a:pPr marL="0" indent="0">
+              <a:buNone/>
+            </a:pPr>
+            <a:r>
+              <a:rPr lang="fr-FR" sz="2000" dirty="0"/>
+              <a:t>Sur modification dans la branche /main (Pull </a:t>
+            </a:r>
+            <a:r>
+              <a:rPr lang="fr-FR" sz="2000" dirty="0" err="1"/>
+              <a:t>Request</a:t>
+            </a:r>
+            <a:r>
+              <a:rPr lang="fr-FR" sz="2000" dirty="0"/>
+              <a:t>)</a:t>
+            </a:r>
+          </a:p>
+          <a:p>
+            <a:r>
+              <a:rPr lang="fr-FR" sz="2000" dirty="0"/>
+              <a:t>Run tests unitaires</a:t>
+            </a:r>
+          </a:p>
+          <a:p>
+            <a:r>
+              <a:rPr lang="fr-FR" sz="2000" dirty="0" err="1"/>
+              <a:t>Build</a:t>
+            </a:r>
+            <a:r>
+              <a:rPr lang="fr-FR" sz="2000" dirty="0"/>
+              <a:t> des dockers</a:t>
+            </a:r>
+          </a:p>
+          <a:p>
+            <a:r>
+              <a:rPr lang="fr-FR" sz="2000" dirty="0"/>
+              <a:t>Run tests intégrations &amp; fonctionnels</a:t>
+            </a:r>
+          </a:p>
+          <a:p>
+            <a:r>
+              <a:rPr lang="fr-FR" sz="2000" dirty="0"/>
+              <a:t>Push sur Docker Hub</a:t>
+            </a:r>
+          </a:p>
+          <a:p>
+            <a:r>
+              <a:rPr lang="fr-FR" sz="2000" dirty="0"/>
+              <a:t>Modification du repo de déploiement</a:t>
+            </a:r>
           </a:p>
         </p:txBody>
       </p:sp>
@@ -16683,6 +16744,391 @@
 </file>
 
 <file path=ppt/slides/slide2.xml><?xml version="1.0" encoding="utf-8"?>
+<p:sld xmlns:a="http://schemas.openxmlformats.org/drawingml/2006/main" xmlns:r="http://schemas.openxmlformats.org/officeDocument/2006/relationships" xmlns:p="http://schemas.openxmlformats.org/presentationml/2006/main">
+  <p:cSld>
+    <p:spTree>
+      <p:nvGrpSpPr>
+        <p:cNvPr id="1" name=""/>
+        <p:cNvGrpSpPr/>
+        <p:nvPr/>
+      </p:nvGrpSpPr>
+      <p:grpSpPr>
+        <a:xfrm>
+          <a:off x="0" y="0"/>
+          <a:ext cx="0" cy="0"/>
+          <a:chOff x="0" y="0"/>
+          <a:chExt cx="0" cy="0"/>
+        </a:xfrm>
+      </p:grpSpPr>
+      <p:sp>
+        <p:nvSpPr>
+          <p:cNvPr id="2" name="Title 1">
+            <a:extLst>
+              <a:ext uri="{FF2B5EF4-FFF2-40B4-BE49-F238E27FC236}">
+                <a16:creationId xmlns:a16="http://schemas.microsoft.com/office/drawing/2014/main" id="{7B0247B7-8CB5-E2C7-7A55-6A2C2248E89A}"/>
+              </a:ext>
+            </a:extLst>
+          </p:cNvPr>
+          <p:cNvSpPr>
+            <a:spLocks noGrp="1"/>
+          </p:cNvSpPr>
+          <p:nvPr>
+            <p:ph type="title"/>
+          </p:nvPr>
+        </p:nvSpPr>
+        <p:spPr/>
+        <p:txBody>
+          <a:bodyPr/>
+          <a:lstStyle/>
+          <a:p>
+            <a:r>
+              <a:rPr lang="en-US" dirty="0"/>
+              <a:t>CD : </a:t>
+            </a:r>
+            <a:r>
+              <a:rPr lang="en-US" dirty="0" err="1"/>
+              <a:t>ArgoCD</a:t>
+            </a:r>
+            <a:endParaRPr lang="en-US" dirty="0"/>
+          </a:p>
+        </p:txBody>
+      </p:sp>
+      <p:sp>
+        <p:nvSpPr>
+          <p:cNvPr id="3" name="Date Placeholder 2">
+            <a:extLst>
+              <a:ext uri="{FF2B5EF4-FFF2-40B4-BE49-F238E27FC236}">
+                <a16:creationId xmlns:a16="http://schemas.microsoft.com/office/drawing/2014/main" id="{C5AD54FB-BF36-9D6E-187E-ABE0AB35F470}"/>
+              </a:ext>
+            </a:extLst>
+          </p:cNvPr>
+          <p:cNvSpPr>
+            <a:spLocks noGrp="1"/>
+          </p:cNvSpPr>
+          <p:nvPr>
+            <p:ph type="dt" sz="half" idx="10"/>
+          </p:nvPr>
+        </p:nvSpPr>
+        <p:spPr/>
+        <p:txBody>
+          <a:bodyPr/>
+          <a:lstStyle/>
+          <a:p>
+            <a:r>
+              <a:rPr lang="en-US"/>
+              <a:t>2025</a:t>
+            </a:r>
+            <a:endParaRPr lang="en-US" dirty="0"/>
+          </a:p>
+        </p:txBody>
+      </p:sp>
+      <p:sp>
+        <p:nvSpPr>
+          <p:cNvPr id="4" name="Footer Placeholder 3">
+            <a:extLst>
+              <a:ext uri="{FF2B5EF4-FFF2-40B4-BE49-F238E27FC236}">
+                <a16:creationId xmlns:a16="http://schemas.microsoft.com/office/drawing/2014/main" id="{47F41364-7F60-86FB-72D7-F7894F75704D}"/>
+              </a:ext>
+            </a:extLst>
+          </p:cNvPr>
+          <p:cNvSpPr>
+            <a:spLocks noGrp="1"/>
+          </p:cNvSpPr>
+          <p:nvPr>
+            <p:ph type="ftr" sz="quarter" idx="11"/>
+          </p:nvPr>
+        </p:nvSpPr>
+        <p:spPr/>
+        <p:txBody>
+          <a:bodyPr/>
+          <a:lstStyle/>
+          <a:p>
+            <a:r>
+              <a:rPr lang="en-US"/>
+              <a:t>Projet classification de documents</a:t>
+            </a:r>
+            <a:endParaRPr lang="en-US" dirty="0"/>
+          </a:p>
+        </p:txBody>
+      </p:sp>
+      <p:sp>
+        <p:nvSpPr>
+          <p:cNvPr id="5" name="Slide Number Placeholder 4">
+            <a:extLst>
+              <a:ext uri="{FF2B5EF4-FFF2-40B4-BE49-F238E27FC236}">
+                <a16:creationId xmlns:a16="http://schemas.microsoft.com/office/drawing/2014/main" id="{8413995E-A9C6-4369-CB12-E09EE0ED063C}"/>
+              </a:ext>
+            </a:extLst>
+          </p:cNvPr>
+          <p:cNvSpPr>
+            <a:spLocks noGrp="1"/>
+          </p:cNvSpPr>
+          <p:nvPr>
+            <p:ph type="sldNum" sz="quarter" idx="12"/>
+          </p:nvPr>
+        </p:nvSpPr>
+        <p:spPr/>
+        <p:txBody>
+          <a:bodyPr/>
+          <a:lstStyle/>
+          <a:p>
+            <a:fld id="{B5CEABB6-07DC-46E8-9B57-56EC44A396E5}" type="slidenum">
+              <a:rPr lang="en-US" smtClean="0"/>
+              <a:t>2</a:t>
+            </a:fld>
+            <a:endParaRPr lang="en-US" dirty="0"/>
+          </a:p>
+        </p:txBody>
+      </p:sp>
+      <p:pic>
+        <p:nvPicPr>
+          <p:cNvPr id="8" name="Content Placeholder 7" descr="A screenshot of a computer&#10;&#10;AI-generated content may be incorrect.">
+            <a:extLst>
+              <a:ext uri="{FF2B5EF4-FFF2-40B4-BE49-F238E27FC236}">
+                <a16:creationId xmlns:a16="http://schemas.microsoft.com/office/drawing/2014/main" id="{DB5F4205-02DB-7D8D-C375-7D74F83BA653}"/>
+              </a:ext>
+            </a:extLst>
+          </p:cNvPr>
+          <p:cNvPicPr>
+            <a:picLocks noGrp="1" noChangeAspect="1"/>
+          </p:cNvPicPr>
+          <p:nvPr>
+            <p:ph sz="quarter" idx="16"/>
+          </p:nvPr>
+        </p:nvPicPr>
+        <p:blipFill>
+          <a:blip r:embed="rId2"/>
+          <a:srcRect r="-118" b="40064"/>
+          <a:stretch/>
+        </p:blipFill>
+        <p:spPr>
+          <a:xfrm>
+            <a:off x="371548" y="924977"/>
+            <a:ext cx="10725321" cy="3480449"/>
+          </a:xfrm>
+          <a:prstGeom prst="round2DiagRect">
+            <a:avLst>
+              <a:gd name="adj1" fmla="val 16667"/>
+              <a:gd name="adj2" fmla="val 0"/>
+            </a:avLst>
+          </a:prstGeom>
+          <a:ln w="88900" cap="sq">
+            <a:solidFill>
+              <a:srgbClr val="FFFFFF"/>
+            </a:solidFill>
+            <a:miter lim="800000"/>
+          </a:ln>
+          <a:effectLst>
+            <a:outerShdw blurRad="254000" algn="tl" rotWithShape="0">
+              <a:srgbClr val="000000">
+                <a:alpha val="43000"/>
+              </a:srgbClr>
+            </a:outerShdw>
+          </a:effectLst>
+        </p:spPr>
+      </p:pic>
+      <p:sp>
+        <p:nvSpPr>
+          <p:cNvPr id="11" name="TextBox 10">
+            <a:extLst>
+              <a:ext uri="{FF2B5EF4-FFF2-40B4-BE49-F238E27FC236}">
+                <a16:creationId xmlns:a16="http://schemas.microsoft.com/office/drawing/2014/main" id="{587BF5E2-673D-4D47-6819-D19CCF5E96C2}"/>
+              </a:ext>
+            </a:extLst>
+          </p:cNvPr>
+          <p:cNvSpPr txBox="1"/>
+          <p:nvPr/>
+        </p:nvSpPr>
+        <p:spPr>
+          <a:xfrm>
+            <a:off x="3788169" y="102928"/>
+            <a:ext cx="7450102" cy="707886"/>
+          </a:xfrm>
+          <a:prstGeom prst="rect">
+            <a:avLst/>
+          </a:prstGeom>
+          <a:solidFill>
+            <a:schemeClr val="accent1"/>
+          </a:solidFill>
+        </p:spPr>
+        <p:txBody>
+          <a:bodyPr wrap="square" rtlCol="0">
+            <a:spAutoFit/>
+          </a:bodyPr>
+          <a:lstStyle/>
+          <a:p>
+            <a:r>
+              <a:rPr lang="en-US" sz="2000" dirty="0" err="1"/>
+              <a:t>Déploiement</a:t>
+            </a:r>
+            <a:r>
+              <a:rPr lang="en-US" sz="2000" dirty="0"/>
+              <a:t> Continu des Dockers (</a:t>
+            </a:r>
+            <a:r>
+              <a:rPr lang="en-US" sz="2000" dirty="0" err="1"/>
+              <a:t>basé</a:t>
+            </a:r>
+            <a:r>
+              <a:rPr lang="en-US" sz="2000" dirty="0"/>
+              <a:t> sur un repo GitHub </a:t>
+            </a:r>
+            <a:r>
+              <a:rPr lang="en-US" sz="2000" dirty="0" err="1"/>
+              <a:t>dédié</a:t>
+            </a:r>
+            <a:r>
+              <a:rPr lang="en-US" sz="2000" dirty="0"/>
+              <a:t>)</a:t>
+            </a:r>
+          </a:p>
+          <a:p>
+            <a:r>
+              <a:rPr lang="en-US" sz="2000" dirty="0" err="1"/>
+              <a:t>Utilisation</a:t>
+            </a:r>
+            <a:r>
+              <a:rPr lang="en-US" sz="2000" dirty="0"/>
+              <a:t> de charts Helm</a:t>
+            </a:r>
+          </a:p>
+        </p:txBody>
+      </p:sp>
+      <p:pic>
+        <p:nvPicPr>
+          <p:cNvPr id="7" name="Image 6">
+            <a:extLst>
+              <a:ext uri="{FF2B5EF4-FFF2-40B4-BE49-F238E27FC236}">
+                <a16:creationId xmlns:a16="http://schemas.microsoft.com/office/drawing/2014/main" id="{B8F96140-12A9-2774-AA75-E75682C5E504}"/>
+              </a:ext>
+            </a:extLst>
+          </p:cNvPr>
+          <p:cNvPicPr>
+            <a:picLocks noChangeAspect="1"/>
+          </p:cNvPicPr>
+          <p:nvPr/>
+        </p:nvPicPr>
+        <p:blipFill>
+          <a:blip r:embed="rId3"/>
+          <a:stretch>
+            <a:fillRect/>
+          </a:stretch>
+        </p:blipFill>
+        <p:spPr>
+          <a:xfrm>
+            <a:off x="1980400" y="2803642"/>
+            <a:ext cx="10078857" cy="3991532"/>
+          </a:xfrm>
+          <a:prstGeom prst="round2DiagRect">
+            <a:avLst>
+              <a:gd name="adj1" fmla="val 16667"/>
+              <a:gd name="adj2" fmla="val 0"/>
+            </a:avLst>
+          </a:prstGeom>
+          <a:ln w="88900" cap="sq">
+            <a:solidFill>
+              <a:srgbClr val="FFFFFF"/>
+            </a:solidFill>
+            <a:miter lim="800000"/>
+          </a:ln>
+          <a:effectLst>
+            <a:outerShdw blurRad="254000" algn="tl" rotWithShape="0">
+              <a:srgbClr val="000000">
+                <a:alpha val="43000"/>
+              </a:srgbClr>
+            </a:outerShdw>
+          </a:effectLst>
+        </p:spPr>
+      </p:pic>
+    </p:spTree>
+    <p:extLst>
+      <p:ext uri="{BB962C8B-B14F-4D97-AF65-F5344CB8AC3E}">
+        <p14:creationId xmlns:p14="http://schemas.microsoft.com/office/powerpoint/2010/main" val="211404034"/>
+      </p:ext>
+    </p:extLst>
+  </p:cSld>
+  <p:clrMapOvr>
+    <a:masterClrMapping/>
+  </p:clrMapOvr>
+  <p:timing>
+    <p:tnLst>
+      <p:par>
+        <p:cTn id="1" dur="indefinite" restart="never" nodeType="tmRoot">
+          <p:childTnLst>
+            <p:seq concurrent="1" nextAc="seek">
+              <p:cTn id="2" dur="indefinite" nodeType="mainSeq">
+                <p:childTnLst>
+                  <p:par>
+                    <p:cTn id="3" fill="hold">
+                      <p:stCondLst>
+                        <p:cond delay="indefinite"/>
+                      </p:stCondLst>
+                      <p:childTnLst>
+                        <p:par>
+                          <p:cTn id="4" fill="hold">
+                            <p:stCondLst>
+                              <p:cond delay="0"/>
+                            </p:stCondLst>
+                            <p:childTnLst>
+                              <p:par>
+                                <p:cTn id="5" presetID="1" presetClass="entr" presetSubtype="0" fill="hold" nodeType="clickEffect">
+                                  <p:stCondLst>
+                                    <p:cond delay="0"/>
+                                  </p:stCondLst>
+                                  <p:childTnLst>
+                                    <p:set>
+                                      <p:cBhvr>
+                                        <p:cTn id="6" dur="1" fill="hold">
+                                          <p:stCondLst>
+                                            <p:cond delay="0"/>
+                                          </p:stCondLst>
+                                        </p:cTn>
+                                        <p:tgtEl>
+                                          <p:spTgt spid="7"/>
+                                        </p:tgtEl>
+                                        <p:attrNameLst>
+                                          <p:attrName>style.visibility</p:attrName>
+                                        </p:attrNameLst>
+                                      </p:cBhvr>
+                                      <p:to>
+                                        <p:strVal val="visible"/>
+                                      </p:to>
+                                    </p:set>
+                                  </p:childTnLst>
+                                </p:cTn>
+                              </p:par>
+                            </p:childTnLst>
+                          </p:cTn>
+                        </p:par>
+                      </p:childTnLst>
+                    </p:cTn>
+                  </p:par>
+                </p:childTnLst>
+              </p:cTn>
+              <p:prevCondLst>
+                <p:cond evt="onPrev" delay="0">
+                  <p:tgtEl>
+                    <p:sldTgt/>
+                  </p:tgtEl>
+                </p:cond>
+              </p:prevCondLst>
+              <p:nextCondLst>
+                <p:cond evt="onNext" delay="0">
+                  <p:tgtEl>
+                    <p:sldTgt/>
+                  </p:tgtEl>
+                </p:cond>
+              </p:nextCondLst>
+            </p:seq>
+          </p:childTnLst>
+        </p:cTn>
+      </p:par>
+    </p:tnLst>
+  </p:timing>
+</p:sld>
+</file>
+
+<file path=ppt/slides/slide3.xml><?xml version="1.0" encoding="utf-8"?>
 <p:sld xmlns:a="http://schemas.openxmlformats.org/drawingml/2006/main" xmlns:r="http://schemas.openxmlformats.org/officeDocument/2006/relationships" xmlns:p="http://schemas.openxmlformats.org/presentationml/2006/main">
   <p:cSld>
     <p:spTree>
@@ -16705,6 +17151,36 @@
           <a:chExt cx="0" cy="0"/>
         </a:xfrm>
       </p:grpSpPr>
+      <p:pic>
+        <p:nvPicPr>
+          <p:cNvPr id="16" name="Image 15" descr="Une image contenant symbole, Police, logo, Marque&#10;&#10;Le contenu généré par l’IA peut être incorrect.">
+            <a:extLst>
+              <a:ext uri="{FF2B5EF4-FFF2-40B4-BE49-F238E27FC236}">
+                <a16:creationId xmlns:a16="http://schemas.microsoft.com/office/drawing/2014/main" id="{ACA0C739-4F3F-93C7-1740-EC9BB8592DAB}"/>
+              </a:ext>
+            </a:extLst>
+          </p:cNvPr>
+          <p:cNvPicPr>
+            <a:picLocks noChangeAspect="1"/>
+          </p:cNvPicPr>
+          <p:nvPr/>
+        </p:nvPicPr>
+        <p:blipFill>
+          <a:blip r:embed="rId2"/>
+          <a:stretch>
+            <a:fillRect/>
+          </a:stretch>
+        </p:blipFill>
+        <p:spPr>
+          <a:xfrm>
+            <a:off x="47375" y="3446247"/>
+            <a:ext cx="1750311" cy="980174"/>
+          </a:xfrm>
+          <a:prstGeom prst="rect">
+            <a:avLst/>
+          </a:prstGeom>
+        </p:spPr>
+      </p:pic>
       <p:sp>
         <p:nvSpPr>
           <p:cNvPr id="2" name="Titre 1">
@@ -16839,7 +17315,7 @@
             <a:fld id="{B5CEABB6-07DC-46E8-9B57-56EC44A396E5}" type="slidenum">
               <a:rPr lang="en-US" smtClean="0"/>
               <a:pPr/>
-              <a:t>2</a:t>
+              <a:t>3</a:t>
             </a:fld>
             <a:endParaRPr lang="en-US" dirty="0"/>
           </a:p>
@@ -16863,56 +17339,582 @@
         </p:nvSpPr>
         <p:spPr>
           <a:xfrm>
-            <a:off x="838200" y="1198563"/>
-            <a:ext cx="11353800" cy="4900612"/>
-          </a:xfrm>
+            <a:off x="6747387" y="74350"/>
+            <a:ext cx="4280555" cy="837562"/>
+          </a:xfrm>
+          <a:solidFill>
+            <a:schemeClr val="accent1"/>
+          </a:solidFill>
         </p:spPr>
         <p:txBody>
           <a:bodyPr/>
           <a:lstStyle/>
           <a:p>
             <a:r>
-              <a:rPr lang="fr-FR" dirty="0"/>
-              <a:t>Gateway API</a:t>
-            </a:r>
-          </a:p>
-          <a:p>
-            <a:r>
-              <a:rPr lang="fr-FR" dirty="0"/>
-              <a:t>Déploiement sur </a:t>
-            </a:r>
-            <a:r>
-              <a:rPr lang="fr-FR" dirty="0" err="1"/>
-              <a:t>DockerHub</a:t>
-            </a:r>
-            <a:endParaRPr lang="fr-FR" dirty="0"/>
-          </a:p>
-          <a:p>
-            <a:r>
-              <a:rPr lang="fr-FR" dirty="0"/>
-              <a:t>Mise en œuvre de </a:t>
-            </a:r>
-            <a:r>
-              <a:rPr lang="fr-FR" dirty="0" err="1"/>
-              <a:t>Kube</a:t>
-            </a:r>
-            <a:endParaRPr lang="fr-FR" dirty="0"/>
-          </a:p>
-          <a:p>
-            <a:r>
-              <a:rPr lang="fr-FR" dirty="0"/>
-              <a:t>Défis techniques</a:t>
-            </a:r>
-          </a:p>
-          <a:p>
-            <a:pPr lvl="1"/>
-            <a:r>
-              <a:rPr lang="fr-FR" dirty="0"/>
-              <a:t>…</a:t>
-            </a:r>
-          </a:p>
-          <a:p>
-            <a:endParaRPr lang="fr-FR" dirty="0"/>
+              <a:rPr lang="fr-FR" sz="2000" dirty="0"/>
+              <a:t>Serveur déployé via OVH</a:t>
+            </a:r>
+          </a:p>
+          <a:p>
+            <a:r>
+              <a:rPr lang="fr-FR" sz="2000" dirty="0"/>
+              <a:t>3 </a:t>
+            </a:r>
+            <a:r>
+              <a:rPr lang="fr-FR" sz="2000" dirty="0" err="1"/>
+              <a:t>nodes</a:t>
+            </a:r>
+            <a:endParaRPr lang="fr-FR" sz="2000" dirty="0"/>
+          </a:p>
+          <a:p>
+            <a:pPr marL="0" indent="0">
+              <a:buNone/>
+            </a:pPr>
+            <a:endParaRPr lang="fr-FR" sz="2000" dirty="0"/>
+          </a:p>
+        </p:txBody>
+      </p:sp>
+      <p:pic>
+        <p:nvPicPr>
+          <p:cNvPr id="8" name="Picture 7" descr="A screenshot of a computer&#10;&#10;AI-generated content may be incorrect.">
+            <a:extLst>
+              <a:ext uri="{FF2B5EF4-FFF2-40B4-BE49-F238E27FC236}">
+                <a16:creationId xmlns:a16="http://schemas.microsoft.com/office/drawing/2014/main" id="{FA4AD77A-4518-8E9B-8F98-CB0AAEC09B8B}"/>
+              </a:ext>
+            </a:extLst>
+          </p:cNvPr>
+          <p:cNvPicPr>
+            <a:picLocks noChangeAspect="1"/>
+          </p:cNvPicPr>
+          <p:nvPr/>
+        </p:nvPicPr>
+        <p:blipFill>
+          <a:blip r:embed="rId3"/>
+          <a:srcRect r="3776" b="50732"/>
+          <a:stretch/>
+        </p:blipFill>
+        <p:spPr>
+          <a:xfrm>
+            <a:off x="1350149" y="1059623"/>
+            <a:ext cx="10794476" cy="2853133"/>
+          </a:xfrm>
+          <a:prstGeom prst="snip2DiagRect">
+            <a:avLst/>
+          </a:prstGeom>
+          <a:solidFill>
+            <a:srgbClr val="FFFFFF">
+              <a:shade val="85000"/>
+            </a:srgbClr>
+          </a:solidFill>
+          <a:ln w="88900" cap="sq">
+            <a:solidFill>
+              <a:srgbClr val="FFFFFF"/>
+            </a:solidFill>
+            <a:miter lim="800000"/>
+          </a:ln>
+          <a:effectLst>
+            <a:outerShdw blurRad="88900" algn="tl" rotWithShape="0">
+              <a:srgbClr val="000000">
+                <a:alpha val="45000"/>
+              </a:srgbClr>
+            </a:outerShdw>
+          </a:effectLst>
+          <a:scene3d>
+            <a:camera prst="orthographicFront"/>
+            <a:lightRig rig="twoPt" dir="t">
+              <a:rot lat="0" lon="0" rev="7200000"/>
+            </a:lightRig>
+          </a:scene3d>
+          <a:sp3d>
+            <a:bevelT w="25400" h="19050"/>
+            <a:contourClr>
+              <a:srgbClr val="FFFFFF"/>
+            </a:contourClr>
+          </a:sp3d>
+        </p:spPr>
+      </p:pic>
+      <p:pic>
+        <p:nvPicPr>
+          <p:cNvPr id="12" name="Image 11">
+            <a:extLst>
+              <a:ext uri="{FF2B5EF4-FFF2-40B4-BE49-F238E27FC236}">
+                <a16:creationId xmlns:a16="http://schemas.microsoft.com/office/drawing/2014/main" id="{4C8ED362-CF6E-01F8-2DDA-ADDBD53A4366}"/>
+              </a:ext>
+            </a:extLst>
+          </p:cNvPr>
+          <p:cNvPicPr>
+            <a:picLocks noChangeAspect="1"/>
+          </p:cNvPicPr>
+          <p:nvPr/>
+        </p:nvPicPr>
+        <p:blipFill>
+          <a:blip r:embed="rId4"/>
+          <a:stretch>
+            <a:fillRect/>
+          </a:stretch>
+        </p:blipFill>
+        <p:spPr>
+          <a:xfrm>
+            <a:off x="1913347" y="4166536"/>
+            <a:ext cx="10231278" cy="2238687"/>
+          </a:xfrm>
+          <a:prstGeom prst="snip2DiagRect">
+            <a:avLst/>
+          </a:prstGeom>
+          <a:solidFill>
+            <a:srgbClr val="FFFFFF">
+              <a:shade val="85000"/>
+            </a:srgbClr>
+          </a:solidFill>
+          <a:ln w="88900" cap="sq">
+            <a:solidFill>
+              <a:srgbClr val="FFFFFF"/>
+            </a:solidFill>
+            <a:miter lim="800000"/>
+          </a:ln>
+          <a:effectLst>
+            <a:outerShdw blurRad="88900" algn="tl" rotWithShape="0">
+              <a:srgbClr val="000000">
+                <a:alpha val="45000"/>
+              </a:srgbClr>
+            </a:outerShdw>
+          </a:effectLst>
+          <a:scene3d>
+            <a:camera prst="orthographicFront"/>
+            <a:lightRig rig="twoPt" dir="t">
+              <a:rot lat="0" lon="0" rev="7200000"/>
+            </a:lightRig>
+          </a:scene3d>
+          <a:sp3d>
+            <a:bevelT w="25400" h="19050"/>
+            <a:contourClr>
+              <a:srgbClr val="FFFFFF"/>
+            </a:contourClr>
+          </a:sp3d>
+        </p:spPr>
+      </p:pic>
+      <p:sp>
+        <p:nvSpPr>
+          <p:cNvPr id="13" name="Espace réservé du contenu 5">
+            <a:extLst>
+              <a:ext uri="{FF2B5EF4-FFF2-40B4-BE49-F238E27FC236}">
+                <a16:creationId xmlns:a16="http://schemas.microsoft.com/office/drawing/2014/main" id="{0C68C0EB-4D4B-50F9-B3CC-1AE4FCE453DC}"/>
+              </a:ext>
+            </a:extLst>
+          </p:cNvPr>
+          <p:cNvSpPr txBox="1">
+            <a:spLocks/>
+          </p:cNvSpPr>
+          <p:nvPr/>
+        </p:nvSpPr>
+        <p:spPr>
+          <a:xfrm>
+            <a:off x="234346" y="1803678"/>
+            <a:ext cx="877529" cy="461508"/>
+          </a:xfrm>
+          <a:prstGeom prst="rect">
+            <a:avLst/>
+          </a:prstGeom>
+          <a:solidFill>
+            <a:schemeClr val="accent1"/>
+          </a:solidFill>
+        </p:spPr>
+        <p:txBody>
+          <a:bodyPr vert="horz" lIns="91440" tIns="45720" rIns="91440" bIns="45720" rtlCol="0">
+            <a:noAutofit/>
+          </a:bodyPr>
+          <a:lstStyle>
+            <a:lvl1pPr marL="228600" indent="-228600" algn="l" defTabSz="914400" rtl="0" eaLnBrk="1" latinLnBrk="0" hangingPunct="1">
+              <a:lnSpc>
+                <a:spcPct val="90000"/>
+              </a:lnSpc>
+              <a:spcBef>
+                <a:spcPts val="1000"/>
+              </a:spcBef>
+              <a:buFont typeface="Arial" panose="020B0604020202020204" pitchFamily="34" charset="0"/>
+              <a:buChar char="•"/>
+              <a:defRPr sz="2800" kern="1200">
+                <a:solidFill>
+                  <a:schemeClr val="tx1"/>
+                </a:solidFill>
+                <a:latin typeface="+mn-lt"/>
+                <a:ea typeface="+mn-ea"/>
+                <a:cs typeface="+mn-cs"/>
+              </a:defRPr>
+            </a:lvl1pPr>
+            <a:lvl2pPr marL="685800" indent="-228600" algn="l" defTabSz="914400" rtl="0" eaLnBrk="1" latinLnBrk="0" hangingPunct="1">
+              <a:lnSpc>
+                <a:spcPct val="90000"/>
+              </a:lnSpc>
+              <a:spcBef>
+                <a:spcPts val="500"/>
+              </a:spcBef>
+              <a:buFont typeface="Courier New" panose="02070309020205020404" pitchFamily="49" charset="0"/>
+              <a:buChar char="o"/>
+              <a:defRPr sz="2400" kern="1200">
+                <a:solidFill>
+                  <a:schemeClr val="tx1"/>
+                </a:solidFill>
+                <a:latin typeface="+mn-lt"/>
+                <a:ea typeface="+mn-ea"/>
+                <a:cs typeface="+mn-cs"/>
+              </a:defRPr>
+            </a:lvl2pPr>
+            <a:lvl3pPr marL="1143000" indent="-228600" algn="l" defTabSz="914400" rtl="0" eaLnBrk="1" latinLnBrk="0" hangingPunct="1">
+              <a:lnSpc>
+                <a:spcPct val="90000"/>
+              </a:lnSpc>
+              <a:spcBef>
+                <a:spcPts val="500"/>
+              </a:spcBef>
+              <a:buFont typeface="Wingdings" panose="05000000000000000000" pitchFamily="2" charset="2"/>
+              <a:buChar char="Ø"/>
+              <a:defRPr sz="2000" kern="1200">
+                <a:solidFill>
+                  <a:schemeClr val="tx1"/>
+                </a:solidFill>
+                <a:latin typeface="+mn-lt"/>
+                <a:ea typeface="+mn-ea"/>
+                <a:cs typeface="+mn-cs"/>
+              </a:defRPr>
+            </a:lvl3pPr>
+            <a:lvl4pPr marL="1600200" indent="-228600" algn="l" defTabSz="914400" rtl="0" eaLnBrk="1" latinLnBrk="0" hangingPunct="1">
+              <a:lnSpc>
+                <a:spcPct val="90000"/>
+              </a:lnSpc>
+              <a:spcBef>
+                <a:spcPts val="500"/>
+              </a:spcBef>
+              <a:buFont typeface="Wingdings" panose="05000000000000000000" pitchFamily="2" charset="2"/>
+              <a:buChar char="§"/>
+              <a:defRPr sz="1800" kern="1200">
+                <a:solidFill>
+                  <a:schemeClr val="tx1"/>
+                </a:solidFill>
+                <a:latin typeface="+mn-lt"/>
+                <a:ea typeface="+mn-ea"/>
+                <a:cs typeface="+mn-cs"/>
+              </a:defRPr>
+            </a:lvl4pPr>
+            <a:lvl5pPr marL="2057400" indent="-228600" algn="l" defTabSz="914400" rtl="0" eaLnBrk="1" latinLnBrk="0" hangingPunct="1">
+              <a:lnSpc>
+                <a:spcPct val="90000"/>
+              </a:lnSpc>
+              <a:spcBef>
+                <a:spcPts val="500"/>
+              </a:spcBef>
+              <a:buFont typeface="Arial" panose="020B0604020202020204" pitchFamily="34" charset="0"/>
+              <a:buChar char="•"/>
+              <a:defRPr sz="1800" kern="1200">
+                <a:solidFill>
+                  <a:schemeClr val="tx1"/>
+                </a:solidFill>
+                <a:latin typeface="+mn-lt"/>
+                <a:ea typeface="+mn-ea"/>
+                <a:cs typeface="+mn-cs"/>
+              </a:defRPr>
+            </a:lvl5pPr>
+            <a:lvl6pPr marL="2514600" indent="-228600" algn="l" defTabSz="914400" rtl="0" eaLnBrk="1" latinLnBrk="0" hangingPunct="1">
+              <a:lnSpc>
+                <a:spcPct val="90000"/>
+              </a:lnSpc>
+              <a:spcBef>
+                <a:spcPts val="500"/>
+              </a:spcBef>
+              <a:buFont typeface="Arial" panose="020B0604020202020204" pitchFamily="34" charset="0"/>
+              <a:buChar char="•"/>
+              <a:defRPr sz="1800" kern="1200">
+                <a:solidFill>
+                  <a:schemeClr val="tx1"/>
+                </a:solidFill>
+                <a:latin typeface="+mn-lt"/>
+                <a:ea typeface="+mn-ea"/>
+                <a:cs typeface="+mn-cs"/>
+              </a:defRPr>
+            </a:lvl6pPr>
+            <a:lvl7pPr marL="2971800" indent="-228600" algn="l" defTabSz="914400" rtl="0" eaLnBrk="1" latinLnBrk="0" hangingPunct="1">
+              <a:lnSpc>
+                <a:spcPct val="90000"/>
+              </a:lnSpc>
+              <a:spcBef>
+                <a:spcPts val="500"/>
+              </a:spcBef>
+              <a:buFont typeface="Arial" panose="020B0604020202020204" pitchFamily="34" charset="0"/>
+              <a:buChar char="•"/>
+              <a:defRPr sz="1800" kern="1200">
+                <a:solidFill>
+                  <a:schemeClr val="tx1"/>
+                </a:solidFill>
+                <a:latin typeface="+mn-lt"/>
+                <a:ea typeface="+mn-ea"/>
+                <a:cs typeface="+mn-cs"/>
+              </a:defRPr>
+            </a:lvl7pPr>
+            <a:lvl8pPr marL="3429000" indent="-228600" algn="l" defTabSz="914400" rtl="0" eaLnBrk="1" latinLnBrk="0" hangingPunct="1">
+              <a:lnSpc>
+                <a:spcPct val="90000"/>
+              </a:lnSpc>
+              <a:spcBef>
+                <a:spcPts val="500"/>
+              </a:spcBef>
+              <a:buFont typeface="Arial" panose="020B0604020202020204" pitchFamily="34" charset="0"/>
+              <a:buChar char="•"/>
+              <a:defRPr sz="1800" kern="1200">
+                <a:solidFill>
+                  <a:schemeClr val="tx1"/>
+                </a:solidFill>
+                <a:latin typeface="+mn-lt"/>
+                <a:ea typeface="+mn-ea"/>
+                <a:cs typeface="+mn-cs"/>
+              </a:defRPr>
+            </a:lvl8pPr>
+            <a:lvl9pPr marL="3886200" indent="-228600" algn="l" defTabSz="914400" rtl="0" eaLnBrk="1" latinLnBrk="0" hangingPunct="1">
+              <a:lnSpc>
+                <a:spcPct val="90000"/>
+              </a:lnSpc>
+              <a:spcBef>
+                <a:spcPts val="500"/>
+              </a:spcBef>
+              <a:buFont typeface="Arial" panose="020B0604020202020204" pitchFamily="34" charset="0"/>
+              <a:buChar char="•"/>
+              <a:defRPr sz="1800" kern="1200">
+                <a:solidFill>
+                  <a:schemeClr val="tx1"/>
+                </a:solidFill>
+                <a:latin typeface="+mn-lt"/>
+                <a:ea typeface="+mn-ea"/>
+                <a:cs typeface="+mn-cs"/>
+              </a:defRPr>
+            </a:lvl9pPr>
+          </a:lstStyle>
+          <a:p>
+            <a:pPr marL="0" indent="0" algn="ctr">
+              <a:buNone/>
+            </a:pPr>
+            <a:r>
+              <a:rPr lang="fr-FR" sz="2000" dirty="0" err="1"/>
+              <a:t>Pods</a:t>
+            </a:r>
+            <a:endParaRPr lang="fr-FR" sz="2000" dirty="0"/>
+          </a:p>
+          <a:p>
+            <a:pPr marL="0" indent="0" algn="ctr">
+              <a:buFont typeface="Arial" panose="020B0604020202020204" pitchFamily="34" charset="0"/>
+              <a:buNone/>
+            </a:pPr>
+            <a:endParaRPr lang="fr-FR" sz="2000" dirty="0"/>
+          </a:p>
+        </p:txBody>
+      </p:sp>
+      <p:sp>
+        <p:nvSpPr>
+          <p:cNvPr id="14" name="Espace réservé du contenu 5">
+            <a:extLst>
+              <a:ext uri="{FF2B5EF4-FFF2-40B4-BE49-F238E27FC236}">
+                <a16:creationId xmlns:a16="http://schemas.microsoft.com/office/drawing/2014/main" id="{E1222887-0446-8E81-3C39-332E7DA6AECC}"/>
+              </a:ext>
+            </a:extLst>
+          </p:cNvPr>
+          <p:cNvSpPr txBox="1">
+            <a:spLocks/>
+          </p:cNvSpPr>
+          <p:nvPr/>
+        </p:nvSpPr>
+        <p:spPr>
+          <a:xfrm>
+            <a:off x="452503" y="4845502"/>
+            <a:ext cx="1136298" cy="461508"/>
+          </a:xfrm>
+          <a:prstGeom prst="rect">
+            <a:avLst/>
+          </a:prstGeom>
+          <a:solidFill>
+            <a:schemeClr val="accent1"/>
+          </a:solidFill>
+        </p:spPr>
+        <p:txBody>
+          <a:bodyPr vert="horz" lIns="91440" tIns="45720" rIns="91440" bIns="45720" rtlCol="0">
+            <a:noAutofit/>
+          </a:bodyPr>
+          <a:lstStyle>
+            <a:lvl1pPr marL="228600" indent="-228600" algn="l" defTabSz="914400" rtl="0" eaLnBrk="1" latinLnBrk="0" hangingPunct="1">
+              <a:lnSpc>
+                <a:spcPct val="90000"/>
+              </a:lnSpc>
+              <a:spcBef>
+                <a:spcPts val="1000"/>
+              </a:spcBef>
+              <a:buFont typeface="Arial" panose="020B0604020202020204" pitchFamily="34" charset="0"/>
+              <a:buChar char="•"/>
+              <a:defRPr sz="2800" kern="1200">
+                <a:solidFill>
+                  <a:schemeClr val="tx1"/>
+                </a:solidFill>
+                <a:latin typeface="+mn-lt"/>
+                <a:ea typeface="+mn-ea"/>
+                <a:cs typeface="+mn-cs"/>
+              </a:defRPr>
+            </a:lvl1pPr>
+            <a:lvl2pPr marL="685800" indent="-228600" algn="l" defTabSz="914400" rtl="0" eaLnBrk="1" latinLnBrk="0" hangingPunct="1">
+              <a:lnSpc>
+                <a:spcPct val="90000"/>
+              </a:lnSpc>
+              <a:spcBef>
+                <a:spcPts val="500"/>
+              </a:spcBef>
+              <a:buFont typeface="Courier New" panose="02070309020205020404" pitchFamily="49" charset="0"/>
+              <a:buChar char="o"/>
+              <a:defRPr sz="2400" kern="1200">
+                <a:solidFill>
+                  <a:schemeClr val="tx1"/>
+                </a:solidFill>
+                <a:latin typeface="+mn-lt"/>
+                <a:ea typeface="+mn-ea"/>
+                <a:cs typeface="+mn-cs"/>
+              </a:defRPr>
+            </a:lvl2pPr>
+            <a:lvl3pPr marL="1143000" indent="-228600" algn="l" defTabSz="914400" rtl="0" eaLnBrk="1" latinLnBrk="0" hangingPunct="1">
+              <a:lnSpc>
+                <a:spcPct val="90000"/>
+              </a:lnSpc>
+              <a:spcBef>
+                <a:spcPts val="500"/>
+              </a:spcBef>
+              <a:buFont typeface="Wingdings" panose="05000000000000000000" pitchFamily="2" charset="2"/>
+              <a:buChar char="Ø"/>
+              <a:defRPr sz="2000" kern="1200">
+                <a:solidFill>
+                  <a:schemeClr val="tx1"/>
+                </a:solidFill>
+                <a:latin typeface="+mn-lt"/>
+                <a:ea typeface="+mn-ea"/>
+                <a:cs typeface="+mn-cs"/>
+              </a:defRPr>
+            </a:lvl3pPr>
+            <a:lvl4pPr marL="1600200" indent="-228600" algn="l" defTabSz="914400" rtl="0" eaLnBrk="1" latinLnBrk="0" hangingPunct="1">
+              <a:lnSpc>
+                <a:spcPct val="90000"/>
+              </a:lnSpc>
+              <a:spcBef>
+                <a:spcPts val="500"/>
+              </a:spcBef>
+              <a:buFont typeface="Wingdings" panose="05000000000000000000" pitchFamily="2" charset="2"/>
+              <a:buChar char="§"/>
+              <a:defRPr sz="1800" kern="1200">
+                <a:solidFill>
+                  <a:schemeClr val="tx1"/>
+                </a:solidFill>
+                <a:latin typeface="+mn-lt"/>
+                <a:ea typeface="+mn-ea"/>
+                <a:cs typeface="+mn-cs"/>
+              </a:defRPr>
+            </a:lvl4pPr>
+            <a:lvl5pPr marL="2057400" indent="-228600" algn="l" defTabSz="914400" rtl="0" eaLnBrk="1" latinLnBrk="0" hangingPunct="1">
+              <a:lnSpc>
+                <a:spcPct val="90000"/>
+              </a:lnSpc>
+              <a:spcBef>
+                <a:spcPts val="500"/>
+              </a:spcBef>
+              <a:buFont typeface="Arial" panose="020B0604020202020204" pitchFamily="34" charset="0"/>
+              <a:buChar char="•"/>
+              <a:defRPr sz="1800" kern="1200">
+                <a:solidFill>
+                  <a:schemeClr val="tx1"/>
+                </a:solidFill>
+                <a:latin typeface="+mn-lt"/>
+                <a:ea typeface="+mn-ea"/>
+                <a:cs typeface="+mn-cs"/>
+              </a:defRPr>
+            </a:lvl5pPr>
+            <a:lvl6pPr marL="2514600" indent="-228600" algn="l" defTabSz="914400" rtl="0" eaLnBrk="1" latinLnBrk="0" hangingPunct="1">
+              <a:lnSpc>
+                <a:spcPct val="90000"/>
+              </a:lnSpc>
+              <a:spcBef>
+                <a:spcPts val="500"/>
+              </a:spcBef>
+              <a:buFont typeface="Arial" panose="020B0604020202020204" pitchFamily="34" charset="0"/>
+              <a:buChar char="•"/>
+              <a:defRPr sz="1800" kern="1200">
+                <a:solidFill>
+                  <a:schemeClr val="tx1"/>
+                </a:solidFill>
+                <a:latin typeface="+mn-lt"/>
+                <a:ea typeface="+mn-ea"/>
+                <a:cs typeface="+mn-cs"/>
+              </a:defRPr>
+            </a:lvl6pPr>
+            <a:lvl7pPr marL="2971800" indent="-228600" algn="l" defTabSz="914400" rtl="0" eaLnBrk="1" latinLnBrk="0" hangingPunct="1">
+              <a:lnSpc>
+                <a:spcPct val="90000"/>
+              </a:lnSpc>
+              <a:spcBef>
+                <a:spcPts val="500"/>
+              </a:spcBef>
+              <a:buFont typeface="Arial" panose="020B0604020202020204" pitchFamily="34" charset="0"/>
+              <a:buChar char="•"/>
+              <a:defRPr sz="1800" kern="1200">
+                <a:solidFill>
+                  <a:schemeClr val="tx1"/>
+                </a:solidFill>
+                <a:latin typeface="+mn-lt"/>
+                <a:ea typeface="+mn-ea"/>
+                <a:cs typeface="+mn-cs"/>
+              </a:defRPr>
+            </a:lvl7pPr>
+            <a:lvl8pPr marL="3429000" indent="-228600" algn="l" defTabSz="914400" rtl="0" eaLnBrk="1" latinLnBrk="0" hangingPunct="1">
+              <a:lnSpc>
+                <a:spcPct val="90000"/>
+              </a:lnSpc>
+              <a:spcBef>
+                <a:spcPts val="500"/>
+              </a:spcBef>
+              <a:buFont typeface="Arial" panose="020B0604020202020204" pitchFamily="34" charset="0"/>
+              <a:buChar char="•"/>
+              <a:defRPr sz="1800" kern="1200">
+                <a:solidFill>
+                  <a:schemeClr val="tx1"/>
+                </a:solidFill>
+                <a:latin typeface="+mn-lt"/>
+                <a:ea typeface="+mn-ea"/>
+                <a:cs typeface="+mn-cs"/>
+              </a:defRPr>
+            </a:lvl8pPr>
+            <a:lvl9pPr marL="3886200" indent="-228600" algn="l" defTabSz="914400" rtl="0" eaLnBrk="1" latinLnBrk="0" hangingPunct="1">
+              <a:lnSpc>
+                <a:spcPct val="90000"/>
+              </a:lnSpc>
+              <a:spcBef>
+                <a:spcPts val="500"/>
+              </a:spcBef>
+              <a:buFont typeface="Arial" panose="020B0604020202020204" pitchFamily="34" charset="0"/>
+              <a:buChar char="•"/>
+              <a:defRPr sz="1800" kern="1200">
+                <a:solidFill>
+                  <a:schemeClr val="tx1"/>
+                </a:solidFill>
+                <a:latin typeface="+mn-lt"/>
+                <a:ea typeface="+mn-ea"/>
+                <a:cs typeface="+mn-cs"/>
+              </a:defRPr>
+            </a:lvl9pPr>
+          </a:lstStyle>
+          <a:p>
+            <a:pPr marL="0" indent="0" algn="ctr">
+              <a:buNone/>
+            </a:pPr>
+            <a:r>
+              <a:rPr lang="fr-FR" sz="2000" dirty="0"/>
+              <a:t>Services</a:t>
+            </a:r>
+          </a:p>
+          <a:p>
+            <a:pPr marL="0" indent="0" algn="ctr">
+              <a:buFont typeface="Arial" panose="020B0604020202020204" pitchFamily="34" charset="0"/>
+              <a:buNone/>
+            </a:pPr>
+            <a:endParaRPr lang="fr-FR" sz="2000" dirty="0"/>
           </a:p>
         </p:txBody>
       </p:sp>
@@ -16929,7 +17931,511 @@
 </p:sld>
 </file>
 
-<file path=ppt/slides/slide3.xml><?xml version="1.0" encoding="utf-8"?>
+<file path=ppt/slides/slide4.xml><?xml version="1.0" encoding="utf-8"?>
+<p:sld xmlns:a="http://schemas.openxmlformats.org/drawingml/2006/main" xmlns:r="http://schemas.openxmlformats.org/officeDocument/2006/relationships" xmlns:p="http://schemas.openxmlformats.org/presentationml/2006/main">
+  <p:cSld>
+    <p:spTree>
+      <p:nvGrpSpPr>
+        <p:cNvPr id="1" name=""/>
+        <p:cNvGrpSpPr/>
+        <p:nvPr/>
+      </p:nvGrpSpPr>
+      <p:grpSpPr>
+        <a:xfrm>
+          <a:off x="0" y="0"/>
+          <a:ext cx="0" cy="0"/>
+          <a:chOff x="0" y="0"/>
+          <a:chExt cx="0" cy="0"/>
+        </a:xfrm>
+      </p:grpSpPr>
+      <p:sp>
+        <p:nvSpPr>
+          <p:cNvPr id="2" name="Title 1">
+            <a:extLst>
+              <a:ext uri="{FF2B5EF4-FFF2-40B4-BE49-F238E27FC236}">
+                <a16:creationId xmlns:a16="http://schemas.microsoft.com/office/drawing/2014/main" id="{F04341F4-3528-EE6B-C394-CCC48D24EBAC}"/>
+              </a:ext>
+            </a:extLst>
+          </p:cNvPr>
+          <p:cNvSpPr>
+            <a:spLocks noGrp="1"/>
+          </p:cNvSpPr>
+          <p:nvPr>
+            <p:ph type="title"/>
+          </p:nvPr>
+        </p:nvSpPr>
+        <p:spPr/>
+        <p:txBody>
+          <a:bodyPr/>
+          <a:lstStyle/>
+          <a:p>
+            <a:r>
+              <a:rPr lang="en-US" dirty="0"/>
+              <a:t>API Gateway</a:t>
+            </a:r>
+          </a:p>
+        </p:txBody>
+      </p:sp>
+      <p:sp>
+        <p:nvSpPr>
+          <p:cNvPr id="3" name="Date Placeholder 2">
+            <a:extLst>
+              <a:ext uri="{FF2B5EF4-FFF2-40B4-BE49-F238E27FC236}">
+                <a16:creationId xmlns:a16="http://schemas.microsoft.com/office/drawing/2014/main" id="{BF2C8080-0456-FBA8-C560-007B975BA4D2}"/>
+              </a:ext>
+            </a:extLst>
+          </p:cNvPr>
+          <p:cNvSpPr>
+            <a:spLocks noGrp="1"/>
+          </p:cNvSpPr>
+          <p:nvPr>
+            <p:ph type="dt" sz="half" idx="10"/>
+          </p:nvPr>
+        </p:nvSpPr>
+        <p:spPr/>
+        <p:txBody>
+          <a:bodyPr/>
+          <a:lstStyle/>
+          <a:p>
+            <a:r>
+              <a:rPr lang="en-US"/>
+              <a:t>2025</a:t>
+            </a:r>
+            <a:endParaRPr lang="en-US" dirty="0"/>
+          </a:p>
+        </p:txBody>
+      </p:sp>
+      <p:sp>
+        <p:nvSpPr>
+          <p:cNvPr id="4" name="Footer Placeholder 3">
+            <a:extLst>
+              <a:ext uri="{FF2B5EF4-FFF2-40B4-BE49-F238E27FC236}">
+                <a16:creationId xmlns:a16="http://schemas.microsoft.com/office/drawing/2014/main" id="{E8A5A0FF-46F2-382F-EC4B-31C47C400BD6}"/>
+              </a:ext>
+            </a:extLst>
+          </p:cNvPr>
+          <p:cNvSpPr>
+            <a:spLocks noGrp="1"/>
+          </p:cNvSpPr>
+          <p:nvPr>
+            <p:ph type="ftr" sz="quarter" idx="11"/>
+          </p:nvPr>
+        </p:nvSpPr>
+        <p:spPr/>
+        <p:txBody>
+          <a:bodyPr/>
+          <a:lstStyle/>
+          <a:p>
+            <a:r>
+              <a:rPr lang="en-US"/>
+              <a:t>Projet classification de documents</a:t>
+            </a:r>
+            <a:endParaRPr lang="en-US" dirty="0"/>
+          </a:p>
+        </p:txBody>
+      </p:sp>
+      <p:sp>
+        <p:nvSpPr>
+          <p:cNvPr id="5" name="Slide Number Placeholder 4">
+            <a:extLst>
+              <a:ext uri="{FF2B5EF4-FFF2-40B4-BE49-F238E27FC236}">
+                <a16:creationId xmlns:a16="http://schemas.microsoft.com/office/drawing/2014/main" id="{8CC7B279-B6CD-5F83-9107-EE4FE18A2DEB}"/>
+              </a:ext>
+            </a:extLst>
+          </p:cNvPr>
+          <p:cNvSpPr>
+            <a:spLocks noGrp="1"/>
+          </p:cNvSpPr>
+          <p:nvPr>
+            <p:ph type="sldNum" sz="quarter" idx="12"/>
+          </p:nvPr>
+        </p:nvSpPr>
+        <p:spPr/>
+        <p:txBody>
+          <a:bodyPr/>
+          <a:lstStyle/>
+          <a:p>
+            <a:fld id="{B5CEABB6-07DC-46E8-9B57-56EC44A396E5}" type="slidenum">
+              <a:rPr lang="en-US" smtClean="0"/>
+              <a:t>4</a:t>
+            </a:fld>
+            <a:endParaRPr lang="en-US" dirty="0"/>
+          </a:p>
+        </p:txBody>
+      </p:sp>
+      <p:sp>
+        <p:nvSpPr>
+          <p:cNvPr id="6" name="Content Placeholder 5">
+            <a:extLst>
+              <a:ext uri="{FF2B5EF4-FFF2-40B4-BE49-F238E27FC236}">
+                <a16:creationId xmlns:a16="http://schemas.microsoft.com/office/drawing/2014/main" id="{8EDA2B09-4131-2EAA-F474-66AF212DD024}"/>
+              </a:ext>
+            </a:extLst>
+          </p:cNvPr>
+          <p:cNvSpPr>
+            <a:spLocks noGrp="1"/>
+          </p:cNvSpPr>
+          <p:nvPr>
+            <p:ph sz="quarter" idx="16"/>
+          </p:nvPr>
+        </p:nvSpPr>
+        <p:spPr>
+          <a:xfrm>
+            <a:off x="838201" y="1199072"/>
+            <a:ext cx="4478517" cy="4899803"/>
+          </a:xfrm>
+        </p:spPr>
+        <p:txBody>
+          <a:bodyPr/>
+          <a:lstStyle/>
+          <a:p>
+            <a:r>
+              <a:rPr lang="en-US" dirty="0"/>
+              <a:t>La </a:t>
+            </a:r>
+            <a:r>
+              <a:rPr lang="en-US" b="1" dirty="0" err="1"/>
+              <a:t>partie</a:t>
+            </a:r>
+            <a:r>
+              <a:rPr lang="en-US" b="1" dirty="0"/>
+              <a:t> </a:t>
+            </a:r>
+            <a:r>
+              <a:rPr lang="en-US" b="1" dirty="0" err="1"/>
+              <a:t>publique</a:t>
+            </a:r>
+            <a:r>
+              <a:rPr lang="en-US" b="1" dirty="0"/>
+              <a:t> </a:t>
+            </a:r>
+            <a:r>
+              <a:rPr lang="en-US" dirty="0"/>
+              <a:t>avec les Dockers de </a:t>
+            </a:r>
+            <a:r>
+              <a:rPr lang="en-US" dirty="0" err="1"/>
+              <a:t>streamlit</a:t>
+            </a:r>
+            <a:r>
+              <a:rPr lang="en-US" dirty="0"/>
+              <a:t> traverse </a:t>
+            </a:r>
+            <a:r>
+              <a:rPr lang="en-US" dirty="0" err="1"/>
+              <a:t>une</a:t>
+            </a:r>
+            <a:r>
+              <a:rPr lang="en-US" dirty="0"/>
+              <a:t> </a:t>
+            </a:r>
+            <a:r>
+              <a:rPr lang="en-US" b="1" dirty="0"/>
+              <a:t>API Gateway</a:t>
+            </a:r>
+            <a:r>
+              <a:rPr lang="en-US" dirty="0"/>
+              <a:t> pour </a:t>
+            </a:r>
+            <a:r>
+              <a:rPr lang="en-US" dirty="0" err="1"/>
+              <a:t>accéder</a:t>
+            </a:r>
+            <a:r>
+              <a:rPr lang="en-US" dirty="0"/>
+              <a:t> aux dockers dans la </a:t>
+            </a:r>
+            <a:r>
+              <a:rPr lang="en-US" b="1" dirty="0" err="1"/>
+              <a:t>partie</a:t>
+            </a:r>
+            <a:r>
+              <a:rPr lang="en-US" b="1" dirty="0"/>
+              <a:t> </a:t>
+            </a:r>
+            <a:r>
+              <a:rPr lang="en-US" b="1" dirty="0" err="1"/>
+              <a:t>privée</a:t>
+            </a:r>
+            <a:endParaRPr lang="en-US" b="1" dirty="0"/>
+          </a:p>
+          <a:p>
+            <a:r>
+              <a:rPr lang="en-US" dirty="0"/>
+              <a:t>Dans la </a:t>
+            </a:r>
+            <a:r>
+              <a:rPr lang="en-US" b="1" dirty="0" err="1"/>
+              <a:t>partie</a:t>
+            </a:r>
+            <a:r>
+              <a:rPr lang="en-US" b="1" dirty="0"/>
+              <a:t> </a:t>
+            </a:r>
+            <a:r>
+              <a:rPr lang="en-US" b="1" dirty="0" err="1"/>
+              <a:t>privée</a:t>
+            </a:r>
+            <a:r>
+              <a:rPr lang="en-US" dirty="0"/>
+              <a:t>, les endpoints des dockers ne </a:t>
+            </a:r>
+            <a:r>
+              <a:rPr lang="en-US" dirty="0" err="1"/>
+              <a:t>sont</a:t>
+            </a:r>
+            <a:r>
+              <a:rPr lang="en-US" dirty="0"/>
+              <a:t> pas </a:t>
+            </a:r>
+            <a:r>
+              <a:rPr lang="en-US" dirty="0" err="1"/>
+              <a:t>accessibles</a:t>
+            </a:r>
+            <a:r>
+              <a:rPr lang="en-US" dirty="0"/>
+              <a:t> </a:t>
+            </a:r>
+            <a:r>
+              <a:rPr lang="en-US" dirty="0" err="1"/>
+              <a:t>depuis</a:t>
+            </a:r>
+            <a:r>
+              <a:rPr lang="en-US" dirty="0"/>
+              <a:t> </a:t>
+            </a:r>
+            <a:r>
+              <a:rPr lang="en-US" dirty="0" err="1"/>
+              <a:t>l’extérieur</a:t>
+            </a:r>
+            <a:endParaRPr lang="en-US" dirty="0"/>
+          </a:p>
+          <a:p>
+            <a:pPr marL="0" indent="0">
+              <a:buNone/>
+            </a:pPr>
+            <a:endParaRPr lang="en-US" dirty="0"/>
+          </a:p>
+        </p:txBody>
+      </p:sp>
+      <p:pic>
+        <p:nvPicPr>
+          <p:cNvPr id="8" name="Picture 7" descr="A diagram of a ship&#10;&#10;AI-generated content may be incorrect.">
+            <a:extLst>
+              <a:ext uri="{FF2B5EF4-FFF2-40B4-BE49-F238E27FC236}">
+                <a16:creationId xmlns:a16="http://schemas.microsoft.com/office/drawing/2014/main" id="{CEFAB287-6294-CAF7-9E35-16936BA37B02}"/>
+              </a:ext>
+            </a:extLst>
+          </p:cNvPr>
+          <p:cNvPicPr>
+            <a:picLocks noChangeAspect="1"/>
+          </p:cNvPicPr>
+          <p:nvPr/>
+        </p:nvPicPr>
+        <p:blipFill>
+          <a:blip r:embed="rId2"/>
+          <a:srcRect l="10938" t="11434" r="10577" b="12756"/>
+          <a:stretch/>
+        </p:blipFill>
+        <p:spPr>
+          <a:xfrm>
+            <a:off x="5731497" y="122815"/>
+            <a:ext cx="6287678" cy="6343973"/>
+          </a:xfrm>
+          <a:prstGeom prst="rect">
+            <a:avLst/>
+          </a:prstGeom>
+          <a:ln>
+            <a:noFill/>
+          </a:ln>
+          <a:effectLst>
+            <a:outerShdw blurRad="190500" algn="tl" rotWithShape="0">
+              <a:srgbClr val="000000">
+                <a:alpha val="70000"/>
+              </a:srgbClr>
+            </a:outerShdw>
+          </a:effectLst>
+        </p:spPr>
+      </p:pic>
+      <p:cxnSp>
+        <p:nvCxnSpPr>
+          <p:cNvPr id="9" name="Connecteur droit avec flèche 8">
+            <a:extLst>
+              <a:ext uri="{FF2B5EF4-FFF2-40B4-BE49-F238E27FC236}">
+                <a16:creationId xmlns:a16="http://schemas.microsoft.com/office/drawing/2014/main" id="{55A79CF1-A22F-59F8-9030-7E955A35D1E5}"/>
+              </a:ext>
+            </a:extLst>
+          </p:cNvPr>
+          <p:cNvCxnSpPr>
+            <a:cxnSpLocks/>
+          </p:cNvCxnSpPr>
+          <p:nvPr/>
+        </p:nvCxnSpPr>
+        <p:spPr>
+          <a:xfrm flipV="1">
+            <a:off x="4038600" y="722144"/>
+            <a:ext cx="3832781" cy="588182"/>
+          </a:xfrm>
+          <a:prstGeom prst="straightConnector1">
+            <a:avLst/>
+          </a:prstGeom>
+          <a:ln w="19050" cap="flat" cmpd="sng" algn="ctr">
+            <a:solidFill>
+              <a:schemeClr val="accent5"/>
+            </a:solidFill>
+            <a:prstDash val="solid"/>
+            <a:round/>
+            <a:headEnd type="none" w="med" len="med"/>
+            <a:tailEnd type="arrow" w="med" len="med"/>
+          </a:ln>
+          <a:effectLst>
+            <a:glow rad="63500">
+              <a:schemeClr val="accent5">
+                <a:satMod val="175000"/>
+                <a:alpha val="40000"/>
+              </a:schemeClr>
+            </a:glow>
+          </a:effectLst>
+        </p:spPr>
+        <p:style>
+          <a:lnRef idx="0">
+            <a:scrgbClr r="0" g="0" b="0"/>
+          </a:lnRef>
+          <a:fillRef idx="0">
+            <a:scrgbClr r="0" g="0" b="0"/>
+          </a:fillRef>
+          <a:effectRef idx="0">
+            <a:scrgbClr r="0" g="0" b="0"/>
+          </a:effectRef>
+          <a:fontRef idx="minor">
+            <a:schemeClr val="tx1"/>
+          </a:fontRef>
+        </p:style>
+      </p:cxnSp>
+      <p:cxnSp>
+        <p:nvCxnSpPr>
+          <p:cNvPr id="10" name="Connecteur droit avec flèche 9">
+            <a:extLst>
+              <a:ext uri="{FF2B5EF4-FFF2-40B4-BE49-F238E27FC236}">
+                <a16:creationId xmlns:a16="http://schemas.microsoft.com/office/drawing/2014/main" id="{75E78334-6EA0-5B0C-BB8C-8AE2B457AF11}"/>
+              </a:ext>
+            </a:extLst>
+          </p:cNvPr>
+          <p:cNvCxnSpPr>
+            <a:cxnSpLocks/>
+          </p:cNvCxnSpPr>
+          <p:nvPr/>
+        </p:nvCxnSpPr>
+        <p:spPr>
+          <a:xfrm>
+            <a:off x="4449452" y="2922309"/>
+            <a:ext cx="1206630" cy="0"/>
+          </a:xfrm>
+          <a:prstGeom prst="straightConnector1">
+            <a:avLst/>
+          </a:prstGeom>
+          <a:ln w="19050" cap="flat" cmpd="sng" algn="ctr">
+            <a:solidFill>
+              <a:schemeClr val="accent5"/>
+            </a:solidFill>
+            <a:prstDash val="solid"/>
+            <a:round/>
+            <a:headEnd type="none" w="med" len="med"/>
+            <a:tailEnd type="arrow" w="med" len="med"/>
+          </a:ln>
+          <a:effectLst>
+            <a:glow rad="63500">
+              <a:schemeClr val="accent5">
+                <a:satMod val="175000"/>
+                <a:alpha val="40000"/>
+              </a:schemeClr>
+            </a:glow>
+          </a:effectLst>
+        </p:spPr>
+        <p:style>
+          <a:lnRef idx="0">
+            <a:scrgbClr r="0" g="0" b="0"/>
+          </a:lnRef>
+          <a:fillRef idx="0">
+            <a:scrgbClr r="0" g="0" b="0"/>
+          </a:fillRef>
+          <a:effectRef idx="0">
+            <a:scrgbClr r="0" g="0" b="0"/>
+          </a:effectRef>
+          <a:fontRef idx="minor">
+            <a:schemeClr val="tx1"/>
+          </a:fontRef>
+        </p:style>
+      </p:cxnSp>
+      <p:cxnSp>
+        <p:nvCxnSpPr>
+          <p:cNvPr id="16" name="Connecteur droit avec flèche 15">
+            <a:extLst>
+              <a:ext uri="{FF2B5EF4-FFF2-40B4-BE49-F238E27FC236}">
+                <a16:creationId xmlns:a16="http://schemas.microsoft.com/office/drawing/2014/main" id="{C529C80C-0C2E-50F7-4C62-97274DE15868}"/>
+              </a:ext>
+            </a:extLst>
+          </p:cNvPr>
+          <p:cNvCxnSpPr>
+            <a:cxnSpLocks/>
+          </p:cNvCxnSpPr>
+          <p:nvPr/>
+        </p:nvCxnSpPr>
+        <p:spPr>
+          <a:xfrm flipV="1">
+            <a:off x="5203596" y="2102177"/>
+            <a:ext cx="2828041" cy="120028"/>
+          </a:xfrm>
+          <a:prstGeom prst="straightConnector1">
+            <a:avLst/>
+          </a:prstGeom>
+          <a:ln w="19050" cap="flat" cmpd="sng" algn="ctr">
+            <a:solidFill>
+              <a:schemeClr val="accent5"/>
+            </a:solidFill>
+            <a:prstDash val="solid"/>
+            <a:round/>
+            <a:headEnd type="none" w="med" len="med"/>
+            <a:tailEnd type="arrow" w="med" len="med"/>
+          </a:ln>
+          <a:effectLst>
+            <a:glow rad="63500">
+              <a:schemeClr val="accent5">
+                <a:satMod val="175000"/>
+                <a:alpha val="40000"/>
+              </a:schemeClr>
+            </a:glow>
+          </a:effectLst>
+        </p:spPr>
+        <p:style>
+          <a:lnRef idx="0">
+            <a:scrgbClr r="0" g="0" b="0"/>
+          </a:lnRef>
+          <a:fillRef idx="0">
+            <a:scrgbClr r="0" g="0" b="0"/>
+          </a:fillRef>
+          <a:effectRef idx="0">
+            <a:scrgbClr r="0" g="0" b="0"/>
+          </a:effectRef>
+          <a:fontRef idx="minor">
+            <a:schemeClr val="tx1"/>
+          </a:fontRef>
+        </p:style>
+      </p:cxnSp>
+    </p:spTree>
+    <p:extLst>
+      <p:ext uri="{BB962C8B-B14F-4D97-AF65-F5344CB8AC3E}">
+        <p14:creationId xmlns:p14="http://schemas.microsoft.com/office/powerpoint/2010/main" val="3662355271"/>
+      </p:ext>
+    </p:extLst>
+  </p:cSld>
+  <p:clrMapOvr>
+    <a:masterClrMapping/>
+  </p:clrMapOvr>
+</p:sld>
+</file>
+
+<file path=ppt/slides/slide5.xml><?xml version="1.0" encoding="utf-8"?>
 <p:sld xmlns:a="http://schemas.openxmlformats.org/drawingml/2006/main" xmlns:r="http://schemas.openxmlformats.org/officeDocument/2006/relationships" xmlns:p="http://schemas.openxmlformats.org/presentationml/2006/main">
   <p:cSld>
     <p:spTree>
@@ -17082,7 +18588,7 @@
             <a:fld id="{B5CEABB6-07DC-46E8-9B57-56EC44A396E5}" type="slidenum">
               <a:rPr lang="en-US" smtClean="0"/>
               <a:pPr/>
-              <a:t>3</a:t>
+              <a:t>5</a:t>
             </a:fld>
             <a:endParaRPr lang="en-US" dirty="0"/>
           </a:p>
@@ -17107,7 +18613,7 @@
         <p:spPr>
           <a:xfrm>
             <a:off x="838200" y="1198563"/>
-            <a:ext cx="11353800" cy="4900612"/>
+            <a:ext cx="10766196" cy="4900612"/>
           </a:xfrm>
         </p:spPr>
         <p:txBody>
@@ -17115,8 +18621,14 @@
           <a:lstStyle/>
           <a:p>
             <a:r>
+              <a:rPr lang="fr-FR" dirty="0">
+                <a:sym typeface="Wingdings" panose="05000000000000000000" pitchFamily="2" charset="2"/>
+              </a:rPr>
+              <a:t>Sécurisation des données via l’a</a:t>
+            </a:r>
+            <a:r>
               <a:rPr lang="fr-FR" dirty="0"/>
-              <a:t>Authentifications</a:t>
+              <a:t>uthentification</a:t>
             </a:r>
           </a:p>
           <a:p>
@@ -17125,7 +18637,30 @@
               <a:rPr lang="fr-FR" dirty="0" err="1"/>
               <a:t>Keycloack</a:t>
             </a:r>
+            <a:r>
+              <a:rPr lang="fr-FR" dirty="0"/>
+              <a:t> sert à authentifier les utilisateurs et à fournir un </a:t>
+            </a:r>
+            <a:r>
+              <a:rPr lang="fr-FR" dirty="0" err="1"/>
+              <a:t>token</a:t>
+            </a:r>
             <a:endParaRPr lang="fr-FR" dirty="0"/>
+          </a:p>
+          <a:p>
+            <a:pPr lvl="1"/>
+            <a:r>
+              <a:rPr lang="fr-FR" dirty="0"/>
+              <a:t>Les services utilisent le </a:t>
+            </a:r>
+            <a:r>
+              <a:rPr lang="fr-FR" dirty="0" err="1"/>
+              <a:t>token</a:t>
+            </a:r>
+            <a:r>
+              <a:rPr lang="fr-FR" dirty="0"/>
+              <a:t> pour contrôler les accès aux données</a:t>
+            </a:r>
           </a:p>
           <a:p>
             <a:r>
@@ -17137,18 +18672,18 @@
             <a:pPr lvl="1"/>
             <a:r>
               <a:rPr lang="fr-FR" dirty="0"/>
-              <a:t>ne pas passer d’argument contenant un secret</a:t>
+              <a:t>Utilisation des secrets au niveau de Jenkins</a:t>
             </a:r>
           </a:p>
           <a:p>
             <a:pPr lvl="1"/>
             <a:r>
               <a:rPr lang="fr-FR" dirty="0"/>
-              <a:t>ne pas passer la variable d’environnement au moment du </a:t>
+              <a:t>Utilisation des secrets au niveau de </a:t>
             </a:r>
             <a:r>
               <a:rPr lang="fr-FR" dirty="0" err="1"/>
-              <a:t>build</a:t>
+              <a:t>Kubernetes</a:t>
             </a:r>
             <a:endParaRPr lang="fr-FR" dirty="0"/>
           </a:p>
@@ -17156,14 +18691,19 @@
             <a:pPr lvl="1"/>
             <a:r>
               <a:rPr lang="fr-FR" dirty="0"/>
-              <a:t>passer les variables d’environnement au moment du run</a:t>
-            </a:r>
+              <a:t>Utilisation des secrets via un point de montage Docker pour les </a:t>
+            </a:r>
+            <a:r>
+              <a:rPr lang="fr-FR" dirty="0" err="1"/>
+              <a:t>builds</a:t>
+            </a:r>
+            <a:endParaRPr lang="fr-FR" dirty="0"/>
           </a:p>
           <a:p>
             <a:pPr lvl="1"/>
             <a:r>
               <a:rPr lang="fr-FR" dirty="0"/>
-              <a:t>…</a:t>
+              <a:t>Passer les variables d’environnement au moment du run</a:t>
             </a:r>
           </a:p>
           <a:p>
@@ -17976,6 +19516,15 @@
 </file>
 
 <file path=customXml/item1.xml><?xml version="1.0" encoding="utf-8"?>
+<?mso-contentType ?>
+<FormTemplates xmlns="http://schemas.microsoft.com/sharepoint/v3/contenttype/forms">
+  <Display>DocumentLibraryForm</Display>
+  <Edit>DocumentLibraryForm</Edit>
+  <New>DocumentLibraryForm</New>
+</FormTemplates>
+</file>
+
+<file path=customXml/item2.xml><?xml version="1.0" encoding="utf-8"?>
 <p:properties xmlns:p="http://schemas.microsoft.com/office/2006/metadata/properties" xmlns:xsi="http://www.w3.org/2001/XMLSchema-instance" xmlns:pc="http://schemas.microsoft.com/office/infopath/2007/PartnerControls">
   <documentManagement>
     <_ip_UnifiedCompliancePolicyUIAction xmlns="http://schemas.microsoft.com/sharepoint/v3" xsi:nil="true"/>
@@ -17995,7 +19544,7 @@
 </p:properties>
 </file>
 
-<file path=customXml/item2.xml><?xml version="1.0" encoding="utf-8"?>
+<file path=customXml/item3.xml><?xml version="1.0" encoding="utf-8"?>
 <ct:contentTypeSchema xmlns:ct="http://schemas.microsoft.com/office/2006/metadata/contentType" xmlns:ma="http://schemas.microsoft.com/office/2006/metadata/properties/metaAttributes" ct:_="" ma:_="" ma:contentTypeName="Document" ma:contentTypeID="0x01010079F111ED35F8CC479449609E8A0923A6" ma:contentTypeVersion="27" ma:contentTypeDescription="Create a new document." ma:contentTypeScope="" ma:versionID="c6f9a84f66a9c8b9a21755b9ffafb945">
   <xsd:schema xmlns:xsd="http://www.w3.org/2001/XMLSchema" xmlns:xs="http://www.w3.org/2001/XMLSchema" xmlns:p="http://schemas.microsoft.com/office/2006/metadata/properties" xmlns:ns1="http://schemas.microsoft.com/sharepoint/v3" xmlns:ns2="71af3243-3dd4-4a8d-8c0d-dd76da1f02a5" xmlns:ns3="16c05727-aa75-4e4a-9b5f-8a80a1165891" xmlns:ns4="230e9df3-be65-4c73-a93b-d1236ebd677e" targetNamespace="http://schemas.microsoft.com/office/2006/metadata/properties" ma:root="true" ma:fieldsID="27df39e3e7036dff54f89ddd5805ce72" ns1:_="" ns2:_="" ns3:_="" ns4:_="">
     <xsd:import namespace="http://schemas.microsoft.com/sharepoint/v3"/>
@@ -18301,16 +19850,15 @@
 </ct:contentTypeSchema>
 </file>
 
-<file path=customXml/item3.xml><?xml version="1.0" encoding="utf-8"?>
-<?mso-contentType ?>
-<FormTemplates xmlns="http://schemas.microsoft.com/sharepoint/v3/contenttype/forms">
-  <Display>DocumentLibraryForm</Display>
-  <Edit>DocumentLibraryForm</Edit>
-  <New>DocumentLibraryForm</New>
-</FormTemplates>
+<file path=customXml/itemProps1.xml><?xml version="1.0" encoding="utf-8"?>
+<ds:datastoreItem xmlns:ds="http://schemas.openxmlformats.org/officeDocument/2006/customXml" ds:itemID="{79BF405E-7930-4D5C-ABB3-493E9D6D6CEA}">
+  <ds:schemaRefs>
+    <ds:schemaRef ds:uri="http://schemas.microsoft.com/sharepoint/v3/contenttype/forms"/>
+  </ds:schemaRefs>
+</ds:datastoreItem>
 </file>
 
-<file path=customXml/itemProps1.xml><?xml version="1.0" encoding="utf-8"?>
+<file path=customXml/itemProps2.xml><?xml version="1.0" encoding="utf-8"?>
 <ds:datastoreItem xmlns:ds="http://schemas.openxmlformats.org/officeDocument/2006/customXml" ds:itemID="{6EA97235-BEC4-4F82-87A8-2F5DAD53B5F9}">
   <ds:schemaRefs>
     <ds:schemaRef ds:uri="http://schemas.microsoft.com/office/2006/metadata/properties"/>
@@ -18322,7 +19870,7 @@
 </ds:datastoreItem>
 </file>
 
-<file path=customXml/itemProps2.xml><?xml version="1.0" encoding="utf-8"?>
+<file path=customXml/itemProps3.xml><?xml version="1.0" encoding="utf-8"?>
 <ds:datastoreItem xmlns:ds="http://schemas.openxmlformats.org/officeDocument/2006/customXml" ds:itemID="{2C1F447F-FAA8-4106-988B-648F3C8EDB2D}">
   <ds:schemaRefs>
     <ds:schemaRef ds:uri="http://schemas.microsoft.com/office/2006/metadata/contentType"/>
@@ -18343,14 +19891,6 @@
 </ds:datastoreItem>
 </file>
 
-<file path=customXml/itemProps3.xml><?xml version="1.0" encoding="utf-8"?>
-<ds:datastoreItem xmlns:ds="http://schemas.openxmlformats.org/officeDocument/2006/customXml" ds:itemID="{79BF405E-7930-4D5C-ABB3-493E9D6D6CEA}">
-  <ds:schemaRefs>
-    <ds:schemaRef ds:uri="http://schemas.microsoft.com/sharepoint/v3/contenttype/forms"/>
-  </ds:schemaRefs>
-</ds:datastoreItem>
-</file>
-
 <file path=docMetadata/LabelInfo.xml><?xml version="1.0" encoding="utf-8"?>
 <clbl:labelList xmlns:clbl="http://schemas.microsoft.com/office/2020/mipLabelMetadata"/>
 </file>
--- a/report/Projet_classification_MLOps_Partie4_Killian.pptx
+++ b/report/Projet_classification_MLOps_Partie4_Killian.pptx
@@ -242,7 +242,7 @@
           <a:p>
             <a:fld id="{F352A77B-D33C-49B3-A83C-450AA2ED72B3}" type="datetimeFigureOut">
               <a:rPr lang="en-US" smtClean="0"/>
-              <a:t>2/12/2025</a:t>
+              <a:t>2/13/2025</a:t>
             </a:fld>
             <a:endParaRPr lang="en-US" dirty="0"/>
           </a:p>
@@ -419,7 +419,7 @@
           <a:p>
             <a:fld id="{E38D8F9A-F5CB-4EF8-A859-ED5E107B9763}" type="datetimeFigureOut">
               <a:rPr lang="en-US" smtClean="0"/>
-              <a:t>2/12/2025</a:t>
+              <a:t>2/13/2025</a:t>
             </a:fld>
             <a:endParaRPr lang="en-US" dirty="0"/>
           </a:p>
@@ -18082,7 +18082,7 @@
         <p:spPr>
           <a:xfrm>
             <a:off x="838201" y="1199072"/>
-            <a:ext cx="4478517" cy="4899803"/>
+            <a:ext cx="4478517" cy="5436866"/>
           </a:xfrm>
         </p:spPr>
         <p:txBody>
@@ -18211,6 +18211,48 @@
             <a:endParaRPr lang="en-US" dirty="0"/>
           </a:p>
           <a:p>
+            <a:pPr lvl="1"/>
+            <a:r>
+              <a:rPr lang="en-US" dirty="0" err="1"/>
+              <a:t>Accès</a:t>
+            </a:r>
+            <a:r>
+              <a:rPr lang="en-US" dirty="0"/>
+              <a:t> externe aux volumes </a:t>
+            </a:r>
+            <a:r>
+              <a:rPr lang="en-US" dirty="0" err="1"/>
+              <a:t>partagés</a:t>
+            </a:r>
+            <a:r>
+              <a:rPr lang="en-US" dirty="0"/>
+              <a:t> entre dockers </a:t>
+            </a:r>
+            <a:r>
+              <a:rPr lang="en-US" dirty="0" err="1"/>
+              <a:t>est</a:t>
+            </a:r>
+            <a:r>
+              <a:rPr lang="en-US" dirty="0"/>
+              <a:t> impossible</a:t>
+            </a:r>
+          </a:p>
+          <a:p>
+            <a:r>
+              <a:rPr lang="en-US" dirty="0" err="1"/>
+              <a:t>Accès</a:t>
+            </a:r>
+            <a:r>
+              <a:rPr lang="en-US" dirty="0"/>
+              <a:t> au S3 </a:t>
+            </a:r>
+            <a:r>
+              <a:rPr lang="en-US" dirty="0" err="1"/>
+              <a:t>réglementé</a:t>
+            </a:r>
+            <a:endParaRPr lang="en-US" dirty="0"/>
+          </a:p>
+          <a:p>
             <a:pPr marL="0" indent="0">
               <a:buNone/>
             </a:pPr>
@@ -18220,7 +18262,7 @@
       </p:sp>
       <p:pic>
         <p:nvPicPr>
-          <p:cNvPr id="8" name="Picture 7" descr="A diagram of a ship&#10;&#10;AI-generated content may be incorrect.">
+          <p:cNvPr id="8" name="Picture 7">
             <a:extLst>
               <a:ext uri="{FF2B5EF4-FFF2-40B4-BE49-F238E27FC236}">
                 <a16:creationId xmlns:a16="http://schemas.microsoft.com/office/drawing/2014/main" id="{CEFAB287-6294-CAF7-9E35-16936BA37B02}"/>
@@ -18234,13 +18276,13 @@
         </p:nvPicPr>
         <p:blipFill>
           <a:blip r:embed="rId2"/>
-          <a:srcRect l="10938" t="11434" r="10577" b="12756"/>
+          <a:srcRect l="10371" t="10767" r="10093" b="11998"/>
           <a:stretch/>
         </p:blipFill>
         <p:spPr>
           <a:xfrm>
-            <a:off x="5731497" y="122815"/>
-            <a:ext cx="6287678" cy="6343973"/>
+            <a:off x="5278043" y="194650"/>
+            <a:ext cx="6848866" cy="6234430"/>
           </a:xfrm>
           <a:prstGeom prst="rect">
             <a:avLst/>
@@ -18329,7 +18371,7 @@
         <p:spPr>
           <a:xfrm>
             <a:off x="4449452" y="2922309"/>
-            <a:ext cx="1206630" cy="0"/>
+            <a:ext cx="659876" cy="0"/>
           </a:xfrm>
           <a:prstGeom prst="straightConnector1">
             <a:avLst/>
@@ -19516,35 +19558,6 @@
 </file>
 
 <file path=customXml/item1.xml><?xml version="1.0" encoding="utf-8"?>
-<?mso-contentType ?>
-<FormTemplates xmlns="http://schemas.microsoft.com/sharepoint/v3/contenttype/forms">
-  <Display>DocumentLibraryForm</Display>
-  <Edit>DocumentLibraryForm</Edit>
-  <New>DocumentLibraryForm</New>
-</FormTemplates>
-</file>
-
-<file path=customXml/item2.xml><?xml version="1.0" encoding="utf-8"?>
-<p:properties xmlns:p="http://schemas.microsoft.com/office/2006/metadata/properties" xmlns:xsi="http://www.w3.org/2001/XMLSchema-instance" xmlns:pc="http://schemas.microsoft.com/office/infopath/2007/PartnerControls">
-  <documentManagement>
-    <_ip_UnifiedCompliancePolicyUIAction xmlns="http://schemas.microsoft.com/sharepoint/v3" xsi:nil="true"/>
-    <Image xmlns="71af3243-3dd4-4a8d-8c0d-dd76da1f02a5">
-      <Url xsi:nil="true"/>
-      <Description xsi:nil="true"/>
-    </Image>
-    <Status xmlns="71af3243-3dd4-4a8d-8c0d-dd76da1f02a5">Not started</Status>
-    <Background xmlns="71af3243-3dd4-4a8d-8c0d-dd76da1f02a5">false</Background>
-    <_ip_UnifiedCompliancePolicyProperties xmlns="http://schemas.microsoft.com/sharepoint/v3" xsi:nil="true"/>
-    <ImageTagsTaxHTField xmlns="71af3243-3dd4-4a8d-8c0d-dd76da1f02a5">
-      <Terms xmlns="http://schemas.microsoft.com/office/infopath/2007/PartnerControls"/>
-    </ImageTagsTaxHTField>
-    <TaxCatchAll xmlns="230e9df3-be65-4c73-a93b-d1236ebd677e" xsi:nil="true"/>
-    <MediaServiceKeyPoints xmlns="71af3243-3dd4-4a8d-8c0d-dd76da1f02a5" xsi:nil="true"/>
-  </documentManagement>
-</p:properties>
-</file>
-
-<file path=customXml/item3.xml><?xml version="1.0" encoding="utf-8"?>
 <ct:contentTypeSchema xmlns:ct="http://schemas.microsoft.com/office/2006/metadata/contentType" xmlns:ma="http://schemas.microsoft.com/office/2006/metadata/properties/metaAttributes" ct:_="" ma:_="" ma:contentTypeName="Document" ma:contentTypeID="0x01010079F111ED35F8CC479449609E8A0923A6" ma:contentTypeVersion="27" ma:contentTypeDescription="Create a new document." ma:contentTypeScope="" ma:versionID="c6f9a84f66a9c8b9a21755b9ffafb945">
   <xsd:schema xmlns:xsd="http://www.w3.org/2001/XMLSchema" xmlns:xs="http://www.w3.org/2001/XMLSchema" xmlns:p="http://schemas.microsoft.com/office/2006/metadata/properties" xmlns:ns1="http://schemas.microsoft.com/sharepoint/v3" xmlns:ns2="71af3243-3dd4-4a8d-8c0d-dd76da1f02a5" xmlns:ns3="16c05727-aa75-4e4a-9b5f-8a80a1165891" xmlns:ns4="230e9df3-be65-4c73-a93b-d1236ebd677e" targetNamespace="http://schemas.microsoft.com/office/2006/metadata/properties" ma:root="true" ma:fieldsID="27df39e3e7036dff54f89ddd5805ce72" ns1:_="" ns2:_="" ns3:_="" ns4:_="">
     <xsd:import namespace="http://schemas.microsoft.com/sharepoint/v3"/>
@@ -19850,27 +19863,36 @@
 </ct:contentTypeSchema>
 </file>
 
-<file path=customXml/itemProps1.xml><?xml version="1.0" encoding="utf-8"?>
-<ds:datastoreItem xmlns:ds="http://schemas.openxmlformats.org/officeDocument/2006/customXml" ds:itemID="{79BF405E-7930-4D5C-ABB3-493E9D6D6CEA}">
-  <ds:schemaRefs>
-    <ds:schemaRef ds:uri="http://schemas.microsoft.com/sharepoint/v3/contenttype/forms"/>
-  </ds:schemaRefs>
-</ds:datastoreItem>
+<file path=customXml/item2.xml><?xml version="1.0" encoding="utf-8"?>
+<p:properties xmlns:p="http://schemas.microsoft.com/office/2006/metadata/properties" xmlns:xsi="http://www.w3.org/2001/XMLSchema-instance" xmlns:pc="http://schemas.microsoft.com/office/infopath/2007/PartnerControls">
+  <documentManagement>
+    <_ip_UnifiedCompliancePolicyUIAction xmlns="http://schemas.microsoft.com/sharepoint/v3" xsi:nil="true"/>
+    <Image xmlns="71af3243-3dd4-4a8d-8c0d-dd76da1f02a5">
+      <Url xsi:nil="true"/>
+      <Description xsi:nil="true"/>
+    </Image>
+    <Status xmlns="71af3243-3dd4-4a8d-8c0d-dd76da1f02a5">Not started</Status>
+    <Background xmlns="71af3243-3dd4-4a8d-8c0d-dd76da1f02a5">false</Background>
+    <_ip_UnifiedCompliancePolicyProperties xmlns="http://schemas.microsoft.com/sharepoint/v3" xsi:nil="true"/>
+    <ImageTagsTaxHTField xmlns="71af3243-3dd4-4a8d-8c0d-dd76da1f02a5">
+      <Terms xmlns="http://schemas.microsoft.com/office/infopath/2007/PartnerControls"/>
+    </ImageTagsTaxHTField>
+    <TaxCatchAll xmlns="230e9df3-be65-4c73-a93b-d1236ebd677e" xsi:nil="true"/>
+    <MediaServiceKeyPoints xmlns="71af3243-3dd4-4a8d-8c0d-dd76da1f02a5" xsi:nil="true"/>
+  </documentManagement>
+</p:properties>
 </file>
 
-<file path=customXml/itemProps2.xml><?xml version="1.0" encoding="utf-8"?>
-<ds:datastoreItem xmlns:ds="http://schemas.openxmlformats.org/officeDocument/2006/customXml" ds:itemID="{6EA97235-BEC4-4F82-87A8-2F5DAD53B5F9}">
-  <ds:schemaRefs>
-    <ds:schemaRef ds:uri="http://schemas.microsoft.com/office/2006/metadata/properties"/>
-    <ds:schemaRef ds:uri="http://schemas.microsoft.com/office/infopath/2007/PartnerControls"/>
-    <ds:schemaRef ds:uri="http://schemas.microsoft.com/sharepoint/v3"/>
-    <ds:schemaRef ds:uri="71af3243-3dd4-4a8d-8c0d-dd76da1f02a5"/>
-    <ds:schemaRef ds:uri="230e9df3-be65-4c73-a93b-d1236ebd677e"/>
-  </ds:schemaRefs>
-</ds:datastoreItem>
+<file path=customXml/item3.xml><?xml version="1.0" encoding="utf-8"?>
+<?mso-contentType ?>
+<FormTemplates xmlns="http://schemas.microsoft.com/sharepoint/v3/contenttype/forms">
+  <Display>DocumentLibraryForm</Display>
+  <Edit>DocumentLibraryForm</Edit>
+  <New>DocumentLibraryForm</New>
+</FormTemplates>
 </file>
 
-<file path=customXml/itemProps3.xml><?xml version="1.0" encoding="utf-8"?>
+<file path=customXml/itemProps1.xml><?xml version="1.0" encoding="utf-8"?>
 <ds:datastoreItem xmlns:ds="http://schemas.openxmlformats.org/officeDocument/2006/customXml" ds:itemID="{2C1F447F-FAA8-4106-988B-648F3C8EDB2D}">
   <ds:schemaRefs>
     <ds:schemaRef ds:uri="http://schemas.microsoft.com/office/2006/metadata/contentType"/>
@@ -19891,6 +19913,26 @@
 </ds:datastoreItem>
 </file>
 
+<file path=customXml/itemProps2.xml><?xml version="1.0" encoding="utf-8"?>
+<ds:datastoreItem xmlns:ds="http://schemas.openxmlformats.org/officeDocument/2006/customXml" ds:itemID="{6EA97235-BEC4-4F82-87A8-2F5DAD53B5F9}">
+  <ds:schemaRefs>
+    <ds:schemaRef ds:uri="http://schemas.microsoft.com/office/2006/metadata/properties"/>
+    <ds:schemaRef ds:uri="http://schemas.microsoft.com/office/infopath/2007/PartnerControls"/>
+    <ds:schemaRef ds:uri="http://schemas.microsoft.com/sharepoint/v3"/>
+    <ds:schemaRef ds:uri="71af3243-3dd4-4a8d-8c0d-dd76da1f02a5"/>
+    <ds:schemaRef ds:uri="230e9df3-be65-4c73-a93b-d1236ebd677e"/>
+  </ds:schemaRefs>
+</ds:datastoreItem>
+</file>
+
+<file path=customXml/itemProps3.xml><?xml version="1.0" encoding="utf-8"?>
+<ds:datastoreItem xmlns:ds="http://schemas.openxmlformats.org/officeDocument/2006/customXml" ds:itemID="{79BF405E-7930-4D5C-ABB3-493E9D6D6CEA}">
+  <ds:schemaRefs>
+    <ds:schemaRef ds:uri="http://schemas.microsoft.com/sharepoint/v3/contenttype/forms"/>
+  </ds:schemaRefs>
+</ds:datastoreItem>
+</file>
+
 <file path=docMetadata/LabelInfo.xml><?xml version="1.0" encoding="utf-8"?>
 <clbl:labelList xmlns:clbl="http://schemas.microsoft.com/office/2020/mipLabelMetadata"/>
 </file>
--- a/report/Projet_classification_MLOps_Partie4_Killian.pptx
+++ b/report/Projet_classification_MLOps_Partie4_Killian.pptx
@@ -5,17 +5,20 @@
     <p:sldMasterId id="2147483666" r:id="rId4"/>
   </p:sldMasterIdLst>
   <p:notesMasterIdLst>
-    <p:notesMasterId r:id="rId10"/>
+    <p:notesMasterId r:id="rId13"/>
   </p:notesMasterIdLst>
   <p:handoutMasterIdLst>
-    <p:handoutMasterId r:id="rId11"/>
+    <p:handoutMasterId r:id="rId14"/>
   </p:handoutMasterIdLst>
   <p:sldIdLst>
-    <p:sldId id="284" r:id="rId5"/>
-    <p:sldId id="287" r:id="rId6"/>
-    <p:sldId id="285" r:id="rId7"/>
-    <p:sldId id="288" r:id="rId8"/>
-    <p:sldId id="286" r:id="rId9"/>
+    <p:sldId id="289" r:id="rId5"/>
+    <p:sldId id="291" r:id="rId6"/>
+    <p:sldId id="284" r:id="rId7"/>
+    <p:sldId id="287" r:id="rId8"/>
+    <p:sldId id="285" r:id="rId9"/>
+    <p:sldId id="288" r:id="rId10"/>
+    <p:sldId id="286" r:id="rId11"/>
+    <p:sldId id="290" r:id="rId12"/>
   </p:sldIdLst>
   <p:sldSz cx="12192000" cy="6858000"/>
   <p:notesSz cx="6858000" cy="9144000"/>
@@ -16458,6 +16461,552 @@
         <p:cNvPr id="1" name="">
           <a:extLst>
             <a:ext uri="{FF2B5EF4-FFF2-40B4-BE49-F238E27FC236}">
+              <a16:creationId xmlns:a16="http://schemas.microsoft.com/office/drawing/2014/main" id="{0A6C99E7-28D1-1863-B843-BDB1BA72BEF8}"/>
+            </a:ext>
+          </a:extLst>
+        </p:cNvPr>
+        <p:cNvGrpSpPr/>
+        <p:nvPr/>
+      </p:nvGrpSpPr>
+      <p:grpSpPr>
+        <a:xfrm>
+          <a:off x="0" y="0"/>
+          <a:ext cx="0" cy="0"/>
+          <a:chOff x="0" y="0"/>
+          <a:chExt cx="0" cy="0"/>
+        </a:xfrm>
+      </p:grpSpPr>
+      <p:sp>
+        <p:nvSpPr>
+          <p:cNvPr id="2" name="Titre 1">
+            <a:extLst>
+              <a:ext uri="{FF2B5EF4-FFF2-40B4-BE49-F238E27FC236}">
+                <a16:creationId xmlns:a16="http://schemas.microsoft.com/office/drawing/2014/main" id="{BCE18273-212A-F2AE-D06C-5D55F27BA295}"/>
+              </a:ext>
+            </a:extLst>
+          </p:cNvPr>
+          <p:cNvSpPr>
+            <a:spLocks noGrp="1"/>
+          </p:cNvSpPr>
+          <p:nvPr>
+            <p:ph type="title"/>
+          </p:nvPr>
+        </p:nvSpPr>
+        <p:spPr>
+          <a:xfrm>
+            <a:off x="838200" y="222062"/>
+            <a:ext cx="10963274" cy="583781"/>
+          </a:xfrm>
+        </p:spPr>
+        <p:txBody>
+          <a:bodyPr/>
+          <a:lstStyle/>
+          <a:p>
+            <a:r>
+              <a:rPr lang="fr-FR" dirty="0"/>
+              <a:t>Plan de la présentation</a:t>
+            </a:r>
+            <a:endParaRPr lang="en-US" dirty="0"/>
+          </a:p>
+        </p:txBody>
+      </p:sp>
+      <p:sp>
+        <p:nvSpPr>
+          <p:cNvPr id="3" name="Espace réservé de la date 2">
+            <a:extLst>
+              <a:ext uri="{FF2B5EF4-FFF2-40B4-BE49-F238E27FC236}">
+                <a16:creationId xmlns:a16="http://schemas.microsoft.com/office/drawing/2014/main" id="{A9D7426C-AC89-D4F1-1CAC-0DFCA9D672FA}"/>
+              </a:ext>
+            </a:extLst>
+          </p:cNvPr>
+          <p:cNvSpPr>
+            <a:spLocks noGrp="1"/>
+          </p:cNvSpPr>
+          <p:nvPr>
+            <p:ph type="dt" sz="half" idx="10"/>
+          </p:nvPr>
+        </p:nvSpPr>
+        <p:spPr>
+          <a:xfrm>
+            <a:off x="838200" y="6356350"/>
+            <a:ext cx="2743200" cy="365125"/>
+          </a:xfrm>
+        </p:spPr>
+        <p:txBody>
+          <a:bodyPr/>
+          <a:lstStyle/>
+          <a:p>
+            <a:r>
+              <a:rPr lang="en-US"/>
+              <a:t>2024</a:t>
+            </a:r>
+            <a:endParaRPr lang="en-US" dirty="0"/>
+          </a:p>
+        </p:txBody>
+      </p:sp>
+      <p:sp>
+        <p:nvSpPr>
+          <p:cNvPr id="4" name="Espace réservé du pied de page 3">
+            <a:extLst>
+              <a:ext uri="{FF2B5EF4-FFF2-40B4-BE49-F238E27FC236}">
+                <a16:creationId xmlns:a16="http://schemas.microsoft.com/office/drawing/2014/main" id="{90746791-CA99-DF79-0910-02C52AF774DE}"/>
+              </a:ext>
+            </a:extLst>
+          </p:cNvPr>
+          <p:cNvSpPr>
+            <a:spLocks noGrp="1"/>
+          </p:cNvSpPr>
+          <p:nvPr>
+            <p:ph type="ftr" sz="quarter" idx="11"/>
+          </p:nvPr>
+        </p:nvSpPr>
+        <p:spPr>
+          <a:xfrm>
+            <a:off x="4038600" y="6356350"/>
+            <a:ext cx="4114800" cy="365125"/>
+          </a:xfrm>
+        </p:spPr>
+        <p:txBody>
+          <a:bodyPr/>
+          <a:lstStyle/>
+          <a:p>
+            <a:r>
+              <a:rPr lang="en-US"/>
+              <a:t>Projet classification de documents</a:t>
+            </a:r>
+            <a:endParaRPr lang="en-US" dirty="0"/>
+          </a:p>
+        </p:txBody>
+      </p:sp>
+      <p:sp>
+        <p:nvSpPr>
+          <p:cNvPr id="5" name="Espace réservé du numéro de diapositive 4">
+            <a:extLst>
+              <a:ext uri="{FF2B5EF4-FFF2-40B4-BE49-F238E27FC236}">
+                <a16:creationId xmlns:a16="http://schemas.microsoft.com/office/drawing/2014/main" id="{A3D6B29D-9783-626C-C979-1CB7066ADACD}"/>
+              </a:ext>
+            </a:extLst>
+          </p:cNvPr>
+          <p:cNvSpPr>
+            <a:spLocks noGrp="1"/>
+          </p:cNvSpPr>
+          <p:nvPr>
+            <p:ph type="sldNum" sz="quarter" idx="12"/>
+          </p:nvPr>
+        </p:nvSpPr>
+        <p:spPr>
+          <a:xfrm>
+            <a:off x="8610600" y="6356350"/>
+            <a:ext cx="2743200" cy="365125"/>
+          </a:xfrm>
+        </p:spPr>
+        <p:txBody>
+          <a:bodyPr/>
+          <a:lstStyle/>
+          <a:p>
+            <a:fld id="{B5CEABB6-07DC-46E8-9B57-56EC44A396E5}" type="slidenum">
+              <a:rPr lang="en-US" smtClean="0"/>
+              <a:pPr/>
+              <a:t>1</a:t>
+            </a:fld>
+            <a:endParaRPr lang="en-US" dirty="0"/>
+          </a:p>
+        </p:txBody>
+      </p:sp>
+      <p:sp>
+        <p:nvSpPr>
+          <p:cNvPr id="6" name="Espace réservé du contenu 5">
+            <a:extLst>
+              <a:ext uri="{FF2B5EF4-FFF2-40B4-BE49-F238E27FC236}">
+                <a16:creationId xmlns:a16="http://schemas.microsoft.com/office/drawing/2014/main" id="{FFA3E202-4659-00EF-1638-0CEE05105C9E}"/>
+              </a:ext>
+            </a:extLst>
+          </p:cNvPr>
+          <p:cNvSpPr>
+            <a:spLocks noGrp="1"/>
+          </p:cNvSpPr>
+          <p:nvPr>
+            <p:ph sz="quarter" idx="16"/>
+          </p:nvPr>
+        </p:nvSpPr>
+        <p:spPr>
+          <a:xfrm>
+            <a:off x="838200" y="1199072"/>
+            <a:ext cx="10963274" cy="4899803"/>
+          </a:xfrm>
+        </p:spPr>
+        <p:txBody>
+          <a:bodyPr/>
+          <a:lstStyle/>
+          <a:p>
+            <a:r>
+              <a:rPr lang="fr-FR" dirty="0"/>
+              <a:t>Introduction &amp; Démo</a:t>
+            </a:r>
+          </a:p>
+          <a:p>
+            <a:r>
+              <a:rPr lang="fr-FR" dirty="0"/>
+              <a:t>Modèles et jeu de données</a:t>
+            </a:r>
+          </a:p>
+          <a:p>
+            <a:r>
+              <a:rPr lang="fr-FR" dirty="0"/>
+              <a:t>Pipeline Training &amp; Monitoring</a:t>
+            </a:r>
+          </a:p>
+          <a:p>
+            <a:r>
+              <a:rPr lang="fr-FR" dirty="0"/>
+              <a:t>Pipeline Prédiction &amp; Feedback User</a:t>
+            </a:r>
+          </a:p>
+          <a:p>
+            <a:r>
+              <a:rPr lang="fr-FR" b="1" dirty="0"/>
+              <a:t>Déploiement </a:t>
+            </a:r>
+            <a:r>
+              <a:rPr lang="fr-FR" b="1" dirty="0" err="1"/>
+              <a:t>MLOps</a:t>
+            </a:r>
+            <a:r>
+              <a:rPr lang="fr-FR" b="1" dirty="0"/>
+              <a:t> (CI/CD, </a:t>
+            </a:r>
+            <a:r>
+              <a:rPr lang="fr-FR" b="1" dirty="0" err="1"/>
+              <a:t>Kubernetes</a:t>
+            </a:r>
+            <a:r>
+              <a:rPr lang="fr-FR" b="1" dirty="0"/>
+              <a:t>, Sécurisation)</a:t>
+            </a:r>
+          </a:p>
+        </p:txBody>
+      </p:sp>
+    </p:spTree>
+    <p:extLst>
+      <p:ext uri="{BB962C8B-B14F-4D97-AF65-F5344CB8AC3E}">
+        <p14:creationId xmlns:p14="http://schemas.microsoft.com/office/powerpoint/2010/main" val="502873019"/>
+      </p:ext>
+    </p:extLst>
+  </p:cSld>
+  <p:clrMapOvr>
+    <a:masterClrMapping/>
+  </p:clrMapOvr>
+</p:sld>
+</file>
+
+<file path=ppt/slides/slide2.xml><?xml version="1.0" encoding="utf-8"?>
+<p:sld xmlns:a="http://schemas.openxmlformats.org/drawingml/2006/main" xmlns:r="http://schemas.openxmlformats.org/officeDocument/2006/relationships" xmlns:p="http://schemas.openxmlformats.org/presentationml/2006/main">
+  <p:cSld>
+    <p:spTree>
+      <p:nvGrpSpPr>
+        <p:cNvPr id="1" name="">
+          <a:extLst>
+            <a:ext uri="{FF2B5EF4-FFF2-40B4-BE49-F238E27FC236}">
+              <a16:creationId xmlns:a16="http://schemas.microsoft.com/office/drawing/2014/main" id="{D16C6C86-4ED6-B350-1580-16B647C4EF80}"/>
+            </a:ext>
+          </a:extLst>
+        </p:cNvPr>
+        <p:cNvGrpSpPr/>
+        <p:nvPr/>
+      </p:nvGrpSpPr>
+      <p:grpSpPr>
+        <a:xfrm>
+          <a:off x="0" y="0"/>
+          <a:ext cx="0" cy="0"/>
+          <a:chOff x="0" y="0"/>
+          <a:chExt cx="0" cy="0"/>
+        </a:xfrm>
+      </p:grpSpPr>
+      <p:sp>
+        <p:nvSpPr>
+          <p:cNvPr id="2" name="Titre 1">
+            <a:extLst>
+              <a:ext uri="{FF2B5EF4-FFF2-40B4-BE49-F238E27FC236}">
+                <a16:creationId xmlns:a16="http://schemas.microsoft.com/office/drawing/2014/main" id="{BB97AE79-842F-2E56-9CBF-B4FCE93D0A78}"/>
+              </a:ext>
+            </a:extLst>
+          </p:cNvPr>
+          <p:cNvSpPr>
+            <a:spLocks noGrp="1"/>
+          </p:cNvSpPr>
+          <p:nvPr>
+            <p:ph type="title"/>
+          </p:nvPr>
+        </p:nvSpPr>
+        <p:spPr>
+          <a:xfrm>
+            <a:off x="838200" y="222062"/>
+            <a:ext cx="10963274" cy="583781"/>
+          </a:xfrm>
+        </p:spPr>
+        <p:txBody>
+          <a:bodyPr/>
+          <a:lstStyle/>
+          <a:p>
+            <a:r>
+              <a:rPr lang="fr-FR" dirty="0"/>
+              <a:t>CI/CD: Le versioning des repositories de code</a:t>
+            </a:r>
+            <a:endParaRPr lang="en-US" dirty="0"/>
+          </a:p>
+        </p:txBody>
+      </p:sp>
+      <p:sp>
+        <p:nvSpPr>
+          <p:cNvPr id="3" name="Espace réservé de la date 2">
+            <a:extLst>
+              <a:ext uri="{FF2B5EF4-FFF2-40B4-BE49-F238E27FC236}">
+                <a16:creationId xmlns:a16="http://schemas.microsoft.com/office/drawing/2014/main" id="{6E0D9B3D-049E-9753-A720-B5E03CAA0D00}"/>
+              </a:ext>
+            </a:extLst>
+          </p:cNvPr>
+          <p:cNvSpPr>
+            <a:spLocks noGrp="1"/>
+          </p:cNvSpPr>
+          <p:nvPr>
+            <p:ph type="dt" sz="half" idx="10"/>
+          </p:nvPr>
+        </p:nvSpPr>
+        <p:spPr>
+          <a:xfrm>
+            <a:off x="838200" y="6356350"/>
+            <a:ext cx="2743200" cy="365125"/>
+          </a:xfrm>
+        </p:spPr>
+        <p:txBody>
+          <a:bodyPr/>
+          <a:lstStyle/>
+          <a:p>
+            <a:r>
+              <a:rPr lang="en-US" dirty="0"/>
+              <a:t>2025</a:t>
+            </a:r>
+          </a:p>
+        </p:txBody>
+      </p:sp>
+      <p:sp>
+        <p:nvSpPr>
+          <p:cNvPr id="4" name="Espace réservé du pied de page 3">
+            <a:extLst>
+              <a:ext uri="{FF2B5EF4-FFF2-40B4-BE49-F238E27FC236}">
+                <a16:creationId xmlns:a16="http://schemas.microsoft.com/office/drawing/2014/main" id="{27F38EB9-A629-4ABE-7414-34F75E3AD183}"/>
+              </a:ext>
+            </a:extLst>
+          </p:cNvPr>
+          <p:cNvSpPr>
+            <a:spLocks noGrp="1"/>
+          </p:cNvSpPr>
+          <p:nvPr>
+            <p:ph type="ftr" sz="quarter" idx="11"/>
+          </p:nvPr>
+        </p:nvSpPr>
+        <p:spPr>
+          <a:xfrm>
+            <a:off x="4038600" y="6356350"/>
+            <a:ext cx="4114800" cy="365125"/>
+          </a:xfrm>
+        </p:spPr>
+        <p:txBody>
+          <a:bodyPr/>
+          <a:lstStyle/>
+          <a:p>
+            <a:r>
+              <a:rPr lang="en-US"/>
+              <a:t>Projet classification de documents</a:t>
+            </a:r>
+            <a:endParaRPr lang="en-US" dirty="0"/>
+          </a:p>
+        </p:txBody>
+      </p:sp>
+      <p:sp>
+        <p:nvSpPr>
+          <p:cNvPr id="5" name="Espace réservé du numéro de diapositive 4">
+            <a:extLst>
+              <a:ext uri="{FF2B5EF4-FFF2-40B4-BE49-F238E27FC236}">
+                <a16:creationId xmlns:a16="http://schemas.microsoft.com/office/drawing/2014/main" id="{A3BF4468-668E-3F8D-3A35-95EC7D9845F2}"/>
+              </a:ext>
+            </a:extLst>
+          </p:cNvPr>
+          <p:cNvSpPr>
+            <a:spLocks noGrp="1"/>
+          </p:cNvSpPr>
+          <p:nvPr>
+            <p:ph type="sldNum" sz="quarter" idx="12"/>
+          </p:nvPr>
+        </p:nvSpPr>
+        <p:spPr>
+          <a:xfrm>
+            <a:off x="8610600" y="6356350"/>
+            <a:ext cx="2743200" cy="365125"/>
+          </a:xfrm>
+        </p:spPr>
+        <p:txBody>
+          <a:bodyPr/>
+          <a:lstStyle/>
+          <a:p>
+            <a:fld id="{B5CEABB6-07DC-46E8-9B57-56EC44A396E5}" type="slidenum">
+              <a:rPr lang="en-US" smtClean="0"/>
+              <a:pPr/>
+              <a:t>2</a:t>
+            </a:fld>
+            <a:endParaRPr lang="en-US" dirty="0"/>
+          </a:p>
+        </p:txBody>
+      </p:sp>
+      <p:sp>
+        <p:nvSpPr>
+          <p:cNvPr id="6" name="Espace réservé du contenu 5">
+            <a:extLst>
+              <a:ext uri="{FF2B5EF4-FFF2-40B4-BE49-F238E27FC236}">
+                <a16:creationId xmlns:a16="http://schemas.microsoft.com/office/drawing/2014/main" id="{780A5826-6E5D-7026-A798-447FA4F67339}"/>
+              </a:ext>
+            </a:extLst>
+          </p:cNvPr>
+          <p:cNvSpPr>
+            <a:spLocks noGrp="1"/>
+          </p:cNvSpPr>
+          <p:nvPr>
+            <p:ph sz="quarter" idx="16"/>
+          </p:nvPr>
+        </p:nvSpPr>
+        <p:spPr>
+          <a:xfrm>
+            <a:off x="838200" y="1198563"/>
+            <a:ext cx="10766196" cy="4900612"/>
+          </a:xfrm>
+        </p:spPr>
+        <p:txBody>
+          <a:bodyPr/>
+          <a:lstStyle/>
+          <a:p>
+            <a:r>
+              <a:rPr lang="fr-FR" dirty="0"/>
+              <a:t>2 repositories pour le code</a:t>
+            </a:r>
+          </a:p>
+          <a:p>
+            <a:pPr lvl="1"/>
+            <a:r>
+              <a:rPr lang="fr-FR" dirty="0"/>
+              <a:t>Repo code source original des dockers </a:t>
+            </a:r>
+          </a:p>
+          <a:p>
+            <a:pPr lvl="1"/>
+            <a:r>
+              <a:rPr lang="fr-FR" dirty="0"/>
+              <a:t>Repo code déploiement</a:t>
+            </a:r>
+          </a:p>
+          <a:p>
+            <a:r>
+              <a:rPr lang="fr-FR" dirty="0"/>
+              <a:t>Jenkins sur </a:t>
+            </a:r>
+            <a:r>
+              <a:rPr lang="fr-FR" sz="2800" dirty="0"/>
+              <a:t>commit dans la branche /main (Pull </a:t>
+            </a:r>
+            <a:r>
+              <a:rPr lang="fr-FR" sz="2800" dirty="0" err="1"/>
+              <a:t>Request</a:t>
+            </a:r>
+            <a:r>
+              <a:rPr lang="fr-FR" sz="2800" dirty="0"/>
+              <a:t>)</a:t>
+            </a:r>
+          </a:p>
+          <a:p>
+            <a:pPr lvl="1"/>
+            <a:r>
+              <a:rPr lang="fr-FR" dirty="0"/>
+              <a:t>Run tests unitaires</a:t>
+            </a:r>
+          </a:p>
+          <a:p>
+            <a:pPr lvl="1"/>
+            <a:r>
+              <a:rPr lang="fr-FR" dirty="0" err="1"/>
+              <a:t>Build</a:t>
+            </a:r>
+            <a:r>
+              <a:rPr lang="fr-FR" dirty="0"/>
+              <a:t> des dockers</a:t>
+            </a:r>
+          </a:p>
+          <a:p>
+            <a:pPr lvl="1"/>
+            <a:r>
+              <a:rPr lang="fr-FR" dirty="0"/>
+              <a:t>Run tests intégrations &amp; fonctionnels</a:t>
+            </a:r>
+          </a:p>
+          <a:p>
+            <a:pPr lvl="1"/>
+            <a:r>
+              <a:rPr lang="fr-FR" dirty="0"/>
+              <a:t>Push sur Docker Hub</a:t>
+            </a:r>
+          </a:p>
+          <a:p>
+            <a:pPr lvl="1"/>
+            <a:r>
+              <a:rPr lang="fr-FR" dirty="0"/>
+              <a:t>Copie Repo code source </a:t>
+            </a:r>
+            <a:r>
+              <a:rPr lang="fr-FR" dirty="0">
+                <a:sym typeface="Wingdings" panose="05000000000000000000" pitchFamily="2" charset="2"/>
+              </a:rPr>
+              <a:t> Repo code </a:t>
+            </a:r>
+            <a:r>
+              <a:rPr lang="fr-FR" dirty="0" err="1">
+                <a:sym typeface="Wingdings" panose="05000000000000000000" pitchFamily="2" charset="2"/>
+              </a:rPr>
+              <a:t>deploiement</a:t>
+            </a:r>
+            <a:endParaRPr lang="fr-FR" dirty="0"/>
+          </a:p>
+          <a:p>
+            <a:r>
+              <a:rPr lang="fr-FR" dirty="0"/>
+              <a:t>CD: </a:t>
+            </a:r>
+            <a:r>
+              <a:rPr lang="fr-FR" dirty="0" err="1"/>
+              <a:t>Argo</a:t>
+            </a:r>
+            <a:endParaRPr lang="fr-FR" dirty="0"/>
+          </a:p>
+        </p:txBody>
+      </p:sp>
+    </p:spTree>
+    <p:extLst>
+      <p:ext uri="{BB962C8B-B14F-4D97-AF65-F5344CB8AC3E}">
+        <p14:creationId xmlns:p14="http://schemas.microsoft.com/office/powerpoint/2010/main" val="4059608461"/>
+      </p:ext>
+    </p:extLst>
+  </p:cSld>
+  <p:clrMapOvr>
+    <a:masterClrMapping/>
+  </p:clrMapOvr>
+</p:sld>
+</file>
+
+<file path=ppt/slides/slide3.xml><?xml version="1.0" encoding="utf-8"?>
+<p:sld xmlns:a="http://schemas.openxmlformats.org/drawingml/2006/main" xmlns:r="http://schemas.openxmlformats.org/officeDocument/2006/relationships" xmlns:p="http://schemas.openxmlformats.org/presentationml/2006/main">
+  <p:cSld>
+    <p:spTree>
+      <p:nvGrpSpPr>
+        <p:cNvPr id="1" name="">
+          <a:extLst>
+            <a:ext uri="{FF2B5EF4-FFF2-40B4-BE49-F238E27FC236}">
               <a16:creationId xmlns:a16="http://schemas.microsoft.com/office/drawing/2014/main" id="{73C83456-AC12-C271-75BB-B241BEBD5288}"/>
             </a:ext>
           </a:extLst>
@@ -16603,7 +17152,7 @@
             <a:fld id="{B5CEABB6-07DC-46E8-9B57-56EC44A396E5}" type="slidenum">
               <a:rPr lang="en-US" smtClean="0"/>
               <a:pPr/>
-              <a:t>1</a:t>
+              <a:t>3</a:t>
             </a:fld>
             <a:endParaRPr lang="en-US" dirty="0"/>
           </a:p>
@@ -16667,8 +17216,8 @@
         </p:nvSpPr>
         <p:spPr>
           <a:xfrm>
-            <a:off x="5326144" y="3931154"/>
-            <a:ext cx="6381948" cy="2425195"/>
+            <a:off x="5326144" y="4817097"/>
+            <a:ext cx="6381948" cy="1539252"/>
           </a:xfrm>
           <a:solidFill>
             <a:schemeClr val="accent1"/>
@@ -16678,54 +17227,23 @@
           <a:bodyPr/>
           <a:lstStyle/>
           <a:p>
-            <a:pPr marL="0" indent="0">
-              <a:buNone/>
-            </a:pPr>
+            <a:r>
+              <a:rPr lang="fr-FR" sz="2400" dirty="0"/>
+              <a:t>Scripts pour scruter le repo code source</a:t>
+            </a:r>
+          </a:p>
+          <a:p>
+            <a:pPr lvl="1"/>
             <a:r>
               <a:rPr lang="fr-FR" sz="2000" dirty="0"/>
-              <a:t>Sur modification dans la branche /main (Pull </a:t>
-            </a:r>
-            <a:r>
-              <a:rPr lang="fr-FR" sz="2000" dirty="0" err="1"/>
-              <a:t>Request</a:t>
-            </a:r>
+              <a:t>Lancer les tests</a:t>
+            </a:r>
+          </a:p>
+          <a:p>
+            <a:pPr lvl="1"/>
             <a:r>
               <a:rPr lang="fr-FR" sz="2000" dirty="0"/>
-              <a:t>)</a:t>
-            </a:r>
-          </a:p>
-          <a:p>
-            <a:r>
-              <a:rPr lang="fr-FR" sz="2000" dirty="0"/>
-              <a:t>Run tests unitaires</a:t>
-            </a:r>
-          </a:p>
-          <a:p>
-            <a:r>
-              <a:rPr lang="fr-FR" sz="2000" dirty="0" err="1"/>
-              <a:t>Build</a:t>
-            </a:r>
-            <a:r>
-              <a:rPr lang="fr-FR" sz="2000" dirty="0"/>
-              <a:t> des dockers</a:t>
-            </a:r>
-          </a:p>
-          <a:p>
-            <a:r>
-              <a:rPr lang="fr-FR" sz="2000" dirty="0"/>
-              <a:t>Run tests intégrations &amp; fonctionnels</a:t>
-            </a:r>
-          </a:p>
-          <a:p>
-            <a:r>
-              <a:rPr lang="fr-FR" sz="2000" dirty="0"/>
-              <a:t>Push sur Docker Hub</a:t>
-            </a:r>
-          </a:p>
-          <a:p>
-            <a:r>
-              <a:rPr lang="fr-FR" sz="2000" dirty="0"/>
-              <a:t>Modification du repo de déploiement</a:t>
+              <a:t>Exécuter </a:t>
             </a:r>
           </a:p>
         </p:txBody>
@@ -16743,7 +17261,7 @@
 </p:sld>
 </file>
 
-<file path=ppt/slides/slide2.xml><?xml version="1.0" encoding="utf-8"?>
+<file path=ppt/slides/slide4.xml><?xml version="1.0" encoding="utf-8"?>
 <p:sld xmlns:a="http://schemas.openxmlformats.org/drawingml/2006/main" xmlns:r="http://schemas.openxmlformats.org/officeDocument/2006/relationships" xmlns:p="http://schemas.openxmlformats.org/presentationml/2006/main">
   <p:cSld>
     <p:spTree>
@@ -16874,7 +17392,7 @@
           <a:p>
             <a:fld id="{B5CEABB6-07DC-46E8-9B57-56EC44A396E5}" type="slidenum">
               <a:rPr lang="en-US" smtClean="0"/>
-              <a:t>2</a:t>
+              <a:t>4</a:t>
             </a:fld>
             <a:endParaRPr lang="en-US" dirty="0"/>
           </a:p>
@@ -17128,7 +17646,7 @@
 </p:sld>
 </file>
 
-<file path=ppt/slides/slide3.xml><?xml version="1.0" encoding="utf-8"?>
+<file path=ppt/slides/slide5.xml><?xml version="1.0" encoding="utf-8"?>
 <p:sld xmlns:a="http://schemas.openxmlformats.org/drawingml/2006/main" xmlns:r="http://schemas.openxmlformats.org/officeDocument/2006/relationships" xmlns:p="http://schemas.openxmlformats.org/presentationml/2006/main">
   <p:cSld>
     <p:spTree>
@@ -17315,7 +17833,7 @@
             <a:fld id="{B5CEABB6-07DC-46E8-9B57-56EC44A396E5}" type="slidenum">
               <a:rPr lang="en-US" smtClean="0"/>
               <a:pPr/>
-              <a:t>3</a:t>
+              <a:t>5</a:t>
             </a:fld>
             <a:endParaRPr lang="en-US" dirty="0"/>
           </a:p>
@@ -17931,7 +18449,7 @@
 </p:sld>
 </file>
 
-<file path=ppt/slides/slide4.xml><?xml version="1.0" encoding="utf-8"?>
+<file path=ppt/slides/slide6.xml><?xml version="1.0" encoding="utf-8"?>
 <p:sld xmlns:a="http://schemas.openxmlformats.org/drawingml/2006/main" xmlns:r="http://schemas.openxmlformats.org/officeDocument/2006/relationships" xmlns:p="http://schemas.openxmlformats.org/presentationml/2006/main">
   <p:cSld>
     <p:spTree>
@@ -18057,7 +18575,7 @@
           <a:p>
             <a:fld id="{B5CEABB6-07DC-46E8-9B57-56EC44A396E5}" type="slidenum">
               <a:rPr lang="en-US" smtClean="0"/>
-              <a:t>4</a:t>
+              <a:t>6</a:t>
             </a:fld>
             <a:endParaRPr lang="en-US" dirty="0"/>
           </a:p>
@@ -18081,9 +18599,12 @@
         </p:nvSpPr>
         <p:spPr>
           <a:xfrm>
-            <a:off x="838201" y="1199072"/>
-            <a:ext cx="4478517" cy="5436866"/>
-          </a:xfrm>
+            <a:off x="753844" y="1199072"/>
+            <a:ext cx="4439842" cy="5436866"/>
+          </a:xfrm>
+          <a:solidFill>
+            <a:schemeClr val="accent1"/>
+          </a:solidFill>
         </p:spPr>
         <p:txBody>
           <a:bodyPr/>
@@ -18248,7 +18769,7 @@
             </a:r>
             <a:r>
               <a:rPr lang="en-US" dirty="0" err="1"/>
-              <a:t>réglementé</a:t>
+              <a:t>limité</a:t>
             </a:r>
             <a:endParaRPr lang="en-US" dirty="0"/>
           </a:p>
@@ -18464,6 +18985,64 @@
           </a:fontRef>
         </p:style>
       </p:cxnSp>
+      <p:pic>
+        <p:nvPicPr>
+          <p:cNvPr id="7" name="Image 6" descr="Une image contenant logo, Graphique, Police, graphisme&#10;&#10;Le contenu généré par l’IA peut être incorrect.">
+            <a:extLst>
+              <a:ext uri="{FF2B5EF4-FFF2-40B4-BE49-F238E27FC236}">
+                <a16:creationId xmlns:a16="http://schemas.microsoft.com/office/drawing/2014/main" id="{78C76F25-07BB-AC0E-F33B-41FE2B216C56}"/>
+              </a:ext>
+            </a:extLst>
+          </p:cNvPr>
+          <p:cNvPicPr>
+            <a:picLocks noChangeAspect="1"/>
+          </p:cNvPicPr>
+          <p:nvPr/>
+        </p:nvPicPr>
+        <p:blipFill>
+          <a:blip r:embed="rId3"/>
+          <a:srcRect l="3961" t="27473" r="4988" b="25711"/>
+          <a:stretch/>
+        </p:blipFill>
+        <p:spPr>
+          <a:xfrm>
+            <a:off x="7985648" y="350581"/>
+            <a:ext cx="548977" cy="281015"/>
+          </a:xfrm>
+          <a:prstGeom prst="rect">
+            <a:avLst/>
+          </a:prstGeom>
+        </p:spPr>
+      </p:pic>
+      <p:pic>
+        <p:nvPicPr>
+          <p:cNvPr id="11" name="Image 10" descr="Une image contenant logo, Graphique, Police, graphisme&#10;&#10;Le contenu généré par l’IA peut être incorrect.">
+            <a:extLst>
+              <a:ext uri="{FF2B5EF4-FFF2-40B4-BE49-F238E27FC236}">
+                <a16:creationId xmlns:a16="http://schemas.microsoft.com/office/drawing/2014/main" id="{88E86994-23D5-B11A-A8FA-1718A14E1C35}"/>
+              </a:ext>
+            </a:extLst>
+          </p:cNvPr>
+          <p:cNvPicPr>
+            <a:picLocks noChangeAspect="1"/>
+          </p:cNvPicPr>
+          <p:nvPr/>
+        </p:nvPicPr>
+        <p:blipFill>
+          <a:blip r:embed="rId3"/>
+          <a:srcRect l="3961" t="27473" r="4988" b="25711"/>
+          <a:stretch/>
+        </p:blipFill>
+        <p:spPr>
+          <a:xfrm>
+            <a:off x="8986460" y="350580"/>
+            <a:ext cx="548977" cy="281015"/>
+          </a:xfrm>
+          <a:prstGeom prst="rect">
+            <a:avLst/>
+          </a:prstGeom>
+        </p:spPr>
+      </p:pic>
     </p:spTree>
     <p:extLst>
       <p:ext uri="{BB962C8B-B14F-4D97-AF65-F5344CB8AC3E}">
@@ -18477,7 +19056,7 @@
 </p:sld>
 </file>
 
-<file path=ppt/slides/slide5.xml><?xml version="1.0" encoding="utf-8"?>
+<file path=ppt/slides/slide7.xml><?xml version="1.0" encoding="utf-8"?>
 <p:sld xmlns:a="http://schemas.openxmlformats.org/drawingml/2006/main" xmlns:r="http://schemas.openxmlformats.org/officeDocument/2006/relationships" xmlns:p="http://schemas.openxmlformats.org/presentationml/2006/main">
   <p:cSld>
     <p:spTree>
@@ -18630,7 +19209,7 @@
             <a:fld id="{B5CEABB6-07DC-46E8-9B57-56EC44A396E5}" type="slidenum">
               <a:rPr lang="en-US" smtClean="0"/>
               <a:pPr/>
-              <a:t>5</a:t>
+              <a:t>7</a:t>
             </a:fld>
             <a:endParaRPr lang="en-US" dirty="0"/>
           </a:p>
@@ -18757,6 +19336,295 @@
     <p:extLst>
       <p:ext uri="{BB962C8B-B14F-4D97-AF65-F5344CB8AC3E}">
         <p14:creationId xmlns:p14="http://schemas.microsoft.com/office/powerpoint/2010/main" val="728076530"/>
+      </p:ext>
+    </p:extLst>
+  </p:cSld>
+  <p:clrMapOvr>
+    <a:masterClrMapping/>
+  </p:clrMapOvr>
+</p:sld>
+</file>
+
+<file path=ppt/slides/slide8.xml><?xml version="1.0" encoding="utf-8"?>
+<p:sld xmlns:a="http://schemas.openxmlformats.org/drawingml/2006/main" xmlns:r="http://schemas.openxmlformats.org/officeDocument/2006/relationships" xmlns:p="http://schemas.openxmlformats.org/presentationml/2006/main">
+  <p:cSld>
+    <p:spTree>
+      <p:nvGrpSpPr>
+        <p:cNvPr id="1" name="">
+          <a:extLst>
+            <a:ext uri="{FF2B5EF4-FFF2-40B4-BE49-F238E27FC236}">
+              <a16:creationId xmlns:a16="http://schemas.microsoft.com/office/drawing/2014/main" id="{73C83456-AC12-C271-75BB-B241BEBD5288}"/>
+            </a:ext>
+          </a:extLst>
+        </p:cNvPr>
+        <p:cNvGrpSpPr/>
+        <p:nvPr/>
+      </p:nvGrpSpPr>
+      <p:grpSpPr>
+        <a:xfrm>
+          <a:off x="0" y="0"/>
+          <a:ext cx="0" cy="0"/>
+          <a:chOff x="0" y="0"/>
+          <a:chExt cx="0" cy="0"/>
+        </a:xfrm>
+      </p:grpSpPr>
+      <p:sp>
+        <p:nvSpPr>
+          <p:cNvPr id="2" name="Titre 1">
+            <a:extLst>
+              <a:ext uri="{FF2B5EF4-FFF2-40B4-BE49-F238E27FC236}">
+                <a16:creationId xmlns:a16="http://schemas.microsoft.com/office/drawing/2014/main" id="{C9278465-5620-2E5C-D409-78E70781E96E}"/>
+              </a:ext>
+            </a:extLst>
+          </p:cNvPr>
+          <p:cNvSpPr>
+            <a:spLocks noGrp="1"/>
+          </p:cNvSpPr>
+          <p:nvPr>
+            <p:ph type="title"/>
+          </p:nvPr>
+        </p:nvSpPr>
+        <p:spPr>
+          <a:xfrm>
+            <a:off x="838200" y="222062"/>
+            <a:ext cx="10963274" cy="583781"/>
+          </a:xfrm>
+        </p:spPr>
+        <p:txBody>
+          <a:bodyPr/>
+          <a:lstStyle/>
+          <a:p>
+            <a:r>
+              <a:rPr lang="fr-FR" dirty="0"/>
+              <a:t>Conclusion</a:t>
+            </a:r>
+            <a:endParaRPr lang="en-US" dirty="0"/>
+          </a:p>
+        </p:txBody>
+      </p:sp>
+      <p:sp>
+        <p:nvSpPr>
+          <p:cNvPr id="3" name="Espace réservé de la date 2">
+            <a:extLst>
+              <a:ext uri="{FF2B5EF4-FFF2-40B4-BE49-F238E27FC236}">
+                <a16:creationId xmlns:a16="http://schemas.microsoft.com/office/drawing/2014/main" id="{C402D5D9-9C62-CF19-7F76-AE3D11A17A85}"/>
+              </a:ext>
+            </a:extLst>
+          </p:cNvPr>
+          <p:cNvSpPr>
+            <a:spLocks noGrp="1"/>
+          </p:cNvSpPr>
+          <p:nvPr>
+            <p:ph type="dt" sz="half" idx="10"/>
+          </p:nvPr>
+        </p:nvSpPr>
+        <p:spPr>
+          <a:xfrm>
+            <a:off x="838200" y="6356350"/>
+            <a:ext cx="2743200" cy="365125"/>
+          </a:xfrm>
+        </p:spPr>
+        <p:txBody>
+          <a:bodyPr/>
+          <a:lstStyle/>
+          <a:p>
+            <a:r>
+              <a:rPr lang="en-US" dirty="0"/>
+              <a:t>2025</a:t>
+            </a:r>
+          </a:p>
+        </p:txBody>
+      </p:sp>
+      <p:sp>
+        <p:nvSpPr>
+          <p:cNvPr id="4" name="Espace réservé du pied de page 3">
+            <a:extLst>
+              <a:ext uri="{FF2B5EF4-FFF2-40B4-BE49-F238E27FC236}">
+                <a16:creationId xmlns:a16="http://schemas.microsoft.com/office/drawing/2014/main" id="{6582985A-7C6C-7037-F5CE-A4A3B5498E65}"/>
+              </a:ext>
+            </a:extLst>
+          </p:cNvPr>
+          <p:cNvSpPr>
+            <a:spLocks noGrp="1"/>
+          </p:cNvSpPr>
+          <p:nvPr>
+            <p:ph type="ftr" sz="quarter" idx="11"/>
+          </p:nvPr>
+        </p:nvSpPr>
+        <p:spPr>
+          <a:xfrm>
+            <a:off x="4038600" y="6356350"/>
+            <a:ext cx="4114800" cy="365125"/>
+          </a:xfrm>
+        </p:spPr>
+        <p:txBody>
+          <a:bodyPr/>
+          <a:lstStyle/>
+          <a:p>
+            <a:r>
+              <a:rPr lang="en-US"/>
+              <a:t>Projet classification de documents</a:t>
+            </a:r>
+            <a:endParaRPr lang="en-US" dirty="0"/>
+          </a:p>
+        </p:txBody>
+      </p:sp>
+      <p:sp>
+        <p:nvSpPr>
+          <p:cNvPr id="5" name="Espace réservé du numéro de diapositive 4">
+            <a:extLst>
+              <a:ext uri="{FF2B5EF4-FFF2-40B4-BE49-F238E27FC236}">
+                <a16:creationId xmlns:a16="http://schemas.microsoft.com/office/drawing/2014/main" id="{24635DE6-DADE-AD50-A2B1-CC780B8A6CE1}"/>
+              </a:ext>
+            </a:extLst>
+          </p:cNvPr>
+          <p:cNvSpPr>
+            <a:spLocks noGrp="1"/>
+          </p:cNvSpPr>
+          <p:nvPr>
+            <p:ph type="sldNum" sz="quarter" idx="12"/>
+          </p:nvPr>
+        </p:nvSpPr>
+        <p:spPr>
+          <a:xfrm>
+            <a:off x="8610600" y="6356350"/>
+            <a:ext cx="2743200" cy="365125"/>
+          </a:xfrm>
+        </p:spPr>
+        <p:txBody>
+          <a:bodyPr/>
+          <a:lstStyle/>
+          <a:p>
+            <a:fld id="{B5CEABB6-07DC-46E8-9B57-56EC44A396E5}" type="slidenum">
+              <a:rPr lang="en-US" smtClean="0"/>
+              <a:pPr/>
+              <a:t>8</a:t>
+            </a:fld>
+            <a:endParaRPr lang="en-US" dirty="0"/>
+          </a:p>
+        </p:txBody>
+      </p:sp>
+      <p:sp>
+        <p:nvSpPr>
+          <p:cNvPr id="6" name="Espace réservé du contenu 5">
+            <a:extLst>
+              <a:ext uri="{FF2B5EF4-FFF2-40B4-BE49-F238E27FC236}">
+                <a16:creationId xmlns:a16="http://schemas.microsoft.com/office/drawing/2014/main" id="{B1601D69-96B6-161F-980F-BD5E211B4DBC}"/>
+              </a:ext>
+            </a:extLst>
+          </p:cNvPr>
+          <p:cNvSpPr>
+            <a:spLocks noGrp="1"/>
+          </p:cNvSpPr>
+          <p:nvPr>
+            <p:ph sz="quarter" idx="16"/>
+          </p:nvPr>
+        </p:nvSpPr>
+        <p:spPr>
+          <a:xfrm>
+            <a:off x="838200" y="1198563"/>
+            <a:ext cx="11353800" cy="4900612"/>
+          </a:xfrm>
+        </p:spPr>
+        <p:txBody>
+          <a:bodyPr/>
+          <a:lstStyle/>
+          <a:p>
+            <a:r>
+              <a:rPr lang="fr-FR" dirty="0"/>
+              <a:t>Nos accomplissements</a:t>
+            </a:r>
+          </a:p>
+          <a:p>
+            <a:pPr lvl="1"/>
+            <a:r>
+              <a:rPr lang="fr-FR" dirty="0"/>
+              <a:t>Une bonne collaboration d’équipe et un mode projet efficient !</a:t>
+            </a:r>
+          </a:p>
+          <a:p>
+            <a:pPr lvl="1"/>
+            <a:r>
+              <a:rPr lang="fr-FR" dirty="0"/>
+              <a:t>Réalisation des interfaces User et Admin prévues au début du projet : </a:t>
+            </a:r>
+            <a:r>
+              <a:rPr lang="fr-FR" dirty="0" err="1"/>
+              <a:t>Streamlit</a:t>
+            </a:r>
+            <a:endParaRPr lang="fr-FR" dirty="0"/>
+          </a:p>
+          <a:p>
+            <a:pPr lvl="1"/>
+            <a:r>
+              <a:rPr lang="fr-FR" dirty="0"/>
+              <a:t>Mise en œuvre d’une architecture en micro-services via Docker / </a:t>
+            </a:r>
+            <a:r>
+              <a:rPr lang="fr-FR" dirty="0" err="1"/>
+              <a:t>FastAPI</a:t>
+            </a:r>
+            <a:endParaRPr lang="fr-FR" dirty="0"/>
+          </a:p>
+          <a:p>
+            <a:pPr lvl="1"/>
+            <a:r>
+              <a:rPr lang="fr-FR" dirty="0"/>
+              <a:t>Exploitation de technologies </a:t>
+            </a:r>
+            <a:r>
+              <a:rPr lang="fr-FR" dirty="0" err="1"/>
+              <a:t>MLOps</a:t>
+            </a:r>
+            <a:endParaRPr lang="fr-FR" dirty="0"/>
+          </a:p>
+          <a:p>
+            <a:pPr lvl="2"/>
+            <a:r>
+              <a:rPr lang="fr-FR" dirty="0"/>
+              <a:t>Versioning : DVC / Git / </a:t>
+            </a:r>
+            <a:r>
+              <a:rPr lang="fr-FR" dirty="0" err="1"/>
+              <a:t>MLFlow</a:t>
+            </a:r>
+            <a:endParaRPr lang="fr-FR" dirty="0"/>
+          </a:p>
+          <a:p>
+            <a:pPr lvl="1"/>
+            <a:endParaRPr lang="fr-FR" dirty="0"/>
+          </a:p>
+          <a:p>
+            <a:pPr lvl="1"/>
+            <a:r>
+              <a:rPr lang="fr-FR" dirty="0"/>
+              <a:t>Application pratique des connaissances acquises via la formation </a:t>
+            </a:r>
+            <a:r>
+              <a:rPr lang="fr-FR" dirty="0" err="1"/>
+              <a:t>MLOps</a:t>
+            </a:r>
+            <a:endParaRPr lang="fr-FR" dirty="0"/>
+          </a:p>
+          <a:p>
+            <a:r>
+              <a:rPr lang="fr-FR" dirty="0"/>
+              <a:t>Ce qui nous pourrions faire pour aller plus loin</a:t>
+            </a:r>
+          </a:p>
+          <a:p>
+            <a:pPr lvl="1"/>
+            <a:r>
+              <a:rPr lang="fr-FR" dirty="0"/>
+              <a:t>…</a:t>
+            </a:r>
+          </a:p>
+        </p:txBody>
+      </p:sp>
+    </p:spTree>
+    <p:extLst>
+      <p:ext uri="{BB962C8B-B14F-4D97-AF65-F5344CB8AC3E}">
+        <p14:creationId xmlns:p14="http://schemas.microsoft.com/office/powerpoint/2010/main" val="382169394"/>
       </p:ext>
     </p:extLst>
   </p:cSld>
@@ -19864,6 +20732,15 @@
 </file>
 
 <file path=customXml/item2.xml><?xml version="1.0" encoding="utf-8"?>
+<?mso-contentType ?>
+<FormTemplates xmlns="http://schemas.microsoft.com/sharepoint/v3/contenttype/forms">
+  <Display>DocumentLibraryForm</Display>
+  <Edit>DocumentLibraryForm</Edit>
+  <New>DocumentLibraryForm</New>
+</FormTemplates>
+</file>
+
+<file path=customXml/item3.xml><?xml version="1.0" encoding="utf-8"?>
 <p:properties xmlns:p="http://schemas.microsoft.com/office/2006/metadata/properties" xmlns:xsi="http://www.w3.org/2001/XMLSchema-instance" xmlns:pc="http://schemas.microsoft.com/office/infopath/2007/PartnerControls">
   <documentManagement>
     <_ip_UnifiedCompliancePolicyUIAction xmlns="http://schemas.microsoft.com/sharepoint/v3" xsi:nil="true"/>
@@ -19881,15 +20758,6 @@
     <MediaServiceKeyPoints xmlns="71af3243-3dd4-4a8d-8c0d-dd76da1f02a5" xsi:nil="true"/>
   </documentManagement>
 </p:properties>
-</file>
-
-<file path=customXml/item3.xml><?xml version="1.0" encoding="utf-8"?>
-<?mso-contentType ?>
-<FormTemplates xmlns="http://schemas.microsoft.com/sharepoint/v3/contenttype/forms">
-  <Display>DocumentLibraryForm</Display>
-  <Edit>DocumentLibraryForm</Edit>
-  <New>DocumentLibraryForm</New>
-</FormTemplates>
 </file>
 
 <file path=customXml/itemProps1.xml><?xml version="1.0" encoding="utf-8"?>
@@ -19914,6 +20782,14 @@
 </file>
 
 <file path=customXml/itemProps2.xml><?xml version="1.0" encoding="utf-8"?>
+<ds:datastoreItem xmlns:ds="http://schemas.openxmlformats.org/officeDocument/2006/customXml" ds:itemID="{79BF405E-7930-4D5C-ABB3-493E9D6D6CEA}">
+  <ds:schemaRefs>
+    <ds:schemaRef ds:uri="http://schemas.microsoft.com/sharepoint/v3/contenttype/forms"/>
+  </ds:schemaRefs>
+</ds:datastoreItem>
+</file>
+
+<file path=customXml/itemProps3.xml><?xml version="1.0" encoding="utf-8"?>
 <ds:datastoreItem xmlns:ds="http://schemas.openxmlformats.org/officeDocument/2006/customXml" ds:itemID="{6EA97235-BEC4-4F82-87A8-2F5DAD53B5F9}">
   <ds:schemaRefs>
     <ds:schemaRef ds:uri="http://schemas.microsoft.com/office/2006/metadata/properties"/>
@@ -19925,14 +20801,6 @@
 </ds:datastoreItem>
 </file>
 
-<file path=customXml/itemProps3.xml><?xml version="1.0" encoding="utf-8"?>
-<ds:datastoreItem xmlns:ds="http://schemas.openxmlformats.org/officeDocument/2006/customXml" ds:itemID="{79BF405E-7930-4D5C-ABB3-493E9D6D6CEA}">
-  <ds:schemaRefs>
-    <ds:schemaRef ds:uri="http://schemas.microsoft.com/sharepoint/v3/contenttype/forms"/>
-  </ds:schemaRefs>
-</ds:datastoreItem>
-</file>
-
 <file path=docMetadata/LabelInfo.xml><?xml version="1.0" encoding="utf-8"?>
 <clbl:labelList xmlns:clbl="http://schemas.microsoft.com/office/2020/mipLabelMetadata"/>
 </file>
--- a/report/Projet_classification_MLOps_Partie4_Killian.pptx
+++ b/report/Projet_classification_MLOps_Partie4_Killian.pptx
@@ -16876,8 +16876,8 @@
         </p:nvSpPr>
         <p:spPr>
           <a:xfrm>
-            <a:off x="838200" y="1198563"/>
-            <a:ext cx="10766196" cy="4900612"/>
+            <a:off x="838199" y="1198562"/>
+            <a:ext cx="11185897" cy="5094819"/>
           </a:xfrm>
         </p:spPr>
         <p:txBody>
@@ -16892,25 +16892,29 @@
           <a:p>
             <a:pPr lvl="1"/>
             <a:r>
+              <a:rPr lang="fr-FR" b="1" dirty="0"/>
+              <a:t>Repo code source </a:t>
+            </a:r>
+            <a:r>
               <a:rPr lang="fr-FR" dirty="0"/>
-              <a:t>Repo code source original des dockers </a:t>
+              <a:t>(code original des dockers)</a:t>
             </a:r>
           </a:p>
           <a:p>
             <a:pPr lvl="1"/>
             <a:r>
+              <a:rPr lang="fr-FR" b="1" dirty="0"/>
+              <a:t>Repo code déploiement</a:t>
+            </a:r>
+          </a:p>
+          <a:p>
+            <a:r>
               <a:rPr lang="fr-FR" dirty="0"/>
-              <a:t>Repo code déploiement</a:t>
-            </a:r>
-          </a:p>
-          <a:p>
-            <a:r>
-              <a:rPr lang="fr-FR" dirty="0"/>
-              <a:t>Jenkins sur </a:t>
+              <a:t>Jenkins sur Git - </a:t>
             </a:r>
             <a:r>
               <a:rPr lang="fr-FR" sz="2800" dirty="0"/>
-              <a:t>commit dans la branche /main (Pull </a:t>
+              <a:t>Pull </a:t>
             </a:r>
             <a:r>
               <a:rPr lang="fr-FR" sz="2800" dirty="0" err="1"/>
@@ -16918,18 +16922,15 @@
             </a:r>
             <a:r>
               <a:rPr lang="fr-FR" sz="2800" dirty="0"/>
-              <a:t>)</a:t>
+              <a:t> dans la branche /main</a:t>
             </a:r>
           </a:p>
           <a:p>
             <a:pPr lvl="1"/>
             <a:r>
               <a:rPr lang="fr-FR" dirty="0"/>
-              <a:t>Run tests unitaires</a:t>
-            </a:r>
-          </a:p>
-          <a:p>
-            <a:pPr lvl="1"/>
+              <a:t>Run tests unitaires puis </a:t>
+            </a:r>
             <a:r>
               <a:rPr lang="fr-FR" dirty="0" err="1"/>
               <a:t>Build</a:t>
@@ -16943,49 +16944,415 @@
             <a:pPr lvl="1"/>
             <a:r>
               <a:rPr lang="fr-FR" dirty="0"/>
-              <a:t>Run tests intégrations &amp; fonctionnels</a:t>
+              <a:t>Run tests intégrations &amp; tests fonctionnels</a:t>
             </a:r>
           </a:p>
           <a:p>
             <a:pPr lvl="1"/>
             <a:r>
               <a:rPr lang="fr-FR" dirty="0"/>
-              <a:t>Push sur Docker Hub</a:t>
-            </a:r>
+              <a:t>Push des dockers sur </a:t>
+            </a:r>
+            <a:r>
+              <a:rPr lang="fr-FR" dirty="0" err="1"/>
+              <a:t>DockerHub</a:t>
+            </a:r>
+            <a:endParaRPr lang="fr-FR" dirty="0"/>
           </a:p>
           <a:p>
             <a:pPr lvl="1"/>
             <a:r>
+              <a:rPr lang="fr-FR" dirty="0" err="1"/>
+              <a:t>Synchronize</a:t>
+            </a:r>
+            <a:r>
               <a:rPr lang="fr-FR" dirty="0"/>
-              <a:t>Copie Repo code source </a:t>
+              <a:t> </a:t>
+            </a:r>
+            <a:r>
+              <a:rPr lang="fr-FR" b="1" dirty="0"/>
+              <a:t>Repo code source </a:t>
             </a:r>
             <a:r>
               <a:rPr lang="fr-FR" dirty="0">
                 <a:sym typeface="Wingdings" panose="05000000000000000000" pitchFamily="2" charset="2"/>
               </a:rPr>
-              <a:t> Repo code </a:t>
-            </a:r>
-            <a:r>
-              <a:rPr lang="fr-FR" dirty="0" err="1">
+              <a:t>// </a:t>
+            </a:r>
+            <a:r>
+              <a:rPr lang="fr-FR" b="1" dirty="0">
                 <a:sym typeface="Wingdings" panose="05000000000000000000" pitchFamily="2" charset="2"/>
               </a:rPr>
-              <a:t>deploiement</a:t>
+              <a:t>Repo code déploiement</a:t>
+            </a:r>
+            <a:endParaRPr lang="fr-FR" b="1" dirty="0"/>
+          </a:p>
+          <a:p>
+            <a:r>
+              <a:rPr lang="fr-FR" dirty="0" err="1"/>
+              <a:t>ArgoCD</a:t>
             </a:r>
             <a:endParaRPr lang="fr-FR" dirty="0"/>
           </a:p>
           <a:p>
+            <a:pPr lvl="1"/>
             <a:r>
               <a:rPr lang="fr-FR" dirty="0"/>
-              <a:t>CD: </a:t>
+              <a:t>Scrute </a:t>
+            </a:r>
+            <a:r>
+              <a:rPr lang="fr-FR" b="1" dirty="0"/>
+              <a:t>Repo code déploiement</a:t>
+            </a:r>
+            <a:r>
+              <a:rPr lang="fr-FR" dirty="0"/>
+              <a:t> en quête de modification</a:t>
+            </a:r>
+            <a:endParaRPr lang="fr-FR" b="1" dirty="0"/>
+          </a:p>
+          <a:p>
+            <a:pPr lvl="1"/>
+            <a:r>
+              <a:rPr lang="fr-FR" dirty="0"/>
+              <a:t>Re-Run les Dockers depuis </a:t>
             </a:r>
             <a:r>
               <a:rPr lang="fr-FR" dirty="0" err="1"/>
-              <a:t>Argo</a:t>
+              <a:t>DockerHub</a:t>
+            </a:r>
+            <a:r>
+              <a:rPr lang="fr-FR" dirty="0"/>
+              <a:t> si nécessaire</a:t>
+            </a:r>
+          </a:p>
+          <a:p>
+            <a:pPr lvl="1"/>
+            <a:r>
+              <a:rPr lang="fr-FR" dirty="0" err="1"/>
+              <a:t>Deploie</a:t>
+            </a:r>
+            <a:r>
+              <a:rPr lang="fr-FR" dirty="0"/>
+              <a:t> les Dockers sur </a:t>
+            </a:r>
+            <a:r>
+              <a:rPr lang="fr-FR" dirty="0" err="1"/>
+              <a:t>Kubernetes</a:t>
             </a:r>
             <a:endParaRPr lang="fr-FR" dirty="0"/>
           </a:p>
         </p:txBody>
       </p:sp>
+      <p:pic>
+        <p:nvPicPr>
+          <p:cNvPr id="8" name="Image 7" descr="Une image contenant clipart, conception, illustration, dessin humoristique&#10;&#10;Le contenu généré par l’IA peut être incorrect.">
+            <a:extLst>
+              <a:ext uri="{FF2B5EF4-FFF2-40B4-BE49-F238E27FC236}">
+                <a16:creationId xmlns:a16="http://schemas.microsoft.com/office/drawing/2014/main" id="{2B56E88E-94CD-CF64-D62B-7FC7D5C3B707}"/>
+              </a:ext>
+            </a:extLst>
+          </p:cNvPr>
+          <p:cNvPicPr>
+            <a:picLocks noChangeAspect="1"/>
+          </p:cNvPicPr>
+          <p:nvPr/>
+        </p:nvPicPr>
+        <p:blipFill>
+          <a:blip r:embed="rId2"/>
+          <a:srcRect l="1314" t="3238" r="1650" b="3238"/>
+          <a:stretch/>
+        </p:blipFill>
+        <p:spPr>
+          <a:xfrm>
+            <a:off x="9880338" y="3575984"/>
+            <a:ext cx="1917569" cy="1039593"/>
+          </a:xfrm>
+          <a:prstGeom prst="rect">
+            <a:avLst/>
+          </a:prstGeom>
+        </p:spPr>
+      </p:pic>
+      <p:sp>
+        <p:nvSpPr>
+          <p:cNvPr id="10" name="Flèche : droite 9">
+            <a:extLst>
+              <a:ext uri="{FF2B5EF4-FFF2-40B4-BE49-F238E27FC236}">
+                <a16:creationId xmlns:a16="http://schemas.microsoft.com/office/drawing/2014/main" id="{EED1A81D-8333-CCE8-03BE-BFE440EC867A}"/>
+              </a:ext>
+            </a:extLst>
+          </p:cNvPr>
+          <p:cNvSpPr/>
+          <p:nvPr/>
+        </p:nvSpPr>
+        <p:spPr>
+          <a:xfrm rot="5400000">
+            <a:off x="10246372" y="2498217"/>
+            <a:ext cx="339365" cy="1547450"/>
+          </a:xfrm>
+          <a:prstGeom prst="rightArrow">
+            <a:avLst/>
+          </a:prstGeom>
+        </p:spPr>
+        <p:style>
+          <a:lnRef idx="2">
+            <a:schemeClr val="accent1">
+              <a:shade val="15000"/>
+            </a:schemeClr>
+          </a:lnRef>
+          <a:fillRef idx="1">
+            <a:schemeClr val="accent1"/>
+          </a:fillRef>
+          <a:effectRef idx="0">
+            <a:schemeClr val="accent1"/>
+          </a:effectRef>
+          <a:fontRef idx="minor">
+            <a:schemeClr val="lt1"/>
+          </a:fontRef>
+        </p:style>
+        <p:txBody>
+          <a:bodyPr rtlCol="0" anchor="ctr"/>
+          <a:lstStyle/>
+          <a:p>
+            <a:pPr algn="ctr"/>
+            <a:endParaRPr lang="fr-FR"/>
+          </a:p>
+        </p:txBody>
+      </p:sp>
+      <p:pic>
+        <p:nvPicPr>
+          <p:cNvPr id="15" name="Image 14" descr="Une image contenant clipart, Graphique, dessin humoristique, créativité&#10;&#10;Le contenu généré par l’IA peut être incorrect.">
+            <a:extLst>
+              <a:ext uri="{FF2B5EF4-FFF2-40B4-BE49-F238E27FC236}">
+                <a16:creationId xmlns:a16="http://schemas.microsoft.com/office/drawing/2014/main" id="{F43F811A-7BA9-0307-1F36-02B6484EC367}"/>
+              </a:ext>
+            </a:extLst>
+          </p:cNvPr>
+          <p:cNvPicPr>
+            <a:picLocks noChangeAspect="1"/>
+          </p:cNvPicPr>
+          <p:nvPr/>
+        </p:nvPicPr>
+        <p:blipFill>
+          <a:blip r:embed="rId3"/>
+          <a:stretch>
+            <a:fillRect/>
+          </a:stretch>
+        </p:blipFill>
+        <p:spPr>
+          <a:xfrm>
+            <a:off x="9258039" y="2206086"/>
+            <a:ext cx="1136976" cy="815369"/>
+          </a:xfrm>
+          <a:prstGeom prst="rect">
+            <a:avLst/>
+          </a:prstGeom>
+        </p:spPr>
+      </p:pic>
+      <p:pic>
+        <p:nvPicPr>
+          <p:cNvPr id="16" name="Image 15" descr="Une image contenant clipart, Graphique, dessin humoristique, créativité&#10;&#10;Le contenu généré par l’IA peut être incorrect.">
+            <a:extLst>
+              <a:ext uri="{FF2B5EF4-FFF2-40B4-BE49-F238E27FC236}">
+                <a16:creationId xmlns:a16="http://schemas.microsoft.com/office/drawing/2014/main" id="{1A12BB6A-E63F-06C2-B2CE-DD39F64FAF95}"/>
+              </a:ext>
+            </a:extLst>
+          </p:cNvPr>
+          <p:cNvPicPr>
+            <a:picLocks noChangeAspect="1"/>
+          </p:cNvPicPr>
+          <p:nvPr/>
+        </p:nvPicPr>
+        <p:blipFill>
+          <a:blip r:embed="rId3"/>
+          <a:stretch>
+            <a:fillRect/>
+          </a:stretch>
+        </p:blipFill>
+        <p:spPr>
+          <a:xfrm>
+            <a:off x="9978796" y="1489236"/>
+            <a:ext cx="1136976" cy="815369"/>
+          </a:xfrm>
+          <a:prstGeom prst="rect">
+            <a:avLst/>
+          </a:prstGeom>
+        </p:spPr>
+      </p:pic>
+      <p:pic>
+        <p:nvPicPr>
+          <p:cNvPr id="17" name="Image 16" descr="Une image contenant clipart, Graphique, dessin humoristique, créativité&#10;&#10;Le contenu généré par l’IA peut être incorrect.">
+            <a:extLst>
+              <a:ext uri="{FF2B5EF4-FFF2-40B4-BE49-F238E27FC236}">
+                <a16:creationId xmlns:a16="http://schemas.microsoft.com/office/drawing/2014/main" id="{5F164AAB-04E5-3C21-FFF6-E8BB0B53E4E9}"/>
+              </a:ext>
+            </a:extLst>
+          </p:cNvPr>
+          <p:cNvPicPr>
+            <a:picLocks noChangeAspect="1"/>
+          </p:cNvPicPr>
+          <p:nvPr/>
+        </p:nvPicPr>
+        <p:blipFill>
+          <a:blip r:embed="rId3"/>
+          <a:stretch>
+            <a:fillRect/>
+          </a:stretch>
+        </p:blipFill>
+        <p:spPr>
+          <a:xfrm>
+            <a:off x="10621292" y="2165900"/>
+            <a:ext cx="1136976" cy="815369"/>
+          </a:xfrm>
+          <a:prstGeom prst="rect">
+            <a:avLst/>
+          </a:prstGeom>
+        </p:spPr>
+      </p:pic>
+      <p:pic>
+        <p:nvPicPr>
+          <p:cNvPr id="18" name="Image 17" descr="Une image contenant Police, logo, symbole, Graphique&#10;&#10;Le contenu généré par l’IA peut être incorrect.">
+            <a:extLst>
+              <a:ext uri="{FF2B5EF4-FFF2-40B4-BE49-F238E27FC236}">
+                <a16:creationId xmlns:a16="http://schemas.microsoft.com/office/drawing/2014/main" id="{E75D0394-1D82-0A7F-8A9A-64D8E357E659}"/>
+              </a:ext>
+            </a:extLst>
+          </p:cNvPr>
+          <p:cNvPicPr>
+            <a:picLocks noChangeAspect="1"/>
+          </p:cNvPicPr>
+          <p:nvPr/>
+        </p:nvPicPr>
+        <p:blipFill>
+          <a:blip r:embed="rId4"/>
+          <a:srcRect l="-3197" t="27080" r="-3106" b="27204"/>
+          <a:stretch/>
+        </p:blipFill>
+        <p:spPr>
+          <a:xfrm>
+            <a:off x="9057223" y="819522"/>
+            <a:ext cx="1170212" cy="503265"/>
+          </a:xfrm>
+          <a:prstGeom prst="rect">
+            <a:avLst/>
+          </a:prstGeom>
+        </p:spPr>
+      </p:pic>
+      <p:sp>
+        <p:nvSpPr>
+          <p:cNvPr id="19" name="ZoneTexte 18">
+            <a:extLst>
+              <a:ext uri="{FF2B5EF4-FFF2-40B4-BE49-F238E27FC236}">
+                <a16:creationId xmlns:a16="http://schemas.microsoft.com/office/drawing/2014/main" id="{48C759D2-8A8A-4FFD-AE92-3702677C243A}"/>
+              </a:ext>
+            </a:extLst>
+          </p:cNvPr>
+          <p:cNvSpPr txBox="1"/>
+          <p:nvPr/>
+        </p:nvSpPr>
+        <p:spPr>
+          <a:xfrm>
+            <a:off x="10207446" y="798154"/>
+            <a:ext cx="1843774" cy="461665"/>
+          </a:xfrm>
+          <a:prstGeom prst="rect">
+            <a:avLst/>
+          </a:prstGeom>
+          <a:noFill/>
+        </p:spPr>
+        <p:txBody>
+          <a:bodyPr wrap="none" rtlCol="0">
+            <a:spAutoFit/>
+          </a:bodyPr>
+          <a:lstStyle/>
+          <a:p>
+            <a:r>
+              <a:rPr lang="fr-FR" sz="2400" b="1" dirty="0"/>
+              <a:t>Pull </a:t>
+            </a:r>
+            <a:r>
+              <a:rPr lang="fr-FR" sz="2400" b="1" dirty="0" err="1"/>
+              <a:t>Request</a:t>
+            </a:r>
+            <a:endParaRPr lang="fr-FR" sz="2400" b="1" dirty="0"/>
+          </a:p>
+        </p:txBody>
+      </p:sp>
+      <p:sp>
+        <p:nvSpPr>
+          <p:cNvPr id="20" name="Flèche : droite 19">
+            <a:extLst>
+              <a:ext uri="{FF2B5EF4-FFF2-40B4-BE49-F238E27FC236}">
+                <a16:creationId xmlns:a16="http://schemas.microsoft.com/office/drawing/2014/main" id="{B269AFA2-AA46-C65D-336E-FAFE6F1663B1}"/>
+              </a:ext>
+            </a:extLst>
+          </p:cNvPr>
+          <p:cNvSpPr/>
+          <p:nvPr/>
+        </p:nvSpPr>
+        <p:spPr>
+          <a:xfrm rot="5400000">
+            <a:off x="10306964" y="4318639"/>
+            <a:ext cx="339365" cy="1547450"/>
+          </a:xfrm>
+          <a:prstGeom prst="rightArrow">
+            <a:avLst/>
+          </a:prstGeom>
+        </p:spPr>
+        <p:style>
+          <a:lnRef idx="2">
+            <a:schemeClr val="accent1">
+              <a:shade val="15000"/>
+            </a:schemeClr>
+          </a:lnRef>
+          <a:fillRef idx="1">
+            <a:schemeClr val="accent1"/>
+          </a:fillRef>
+          <a:effectRef idx="0">
+            <a:schemeClr val="accent1"/>
+          </a:effectRef>
+          <a:fontRef idx="minor">
+            <a:schemeClr val="lt1"/>
+          </a:fontRef>
+        </p:style>
+        <p:txBody>
+          <a:bodyPr rtlCol="0" anchor="ctr"/>
+          <a:lstStyle/>
+          <a:p>
+            <a:pPr algn="ctr"/>
+            <a:endParaRPr lang="fr-FR"/>
+          </a:p>
+        </p:txBody>
+      </p:sp>
+      <p:pic>
+        <p:nvPicPr>
+          <p:cNvPr id="21" name="Image 20" descr="Une image contenant symbole, Police, logo, Marque&#10;&#10;Le contenu généré par l’IA peut être incorrect.">
+            <a:extLst>
+              <a:ext uri="{FF2B5EF4-FFF2-40B4-BE49-F238E27FC236}">
+                <a16:creationId xmlns:a16="http://schemas.microsoft.com/office/drawing/2014/main" id="{2391CDE8-2B08-73D5-3B09-05AA639E7C4D}"/>
+              </a:ext>
+            </a:extLst>
+          </p:cNvPr>
+          <p:cNvPicPr>
+            <a:picLocks noChangeAspect="1"/>
+          </p:cNvPicPr>
+          <p:nvPr/>
+        </p:nvPicPr>
+        <p:blipFill>
+          <a:blip r:embed="rId5"/>
+          <a:stretch>
+            <a:fillRect/>
+          </a:stretch>
+        </p:blipFill>
+        <p:spPr>
+          <a:xfrm>
+            <a:off x="9642329" y="5284255"/>
+            <a:ext cx="1750311" cy="980174"/>
+          </a:xfrm>
+          <a:prstGeom prst="rect">
+            <a:avLst/>
+          </a:prstGeom>
+        </p:spPr>
+      </p:pic>
     </p:spTree>
     <p:extLst>
       <p:ext uri="{BB962C8B-B14F-4D97-AF65-F5344CB8AC3E}">
@@ -17216,8 +17583,8 @@
         </p:nvSpPr>
         <p:spPr>
           <a:xfrm>
-            <a:off x="5326144" y="4817097"/>
-            <a:ext cx="6381948" cy="1539252"/>
+            <a:off x="3407004" y="4720071"/>
+            <a:ext cx="7946796" cy="1818841"/>
           </a:xfrm>
           <a:solidFill>
             <a:schemeClr val="accent1"/>
@@ -17227,23 +17594,59 @@
           <a:bodyPr/>
           <a:lstStyle/>
           <a:p>
+            <a:pPr marL="0" indent="0">
+              <a:buNone/>
+            </a:pPr>
             <a:r>
               <a:rPr lang="fr-FR" sz="2400" dirty="0"/>
-              <a:t>Scripts pour scruter le repo code source</a:t>
+              <a:t>Scripts lancés sur commit/repo code source</a:t>
             </a:r>
           </a:p>
           <a:p>
             <a:pPr lvl="1"/>
             <a:r>
               <a:rPr lang="fr-FR" sz="2000" dirty="0"/>
-              <a:t>Lancer les tests</a:t>
-            </a:r>
+              <a:t>Lancer les tests unitaires et vérifier si les tests sont </a:t>
+            </a:r>
+            <a:r>
+              <a:rPr lang="fr-FR" sz="2000" dirty="0" err="1"/>
+              <a:t>pass</a:t>
+            </a:r>
+            <a:endParaRPr lang="fr-FR" sz="2000" dirty="0"/>
           </a:p>
           <a:p>
             <a:pPr lvl="1"/>
             <a:r>
+              <a:rPr lang="fr-FR" sz="2000" dirty="0" err="1"/>
+              <a:t>Build</a:t>
+            </a:r>
+            <a:r>
               <a:rPr lang="fr-FR" sz="2000" dirty="0"/>
-              <a:t>Exécuter </a:t>
+              <a:t> des dockers et vérifier si les tests d’intégration sont </a:t>
+            </a:r>
+            <a:r>
+              <a:rPr lang="fr-FR" sz="2000" dirty="0" err="1"/>
+              <a:t>pass</a:t>
+            </a:r>
+            <a:endParaRPr lang="fr-FR" sz="2000" dirty="0"/>
+          </a:p>
+          <a:p>
+            <a:pPr lvl="1"/>
+            <a:r>
+              <a:rPr lang="fr-FR" sz="2000" dirty="0"/>
+              <a:t>Push sur </a:t>
+            </a:r>
+            <a:r>
+              <a:rPr lang="fr-FR" sz="2000" dirty="0" err="1"/>
+              <a:t>DockerHub</a:t>
+            </a:r>
+            <a:endParaRPr lang="fr-FR" sz="2000" dirty="0"/>
+          </a:p>
+          <a:p>
+            <a:pPr lvl="1"/>
+            <a:r>
+              <a:rPr lang="fr-FR" sz="2000" dirty="0"/>
+              <a:t>Synchro Repo code source || Repo code déploiement</a:t>
             </a:r>
           </a:p>
         </p:txBody>
@@ -17299,10 +17702,6 @@
           <a:bodyPr/>
           <a:lstStyle/>
           <a:p>
-            <a:r>
-              <a:rPr lang="en-US" dirty="0"/>
-              <a:t>CD : </a:t>
-            </a:r>
             <a:r>
               <a:rPr lang="en-US" dirty="0" err="1"/>
               <a:t>ArgoCD</a:t>
@@ -18600,7 +18999,7 @@
         <p:spPr>
           <a:xfrm>
             <a:off x="753844" y="1199072"/>
-            <a:ext cx="4439842" cy="5436866"/>
+            <a:ext cx="4439842" cy="5157278"/>
           </a:xfrm>
           <a:solidFill>
             <a:schemeClr val="accent1"/>
@@ -18681,6 +19080,9 @@
             <a:endParaRPr lang="en-US" b="1" dirty="0"/>
           </a:p>
           <a:p>
+            <a:endParaRPr lang="en-US" dirty="0"/>
+          </a:p>
+          <a:p>
             <a:r>
               <a:rPr lang="en-US" dirty="0"/>
               <a:t>Dans la </a:t>
@@ -18732,46 +19134,22 @@
             <a:endParaRPr lang="en-US" dirty="0"/>
           </a:p>
           <a:p>
-            <a:pPr lvl="1"/>
             <a:r>
               <a:rPr lang="en-US" dirty="0" err="1"/>
               <a:t>Accès</a:t>
             </a:r>
             <a:r>
               <a:rPr lang="en-US" dirty="0"/>
-              <a:t> externe aux volumes </a:t>
-            </a:r>
-            <a:r>
-              <a:rPr lang="en-US" dirty="0" err="1"/>
-              <a:t>partagés</a:t>
-            </a:r>
-            <a:r>
-              <a:rPr lang="en-US" dirty="0"/>
-              <a:t> entre dockers </a:t>
-            </a:r>
-            <a:r>
-              <a:rPr lang="en-US" dirty="0" err="1"/>
-              <a:t>est</a:t>
-            </a:r>
-            <a:r>
-              <a:rPr lang="en-US" dirty="0"/>
-              <a:t> impossible</a:t>
-            </a:r>
-          </a:p>
-          <a:p>
-            <a:r>
-              <a:rPr lang="en-US" dirty="0" err="1"/>
-              <a:t>Accès</a:t>
-            </a:r>
-            <a:r>
-              <a:rPr lang="en-US" dirty="0"/>
               <a:t> au S3 </a:t>
             </a:r>
             <a:r>
               <a:rPr lang="en-US" dirty="0" err="1"/>
               <a:t>limité</a:t>
             </a:r>
-            <a:endParaRPr lang="en-US" dirty="0"/>
+            <a:r>
+              <a:rPr lang="en-US" dirty="0"/>
+              <a:t> à 2 dockers</a:t>
+            </a:r>
           </a:p>
           <a:p>
             <a:pPr marL="0" indent="0">
@@ -19396,7 +19774,11 @@
           <a:p>
             <a:r>
               <a:rPr lang="fr-FR" dirty="0"/>
-              <a:t>Conclusion</a:t>
+              <a:t>Conclusion du projet </a:t>
+            </a:r>
+            <a:r>
+              <a:rPr lang="fr-FR" dirty="0" err="1"/>
+              <a:t>MLOps</a:t>
             </a:r>
             <a:endParaRPr lang="en-US" dirty="0"/>
           </a:p>
@@ -19522,8 +19904,8 @@
         </p:nvSpPr>
         <p:spPr>
           <a:xfrm>
-            <a:off x="838200" y="1198563"/>
-            <a:ext cx="11353800" cy="4900612"/>
+            <a:off x="838200" y="878052"/>
+            <a:ext cx="11353800" cy="5757886"/>
           </a:xfrm>
         </p:spPr>
         <p:txBody>
@@ -19532,7 +19914,7 @@
           <a:p>
             <a:r>
               <a:rPr lang="fr-FR" dirty="0"/>
-              <a:t>Nos accomplissements</a:t>
+              <a:t>Les accomplissements</a:t>
             </a:r>
           </a:p>
           <a:p>
@@ -19546,31 +19928,7 @@
             <a:pPr lvl="1"/>
             <a:r>
               <a:rPr lang="fr-FR" dirty="0"/>
-              <a:t>Réalisation des interfaces User et Admin prévues au début du projet : </a:t>
-            </a:r>
-            <a:r>
-              <a:rPr lang="fr-FR" dirty="0" err="1"/>
-              <a:t>Streamlit</a:t>
-            </a:r>
-            <a:endParaRPr lang="fr-FR" dirty="0"/>
-          </a:p>
-          <a:p>
-            <a:pPr lvl="1"/>
-            <a:r>
-              <a:rPr lang="fr-FR" dirty="0"/>
-              <a:t>Mise en œuvre d’une architecture en micro-services via Docker / </a:t>
-            </a:r>
-            <a:r>
-              <a:rPr lang="fr-FR" dirty="0" err="1"/>
-              <a:t>FastAPI</a:t>
-            </a:r>
-            <a:endParaRPr lang="fr-FR" dirty="0"/>
-          </a:p>
-          <a:p>
-            <a:pPr lvl="1"/>
-            <a:r>
-              <a:rPr lang="fr-FR" dirty="0"/>
-              <a:t>Exploitation de technologies </a:t>
+              <a:t>Exploitation et mise en œuvre concrète de technologies </a:t>
             </a:r>
             <a:r>
               <a:rPr lang="fr-FR" dirty="0" err="1"/>
@@ -19581,18 +19939,136 @@
           <a:p>
             <a:pPr lvl="2"/>
             <a:r>
-              <a:rPr lang="fr-FR" dirty="0"/>
-              <a:t>Versioning : DVC / Git / </a:t>
-            </a:r>
-            <a:r>
-              <a:rPr lang="fr-FR" dirty="0" err="1"/>
+              <a:rPr lang="fr-FR" sz="2400" dirty="0"/>
+              <a:t>Interfaces User/Admin : </a:t>
+            </a:r>
+            <a:r>
+              <a:rPr lang="fr-FR" sz="2400" b="1" dirty="0" err="1"/>
+              <a:t>Streamlit</a:t>
+            </a:r>
+            <a:endParaRPr lang="fr-FR" sz="2400" b="1" dirty="0"/>
+          </a:p>
+          <a:p>
+            <a:pPr lvl="2"/>
+            <a:r>
+              <a:rPr lang="fr-FR" sz="2400" dirty="0"/>
+              <a:t>Architecture en micro-services via </a:t>
+            </a:r>
+            <a:r>
+              <a:rPr lang="fr-FR" sz="2400" b="1" dirty="0"/>
+              <a:t>Docker</a:t>
+            </a:r>
+            <a:r>
+              <a:rPr lang="fr-FR" sz="2400" dirty="0"/>
+              <a:t> / </a:t>
+            </a:r>
+            <a:r>
+              <a:rPr lang="fr-FR" sz="2400" b="1" dirty="0" err="1"/>
+              <a:t>FastAPI</a:t>
+            </a:r>
+            <a:endParaRPr lang="fr-FR" sz="2400" b="1" dirty="0"/>
+          </a:p>
+          <a:p>
+            <a:pPr lvl="2"/>
+            <a:r>
+              <a:rPr lang="fr-FR" sz="2400" dirty="0"/>
+              <a:t>Versioning &amp; Reproductibilité : </a:t>
+            </a:r>
+            <a:r>
+              <a:rPr lang="fr-FR" sz="2400" b="1" dirty="0"/>
+              <a:t>DVC </a:t>
+            </a:r>
+            <a:r>
+              <a:rPr lang="fr-FR" sz="2400" dirty="0"/>
+              <a:t>/ </a:t>
+            </a:r>
+            <a:r>
+              <a:rPr lang="fr-FR" sz="2400" b="1" dirty="0"/>
+              <a:t>Git </a:t>
+            </a:r>
+            <a:r>
+              <a:rPr lang="fr-FR" sz="2400" dirty="0"/>
+              <a:t>/ </a:t>
+            </a:r>
+            <a:r>
+              <a:rPr lang="fr-FR" sz="2400" b="1" dirty="0" err="1"/>
               <a:t>MLFlow</a:t>
             </a:r>
-            <a:endParaRPr lang="fr-FR" dirty="0"/>
-          </a:p>
-          <a:p>
-            <a:pPr lvl="1"/>
-            <a:endParaRPr lang="fr-FR" dirty="0"/>
+            <a:r>
+              <a:rPr lang="fr-FR" sz="2400" b="1" dirty="0"/>
+              <a:t> / Amazon S3</a:t>
+            </a:r>
+          </a:p>
+          <a:p>
+            <a:pPr lvl="2"/>
+            <a:r>
+              <a:rPr lang="fr-FR" sz="2400" dirty="0"/>
+              <a:t>CI/CD &amp; Déploiement : </a:t>
+            </a:r>
+            <a:r>
+              <a:rPr lang="fr-FR" sz="2400" b="1" dirty="0"/>
+              <a:t>Jenkins </a:t>
+            </a:r>
+            <a:r>
+              <a:rPr lang="fr-FR" sz="2400" dirty="0"/>
+              <a:t>/ </a:t>
+            </a:r>
+            <a:r>
+              <a:rPr lang="fr-FR" sz="2400" b="1" dirty="0" err="1"/>
+              <a:t>ArgoCD</a:t>
+            </a:r>
+            <a:r>
+              <a:rPr lang="fr-FR" sz="2400" b="1" dirty="0"/>
+              <a:t> </a:t>
+            </a:r>
+            <a:r>
+              <a:rPr lang="fr-FR" sz="2400" dirty="0"/>
+              <a:t>/ </a:t>
+            </a:r>
+            <a:r>
+              <a:rPr lang="fr-FR" sz="2400" b="1" dirty="0" err="1"/>
+              <a:t>Kubernetes</a:t>
+            </a:r>
+            <a:endParaRPr lang="fr-FR" sz="2400" b="1" dirty="0"/>
+          </a:p>
+          <a:p>
+            <a:pPr lvl="2"/>
+            <a:r>
+              <a:rPr lang="fr-FR" sz="2400" dirty="0"/>
+              <a:t>Monitoring : </a:t>
+            </a:r>
+            <a:r>
+              <a:rPr lang="fr-FR" sz="2400" b="1" dirty="0" err="1"/>
+              <a:t>Prometheus</a:t>
+            </a:r>
+            <a:r>
+              <a:rPr lang="fr-FR" sz="2400" b="1" dirty="0"/>
+              <a:t> </a:t>
+            </a:r>
+            <a:r>
+              <a:rPr lang="fr-FR" sz="2400" dirty="0"/>
+              <a:t>&amp; </a:t>
+            </a:r>
+            <a:r>
+              <a:rPr lang="fr-FR" sz="2400" b="1" dirty="0" err="1"/>
+              <a:t>Grafana</a:t>
+            </a:r>
+            <a:endParaRPr lang="fr-FR" sz="2400" b="1" dirty="0"/>
+          </a:p>
+          <a:p>
+            <a:pPr lvl="2"/>
+            <a:r>
+              <a:rPr lang="fr-FR" sz="2400" dirty="0"/>
+              <a:t>Sécurisation des APIs : </a:t>
+            </a:r>
+            <a:r>
+              <a:rPr lang="fr-FR" sz="2400" b="1" dirty="0" err="1"/>
+              <a:t>KeyCloak</a:t>
+            </a:r>
+            <a:r>
+              <a:rPr lang="fr-FR" sz="2400" dirty="0"/>
+              <a:t> / Gestion des secrets</a:t>
+            </a:r>
           </a:p>
           <a:p>
             <a:pPr lvl="1"/>
@@ -19609,14 +20085,40 @@
           <a:p>
             <a:r>
               <a:rPr lang="fr-FR" dirty="0"/>
-              <a:t>Ce qui nous pourrions faire pour aller plus loin</a:t>
+              <a:t>Pour aller plus loin</a:t>
             </a:r>
           </a:p>
           <a:p>
             <a:pPr lvl="1"/>
             <a:r>
+              <a:rPr lang="fr-FR" dirty="0">
+                <a:solidFill>
+                  <a:srgbClr val="FF0000"/>
+                </a:solidFill>
+              </a:rPr>
+              <a:t>…A voir ensemble selon niveau avancement…</a:t>
+            </a:r>
+          </a:p>
+          <a:p>
+            <a:pPr lvl="1"/>
+            <a:r>
               <a:rPr lang="fr-FR" dirty="0"/>
-              <a:t>…</a:t>
+              <a:t>Model drift sur feedback utilisateur avec </a:t>
+            </a:r>
+            <a:r>
+              <a:rPr lang="fr-FR" dirty="0" err="1"/>
+              <a:t>ré-entrainement</a:t>
+            </a:r>
+            <a:r>
+              <a:rPr lang="fr-FR" dirty="0"/>
+              <a:t> automatique</a:t>
+            </a:r>
+          </a:p>
+          <a:p>
+            <a:pPr lvl="1"/>
+            <a:r>
+              <a:rPr lang="fr-FR" dirty="0"/>
+              <a:t>Utilisation de Kafka</a:t>
             </a:r>
           </a:p>
         </p:txBody>
@@ -20426,6 +20928,15 @@
 </file>
 
 <file path=customXml/item1.xml><?xml version="1.0" encoding="utf-8"?>
+<?mso-contentType ?>
+<FormTemplates xmlns="http://schemas.microsoft.com/sharepoint/v3/contenttype/forms">
+  <Display>DocumentLibraryForm</Display>
+  <Edit>DocumentLibraryForm</Edit>
+  <New>DocumentLibraryForm</New>
+</FormTemplates>
+</file>
+
+<file path=customXml/item2.xml><?xml version="1.0" encoding="utf-8"?>
 <ct:contentTypeSchema xmlns:ct="http://schemas.microsoft.com/office/2006/metadata/contentType" xmlns:ma="http://schemas.microsoft.com/office/2006/metadata/properties/metaAttributes" ct:_="" ma:_="" ma:contentTypeName="Document" ma:contentTypeID="0x01010079F111ED35F8CC479449609E8A0923A6" ma:contentTypeVersion="27" ma:contentTypeDescription="Create a new document." ma:contentTypeScope="" ma:versionID="c6f9a84f66a9c8b9a21755b9ffafb945">
   <xsd:schema xmlns:xsd="http://www.w3.org/2001/XMLSchema" xmlns:xs="http://www.w3.org/2001/XMLSchema" xmlns:p="http://schemas.microsoft.com/office/2006/metadata/properties" xmlns:ns1="http://schemas.microsoft.com/sharepoint/v3" xmlns:ns2="71af3243-3dd4-4a8d-8c0d-dd76da1f02a5" xmlns:ns3="16c05727-aa75-4e4a-9b5f-8a80a1165891" xmlns:ns4="230e9df3-be65-4c73-a93b-d1236ebd677e" targetNamespace="http://schemas.microsoft.com/office/2006/metadata/properties" ma:root="true" ma:fieldsID="27df39e3e7036dff54f89ddd5805ce72" ns1:_="" ns2:_="" ns3:_="" ns4:_="">
     <xsd:import namespace="http://schemas.microsoft.com/sharepoint/v3"/>
@@ -20731,15 +21242,6 @@
 </ct:contentTypeSchema>
 </file>
 
-<file path=customXml/item2.xml><?xml version="1.0" encoding="utf-8"?>
-<?mso-contentType ?>
-<FormTemplates xmlns="http://schemas.microsoft.com/sharepoint/v3/contenttype/forms">
-  <Display>DocumentLibraryForm</Display>
-  <Edit>DocumentLibraryForm</Edit>
-  <New>DocumentLibraryForm</New>
-</FormTemplates>
-</file>
-
 <file path=customXml/item3.xml><?xml version="1.0" encoding="utf-8"?>
 <p:properties xmlns:p="http://schemas.microsoft.com/office/2006/metadata/properties" xmlns:xsi="http://www.w3.org/2001/XMLSchema-instance" xmlns:pc="http://schemas.microsoft.com/office/infopath/2007/PartnerControls">
   <documentManagement>
@@ -20761,6 +21263,14 @@
 </file>
 
 <file path=customXml/itemProps1.xml><?xml version="1.0" encoding="utf-8"?>
+<ds:datastoreItem xmlns:ds="http://schemas.openxmlformats.org/officeDocument/2006/customXml" ds:itemID="{79BF405E-7930-4D5C-ABB3-493E9D6D6CEA}">
+  <ds:schemaRefs>
+    <ds:schemaRef ds:uri="http://schemas.microsoft.com/sharepoint/v3/contenttype/forms"/>
+  </ds:schemaRefs>
+</ds:datastoreItem>
+</file>
+
+<file path=customXml/itemProps2.xml><?xml version="1.0" encoding="utf-8"?>
 <ds:datastoreItem xmlns:ds="http://schemas.openxmlformats.org/officeDocument/2006/customXml" ds:itemID="{2C1F447F-FAA8-4106-988B-648F3C8EDB2D}">
   <ds:schemaRefs>
     <ds:schemaRef ds:uri="http://schemas.microsoft.com/office/2006/metadata/contentType"/>
@@ -20781,14 +21291,6 @@
 </ds:datastoreItem>
 </file>
 
-<file path=customXml/itemProps2.xml><?xml version="1.0" encoding="utf-8"?>
-<ds:datastoreItem xmlns:ds="http://schemas.openxmlformats.org/officeDocument/2006/customXml" ds:itemID="{79BF405E-7930-4D5C-ABB3-493E9D6D6CEA}">
-  <ds:schemaRefs>
-    <ds:schemaRef ds:uri="http://schemas.microsoft.com/sharepoint/v3/contenttype/forms"/>
-  </ds:schemaRefs>
-</ds:datastoreItem>
-</file>
-
 <file path=customXml/itemProps3.xml><?xml version="1.0" encoding="utf-8"?>
 <ds:datastoreItem xmlns:ds="http://schemas.openxmlformats.org/officeDocument/2006/customXml" ds:itemID="{6EA97235-BEC4-4F82-87A8-2F5DAD53B5F9}">
   <ds:schemaRefs>

--- a/report/Projet_classification_MLOps_Partie4_Killian.pptx
+++ b/report/Projet_classification_MLOps_Partie4_Killian.pptx
@@ -245,7 +245,7 @@
           <a:p>
             <a:fld id="{F352A77B-D33C-49B3-A83C-450AA2ED72B3}" type="datetimeFigureOut">
               <a:rPr lang="en-US" smtClean="0"/>
-              <a:t>2/13/2025</a:t>
+              <a:t>2/19/2025</a:t>
             </a:fld>
             <a:endParaRPr lang="en-US" dirty="0"/>
           </a:p>
@@ -422,7 +422,7 @@
           <a:p>
             <a:fld id="{E38D8F9A-F5CB-4EF8-A859-ED5E107B9763}" type="datetimeFigureOut">
               <a:rPr lang="en-US" smtClean="0"/>
-              <a:t>2/13/2025</a:t>
+              <a:t>2/19/2025</a:t>
             </a:fld>
             <a:endParaRPr lang="en-US" dirty="0"/>
           </a:p>
@@ -16877,7 +16877,7 @@
         <p:spPr>
           <a:xfrm>
             <a:off x="838199" y="1198562"/>
-            <a:ext cx="11185897" cy="5094819"/>
+            <a:ext cx="11185897" cy="5315360"/>
           </a:xfrm>
         </p:spPr>
         <p:txBody>
@@ -16908,6 +16908,41 @@
             </a:r>
           </a:p>
           <a:p>
+            <a:pPr lvl="2"/>
+            <a:r>
+              <a:rPr lang="fr-FR" dirty="0"/>
+              <a:t>Référence aux versions des Dockers sous </a:t>
+            </a:r>
+            <a:r>
+              <a:rPr lang="fr-FR" dirty="0" err="1"/>
+              <a:t>DockerHub</a:t>
+            </a:r>
+            <a:endParaRPr lang="fr-FR" dirty="0"/>
+          </a:p>
+          <a:p>
+            <a:pPr lvl="2"/>
+            <a:r>
+              <a:rPr lang="fr-FR" dirty="0"/>
+              <a:t>Configuration des </a:t>
+            </a:r>
+            <a:r>
+              <a:rPr lang="fr-FR" dirty="0" err="1"/>
+              <a:t>Nodes</a:t>
+            </a:r>
+            <a:r>
+              <a:rPr lang="fr-FR" dirty="0"/>
+              <a:t> </a:t>
+            </a:r>
+            <a:r>
+              <a:rPr lang="fr-FR" dirty="0" err="1"/>
+              <a:t>Kubernetes</a:t>
+            </a:r>
+            <a:r>
+              <a:rPr lang="fr-FR" dirty="0"/>
+              <a:t> associés</a:t>
+            </a:r>
+          </a:p>
+          <a:p>
             <a:r>
               <a:rPr lang="fr-FR" dirty="0"/>
               <a:t>Jenkins sur Git - </a:t>
@@ -16960,34 +16995,6 @@
             <a:endParaRPr lang="fr-FR" dirty="0"/>
           </a:p>
           <a:p>
-            <a:pPr lvl="1"/>
-            <a:r>
-              <a:rPr lang="fr-FR" dirty="0" err="1"/>
-              <a:t>Synchronize</a:t>
-            </a:r>
-            <a:r>
-              <a:rPr lang="fr-FR" dirty="0"/>
-              <a:t> </a:t>
-            </a:r>
-            <a:r>
-              <a:rPr lang="fr-FR" b="1" dirty="0"/>
-              <a:t>Repo code source </a:t>
-            </a:r>
-            <a:r>
-              <a:rPr lang="fr-FR" dirty="0">
-                <a:sym typeface="Wingdings" panose="05000000000000000000" pitchFamily="2" charset="2"/>
-              </a:rPr>
-              <a:t>// </a:t>
-            </a:r>
-            <a:r>
-              <a:rPr lang="fr-FR" b="1" dirty="0">
-                <a:sym typeface="Wingdings" panose="05000000000000000000" pitchFamily="2" charset="2"/>
-              </a:rPr>
-              <a:t>Repo code déploiement</a:t>
-            </a:r>
-            <a:endParaRPr lang="fr-FR" b="1" dirty="0"/>
-          </a:p>
-          <a:p>
             <a:r>
               <a:rPr lang="fr-FR" dirty="0" err="1"/>
               <a:t>ArgoCD</a:t>
@@ -17028,12 +17035,8 @@
           <a:p>
             <a:pPr lvl="1"/>
             <a:r>
-              <a:rPr lang="fr-FR" dirty="0" err="1"/>
-              <a:t>Deploie</a:t>
-            </a:r>
-            <a:r>
               <a:rPr lang="fr-FR" dirty="0"/>
-              <a:t> les Dockers sur </a:t>
+              <a:t>Déploie les Dockers sur </a:t>
             </a:r>
             <a:r>
               <a:rPr lang="fr-FR" dirty="0" err="1"/>
@@ -17598,56 +17601,18 @@
               <a:buNone/>
             </a:pPr>
             <a:r>
-              <a:rPr lang="fr-FR" sz="2400" dirty="0"/>
-              <a:t>Scripts lancés sur commit/repo code source</a:t>
-            </a:r>
-          </a:p>
-          <a:p>
-            <a:pPr lvl="1"/>
-            <a:r>
-              <a:rPr lang="fr-FR" sz="2000" dirty="0"/>
-              <a:t>Lancer les tests unitaires et vérifier si les tests sont </a:t>
-            </a:r>
-            <a:r>
-              <a:rPr lang="fr-FR" sz="2000" dirty="0" err="1"/>
-              <a:t>pass</a:t>
-            </a:r>
-            <a:endParaRPr lang="fr-FR" sz="2000" dirty="0"/>
-          </a:p>
-          <a:p>
-            <a:pPr lvl="1"/>
-            <a:r>
-              <a:rPr lang="fr-FR" sz="2000" dirty="0" err="1"/>
-              <a:t>Build</a:t>
-            </a:r>
-            <a:r>
-              <a:rPr lang="fr-FR" sz="2000" dirty="0"/>
-              <a:t> des dockers et vérifier si les tests d’intégration sont </a:t>
-            </a:r>
-            <a:r>
-              <a:rPr lang="fr-FR" sz="2000" dirty="0" err="1"/>
-              <a:t>pass</a:t>
-            </a:r>
-            <a:endParaRPr lang="fr-FR" sz="2000" dirty="0"/>
-          </a:p>
-          <a:p>
-            <a:pPr lvl="1"/>
-            <a:r>
-              <a:rPr lang="fr-FR" sz="2000" dirty="0"/>
-              <a:t>Push sur </a:t>
-            </a:r>
-            <a:r>
-              <a:rPr lang="fr-FR" sz="2000" dirty="0" err="1"/>
-              <a:t>DockerHub</a:t>
-            </a:r>
-            <a:endParaRPr lang="fr-FR" sz="2000" dirty="0"/>
-          </a:p>
-          <a:p>
-            <a:pPr lvl="1"/>
-            <a:r>
-              <a:rPr lang="fr-FR" sz="2000" dirty="0"/>
-              <a:t>Synchro Repo code source || Repo code déploiement</a:t>
-            </a:r>
+              <a:rPr lang="fr-FR" sz="2400" dirty="0">
+                <a:solidFill>
+                  <a:srgbClr val="FF0000"/>
+                </a:solidFill>
+              </a:rPr>
+              <a:t>Ici : Montrer à la place un exemple de script Jenkins</a:t>
+            </a:r>
+            <a:endParaRPr lang="fr-FR" sz="2000" dirty="0">
+              <a:solidFill>
+                <a:srgbClr val="FF0000"/>
+              </a:solidFill>
+            </a:endParaRPr>
           </a:p>
         </p:txBody>
       </p:sp>
@@ -20928,15 +20893,6 @@
 </file>
 
 <file path=customXml/item1.xml><?xml version="1.0" encoding="utf-8"?>
-<?mso-contentType ?>
-<FormTemplates xmlns="http://schemas.microsoft.com/sharepoint/v3/contenttype/forms">
-  <Display>DocumentLibraryForm</Display>
-  <Edit>DocumentLibraryForm</Edit>
-  <New>DocumentLibraryForm</New>
-</FormTemplates>
-</file>
-
-<file path=customXml/item2.xml><?xml version="1.0" encoding="utf-8"?>
 <ct:contentTypeSchema xmlns:ct="http://schemas.microsoft.com/office/2006/metadata/contentType" xmlns:ma="http://schemas.microsoft.com/office/2006/metadata/properties/metaAttributes" ct:_="" ma:_="" ma:contentTypeName="Document" ma:contentTypeID="0x01010079F111ED35F8CC479449609E8A0923A6" ma:contentTypeVersion="27" ma:contentTypeDescription="Create a new document." ma:contentTypeScope="" ma:versionID="c6f9a84f66a9c8b9a21755b9ffafb945">
   <xsd:schema xmlns:xsd="http://www.w3.org/2001/XMLSchema" xmlns:xs="http://www.w3.org/2001/XMLSchema" xmlns:p="http://schemas.microsoft.com/office/2006/metadata/properties" xmlns:ns1="http://schemas.microsoft.com/sharepoint/v3" xmlns:ns2="71af3243-3dd4-4a8d-8c0d-dd76da1f02a5" xmlns:ns3="16c05727-aa75-4e4a-9b5f-8a80a1165891" xmlns:ns4="230e9df3-be65-4c73-a93b-d1236ebd677e" targetNamespace="http://schemas.microsoft.com/office/2006/metadata/properties" ma:root="true" ma:fieldsID="27df39e3e7036dff54f89ddd5805ce72" ns1:_="" ns2:_="" ns3:_="" ns4:_="">
     <xsd:import namespace="http://schemas.microsoft.com/sharepoint/v3"/>
@@ -21242,6 +21198,15 @@
 </ct:contentTypeSchema>
 </file>
 
+<file path=customXml/item2.xml><?xml version="1.0" encoding="utf-8"?>
+<?mso-contentType ?>
+<FormTemplates xmlns="http://schemas.microsoft.com/sharepoint/v3/contenttype/forms">
+  <Display>DocumentLibraryForm</Display>
+  <Edit>DocumentLibraryForm</Edit>
+  <New>DocumentLibraryForm</New>
+</FormTemplates>
+</file>
+
 <file path=customXml/item3.xml><?xml version="1.0" encoding="utf-8"?>
 <p:properties xmlns:p="http://schemas.microsoft.com/office/2006/metadata/properties" xmlns:xsi="http://www.w3.org/2001/XMLSchema-instance" xmlns:pc="http://schemas.microsoft.com/office/infopath/2007/PartnerControls">
   <documentManagement>
@@ -21263,14 +21228,6 @@
 </file>
 
 <file path=customXml/itemProps1.xml><?xml version="1.0" encoding="utf-8"?>
-<ds:datastoreItem xmlns:ds="http://schemas.openxmlformats.org/officeDocument/2006/customXml" ds:itemID="{79BF405E-7930-4D5C-ABB3-493E9D6D6CEA}">
-  <ds:schemaRefs>
-    <ds:schemaRef ds:uri="http://schemas.microsoft.com/sharepoint/v3/contenttype/forms"/>
-  </ds:schemaRefs>
-</ds:datastoreItem>
-</file>
-
-<file path=customXml/itemProps2.xml><?xml version="1.0" encoding="utf-8"?>
 <ds:datastoreItem xmlns:ds="http://schemas.openxmlformats.org/officeDocument/2006/customXml" ds:itemID="{2C1F447F-FAA8-4106-988B-648F3C8EDB2D}">
   <ds:schemaRefs>
     <ds:schemaRef ds:uri="http://schemas.microsoft.com/office/2006/metadata/contentType"/>
@@ -21291,6 +21248,14 @@
 </ds:datastoreItem>
 </file>
 
+<file path=customXml/itemProps2.xml><?xml version="1.0" encoding="utf-8"?>
+<ds:datastoreItem xmlns:ds="http://schemas.openxmlformats.org/officeDocument/2006/customXml" ds:itemID="{79BF405E-7930-4D5C-ABB3-493E9D6D6CEA}">
+  <ds:schemaRefs>
+    <ds:schemaRef ds:uri="http://schemas.microsoft.com/sharepoint/v3/contenttype/forms"/>
+  </ds:schemaRefs>
+</ds:datastoreItem>
+</file>
+
 <file path=customXml/itemProps3.xml><?xml version="1.0" encoding="utf-8"?>
 <ds:datastoreItem xmlns:ds="http://schemas.openxmlformats.org/officeDocument/2006/customXml" ds:itemID="{6EA97235-BEC4-4F82-87A8-2F5DAD53B5F9}">
   <ds:schemaRefs>

--- a/report/Projet_classification_MLOps_Partie4_Killian.pptx
+++ b/report/Projet_classification_MLOps_Partie4_Killian.pptx
@@ -245,7 +245,7 @@
           <a:p>
             <a:fld id="{F352A77B-D33C-49B3-A83C-450AA2ED72B3}" type="datetimeFigureOut">
               <a:rPr lang="en-US" smtClean="0"/>
-              <a:t>2/19/2025</a:t>
+              <a:t>2/23/2025</a:t>
             </a:fld>
             <a:endParaRPr lang="en-US" dirty="0"/>
           </a:p>
@@ -422,7 +422,7 @@
           <a:p>
             <a:fld id="{E38D8F9A-F5CB-4EF8-A859-ED5E107B9763}" type="datetimeFigureOut">
               <a:rPr lang="en-US" smtClean="0"/>
-              <a:t>2/19/2025</a:t>
+              <a:t>2/23/2025</a:t>
             </a:fld>
             <a:endParaRPr lang="en-US" dirty="0"/>
           </a:p>
@@ -16906,46 +16906,46 @@
               <a:rPr lang="fr-FR" b="1" dirty="0"/>
               <a:t>Repo code déploiement</a:t>
             </a:r>
+            <a:endParaRPr lang="fr-FR" dirty="0"/>
           </a:p>
           <a:p>
             <a:pPr lvl="2"/>
             <a:r>
               <a:rPr lang="fr-FR" dirty="0"/>
-              <a:t>Référence aux versions des Dockers sous </a:t>
+              <a:t>Jobs Jenkins</a:t>
+            </a:r>
+          </a:p>
+          <a:p>
+            <a:pPr lvl="2"/>
+            <a:r>
+              <a:rPr lang="fr-FR" dirty="0" err="1"/>
+              <a:t>Manifest</a:t>
+            </a:r>
+            <a:r>
+              <a:rPr lang="fr-FR" dirty="0"/>
+              <a:t> </a:t>
+            </a:r>
+            <a:r>
+              <a:rPr lang="fr-FR" dirty="0" err="1"/>
+              <a:t>Kubernetes</a:t>
+            </a:r>
+            <a:r>
+              <a:rPr lang="fr-FR" dirty="0"/>
+              <a:t> (dont versions des Dockers sous </a:t>
             </a:r>
             <a:r>
               <a:rPr lang="fr-FR" dirty="0" err="1"/>
               <a:t>DockerHub</a:t>
             </a:r>
-            <a:endParaRPr lang="fr-FR" dirty="0"/>
-          </a:p>
-          <a:p>
-            <a:pPr lvl="2"/>
             <a:r>
               <a:rPr lang="fr-FR" dirty="0"/>
-              <a:t>Configuration des </a:t>
-            </a:r>
-            <a:r>
-              <a:rPr lang="fr-FR" dirty="0" err="1"/>
-              <a:t>Nodes</a:t>
-            </a:r>
+              <a:t>)</a:t>
+            </a:r>
+          </a:p>
+          <a:p>
             <a:r>
               <a:rPr lang="fr-FR" dirty="0"/>
-              <a:t> </a:t>
-            </a:r>
-            <a:r>
-              <a:rPr lang="fr-FR" dirty="0" err="1"/>
-              <a:t>Kubernetes</a:t>
-            </a:r>
-            <a:r>
-              <a:rPr lang="fr-FR" dirty="0"/>
-              <a:t> associés</a:t>
-            </a:r>
-          </a:p>
-          <a:p>
-            <a:r>
-              <a:rPr lang="fr-FR" dirty="0"/>
-              <a:t>Jenkins sur Git - </a:t>
+              <a:t>Jenkins sur Git/Commit &amp; </a:t>
             </a:r>
             <a:r>
               <a:rPr lang="fr-FR" sz="2800" dirty="0"/>
@@ -16955,10 +16955,7 @@
               <a:rPr lang="fr-FR" sz="2800" dirty="0" err="1"/>
               <a:t>Request</a:t>
             </a:r>
-            <a:r>
-              <a:rPr lang="fr-FR" sz="2800" dirty="0"/>
-              <a:t> dans la branche /main</a:t>
-            </a:r>
+            <a:endParaRPr lang="fr-FR" sz="2800" dirty="0"/>
           </a:p>
           <a:p>
             <a:pPr lvl="1"/>
@@ -17021,7 +17018,7 @@
             <a:pPr lvl="1"/>
             <a:r>
               <a:rPr lang="fr-FR" dirty="0"/>
-              <a:t>Re-Run les Dockers depuis </a:t>
+              <a:t>Recharge les images Dockers depuis </a:t>
             </a:r>
             <a:r>
               <a:rPr lang="fr-FR" dirty="0" err="1"/>
@@ -17067,7 +17064,7 @@
         </p:blipFill>
         <p:spPr>
           <a:xfrm>
-            <a:off x="9880338" y="3575984"/>
+            <a:off x="10101807" y="3445904"/>
             <a:ext cx="1917569" cy="1039593"/>
           </a:xfrm>
           <a:prstGeom prst="rect">
@@ -17089,7 +17086,7 @@
         </p:nvSpPr>
         <p:spPr>
           <a:xfrm rot="5400000">
-            <a:off x="10246372" y="2498217"/>
+            <a:off x="10580129" y="2422327"/>
             <a:ext cx="339365" cy="1547450"/>
           </a:xfrm>
           <a:prstGeom prst="rightArrow">
@@ -17143,8 +17140,8 @@
         </p:blipFill>
         <p:spPr>
           <a:xfrm>
-            <a:off x="9258039" y="2206086"/>
-            <a:ext cx="1136976" cy="815369"/>
+            <a:off x="9390288" y="2159236"/>
+            <a:ext cx="968734" cy="694716"/>
           </a:xfrm>
           <a:prstGeom prst="rect">
             <a:avLst/>
@@ -17173,8 +17170,8 @@
         </p:blipFill>
         <p:spPr>
           <a:xfrm>
-            <a:off x="9978796" y="1489236"/>
-            <a:ext cx="1136976" cy="815369"/>
+            <a:off x="9949985" y="1456740"/>
+            <a:ext cx="914400" cy="655751"/>
           </a:xfrm>
           <a:prstGeom prst="rect">
             <a:avLst/>
@@ -17203,8 +17200,8 @@
         </p:blipFill>
         <p:spPr>
           <a:xfrm>
-            <a:off x="10621292" y="2165900"/>
-            <a:ext cx="1136976" cy="815369"/>
+            <a:off x="10407185" y="2120584"/>
+            <a:ext cx="919613" cy="659490"/>
           </a:xfrm>
           <a:prstGeom prst="rect">
             <a:avLst/>
@@ -17232,7 +17229,7 @@
         </p:blipFill>
         <p:spPr>
           <a:xfrm>
-            <a:off x="9057223" y="819522"/>
+            <a:off x="7985862" y="1052435"/>
             <a:ext cx="1170212" cy="503265"/>
           </a:xfrm>
           <a:prstGeom prst="rect">
@@ -17254,8 +17251,8 @@
         </p:nvSpPr>
         <p:spPr>
           <a:xfrm>
-            <a:off x="10207446" y="798154"/>
-            <a:ext cx="1843774" cy="461665"/>
+            <a:off x="9142627" y="1056063"/>
+            <a:ext cx="3077320" cy="461665"/>
           </a:xfrm>
           <a:prstGeom prst="rect">
             <a:avLst/>
@@ -17263,14 +17260,18 @@
           <a:noFill/>
         </p:spPr>
         <p:txBody>
-          <a:bodyPr wrap="none" rtlCol="0">
+          <a:bodyPr wrap="square" rtlCol="0">
             <a:spAutoFit/>
           </a:bodyPr>
           <a:lstStyle/>
           <a:p>
             <a:r>
+              <a:rPr lang="fr-FR" sz="2400" b="1" dirty="0" err="1"/>
+              <a:t>Commit&amp;Pull</a:t>
+            </a:r>
+            <a:r>
               <a:rPr lang="fr-FR" sz="2400" b="1" dirty="0"/>
-              <a:t>Pull </a:t>
+              <a:t> </a:t>
             </a:r>
             <a:r>
               <a:rPr lang="fr-FR" sz="2400" b="1" dirty="0" err="1"/>
@@ -17294,7 +17295,7 @@
         </p:nvSpPr>
         <p:spPr>
           <a:xfrm rot="5400000">
-            <a:off x="10306964" y="4318639"/>
+            <a:off x="10580129" y="4282752"/>
             <a:ext cx="339365" cy="1547450"/>
           </a:xfrm>
           <a:prstGeom prst="rightArrow">
@@ -17348,8 +17349,44 @@
         </p:blipFill>
         <p:spPr>
           <a:xfrm>
-            <a:off x="9642329" y="5284255"/>
+            <a:off x="9874655" y="5308900"/>
             <a:ext cx="1750311" cy="980174"/>
+          </a:xfrm>
+          <a:prstGeom prst="rect">
+            <a:avLst/>
+          </a:prstGeom>
+        </p:spPr>
+      </p:pic>
+      <p:pic>
+        <p:nvPicPr>
+          <p:cNvPr id="9" name="Graphique 8" descr="Liste de contrôle avec un remplissage uni">
+            <a:extLst>
+              <a:ext uri="{FF2B5EF4-FFF2-40B4-BE49-F238E27FC236}">
+                <a16:creationId xmlns:a16="http://schemas.microsoft.com/office/drawing/2014/main" id="{A1DBFA15-9304-3B4D-5E21-08FF81F654AB}"/>
+              </a:ext>
+            </a:extLst>
+          </p:cNvPr>
+          <p:cNvPicPr>
+            <a:picLocks noChangeAspect="1"/>
+          </p:cNvPicPr>
+          <p:nvPr/>
+        </p:nvPicPr>
+        <p:blipFill>
+          <a:blip r:embed="rId6">
+            <a:extLst>
+              <a:ext uri="{96DAC541-7B7A-43D3-8B79-37D633B846F1}">
+                <asvg:svgBlip xmlns:asvg="http://schemas.microsoft.com/office/drawing/2016/SVG/main" r:embed="rId7"/>
+              </a:ext>
+            </a:extLst>
+          </a:blip>
+          <a:stretch>
+            <a:fillRect/>
+          </a:stretch>
+        </p:blipFill>
+        <p:spPr>
+          <a:xfrm>
+            <a:off x="11353297" y="1708102"/>
+            <a:ext cx="914400" cy="914400"/>
           </a:xfrm>
           <a:prstGeom prst="rect">
             <a:avLst/>
@@ -17366,6 +17403,595 @@
   <p:clrMapOvr>
     <a:masterClrMapping/>
   </p:clrMapOvr>
+  <p:timing>
+    <p:tnLst>
+      <p:par>
+        <p:cTn id="1" dur="indefinite" restart="never" nodeType="tmRoot">
+          <p:childTnLst>
+            <p:seq concurrent="1" nextAc="seek">
+              <p:cTn id="2" dur="indefinite" nodeType="mainSeq">
+                <p:childTnLst>
+                  <p:par>
+                    <p:cTn id="3" fill="hold">
+                      <p:stCondLst>
+                        <p:cond delay="indefinite"/>
+                      </p:stCondLst>
+                      <p:childTnLst>
+                        <p:par>
+                          <p:cTn id="4" fill="hold">
+                            <p:stCondLst>
+                              <p:cond delay="0"/>
+                            </p:stCondLst>
+                            <p:childTnLst>
+                              <p:par>
+                                <p:cTn id="5" presetID="1" presetClass="entr" presetSubtype="0" fill="hold" nodeType="clickEffect">
+                                  <p:stCondLst>
+                                    <p:cond delay="0"/>
+                                  </p:stCondLst>
+                                  <p:childTnLst>
+                                    <p:set>
+                                      <p:cBhvr>
+                                        <p:cTn id="6" dur="1" fill="hold">
+                                          <p:stCondLst>
+                                            <p:cond delay="0"/>
+                                          </p:stCondLst>
+                                        </p:cTn>
+                                        <p:tgtEl>
+                                          <p:spTgt spid="6">
+                                            <p:txEl>
+                                              <p:pRg st="5" end="5"/>
+                                            </p:txEl>
+                                          </p:spTgt>
+                                        </p:tgtEl>
+                                        <p:attrNameLst>
+                                          <p:attrName>style.visibility</p:attrName>
+                                        </p:attrNameLst>
+                                      </p:cBhvr>
+                                      <p:to>
+                                        <p:strVal val="visible"/>
+                                      </p:to>
+                                    </p:set>
+                                  </p:childTnLst>
+                                </p:cTn>
+                              </p:par>
+                              <p:par>
+                                <p:cTn id="7" presetID="1" presetClass="entr" presetSubtype="0" fill="hold" nodeType="withEffect">
+                                  <p:stCondLst>
+                                    <p:cond delay="0"/>
+                                  </p:stCondLst>
+                                  <p:childTnLst>
+                                    <p:set>
+                                      <p:cBhvr>
+                                        <p:cTn id="8" dur="1" fill="hold">
+                                          <p:stCondLst>
+                                            <p:cond delay="0"/>
+                                          </p:stCondLst>
+                                        </p:cTn>
+                                        <p:tgtEl>
+                                          <p:spTgt spid="6">
+                                            <p:txEl>
+                                              <p:pRg st="6" end="6"/>
+                                            </p:txEl>
+                                          </p:spTgt>
+                                        </p:tgtEl>
+                                        <p:attrNameLst>
+                                          <p:attrName>style.visibility</p:attrName>
+                                        </p:attrNameLst>
+                                      </p:cBhvr>
+                                      <p:to>
+                                        <p:strVal val="visible"/>
+                                      </p:to>
+                                    </p:set>
+                                  </p:childTnLst>
+                                </p:cTn>
+                              </p:par>
+                              <p:par>
+                                <p:cTn id="9" presetID="1" presetClass="entr" presetSubtype="0" fill="hold" nodeType="withEffect">
+                                  <p:stCondLst>
+                                    <p:cond delay="0"/>
+                                  </p:stCondLst>
+                                  <p:childTnLst>
+                                    <p:set>
+                                      <p:cBhvr>
+                                        <p:cTn id="10" dur="1" fill="hold">
+                                          <p:stCondLst>
+                                            <p:cond delay="0"/>
+                                          </p:stCondLst>
+                                        </p:cTn>
+                                        <p:tgtEl>
+                                          <p:spTgt spid="6">
+                                            <p:txEl>
+                                              <p:pRg st="7" end="7"/>
+                                            </p:txEl>
+                                          </p:spTgt>
+                                        </p:tgtEl>
+                                        <p:attrNameLst>
+                                          <p:attrName>style.visibility</p:attrName>
+                                        </p:attrNameLst>
+                                      </p:cBhvr>
+                                      <p:to>
+                                        <p:strVal val="visible"/>
+                                      </p:to>
+                                    </p:set>
+                                  </p:childTnLst>
+                                </p:cTn>
+                              </p:par>
+                              <p:par>
+                                <p:cTn id="11" presetID="1" presetClass="entr" presetSubtype="0" fill="hold" nodeType="withEffect">
+                                  <p:stCondLst>
+                                    <p:cond delay="0"/>
+                                  </p:stCondLst>
+                                  <p:childTnLst>
+                                    <p:set>
+                                      <p:cBhvr>
+                                        <p:cTn id="12" dur="1" fill="hold">
+                                          <p:stCondLst>
+                                            <p:cond delay="0"/>
+                                          </p:stCondLst>
+                                        </p:cTn>
+                                        <p:tgtEl>
+                                          <p:spTgt spid="6">
+                                            <p:txEl>
+                                              <p:pRg st="8" end="8"/>
+                                            </p:txEl>
+                                          </p:spTgt>
+                                        </p:tgtEl>
+                                        <p:attrNameLst>
+                                          <p:attrName>style.visibility</p:attrName>
+                                        </p:attrNameLst>
+                                      </p:cBhvr>
+                                      <p:to>
+                                        <p:strVal val="visible"/>
+                                      </p:to>
+                                    </p:set>
+                                  </p:childTnLst>
+                                </p:cTn>
+                              </p:par>
+                              <p:par>
+                                <p:cTn id="13" presetID="1" presetClass="entr" presetSubtype="0" fill="hold" nodeType="withEffect">
+                                  <p:stCondLst>
+                                    <p:cond delay="0"/>
+                                  </p:stCondLst>
+                                  <p:childTnLst>
+                                    <p:set>
+                                      <p:cBhvr>
+                                        <p:cTn id="14" dur="1" fill="hold">
+                                          <p:stCondLst>
+                                            <p:cond delay="0"/>
+                                          </p:stCondLst>
+                                        </p:cTn>
+                                        <p:tgtEl>
+                                          <p:spTgt spid="18"/>
+                                        </p:tgtEl>
+                                        <p:attrNameLst>
+                                          <p:attrName>style.visibility</p:attrName>
+                                        </p:attrNameLst>
+                                      </p:cBhvr>
+                                      <p:to>
+                                        <p:strVal val="visible"/>
+                                      </p:to>
+                                    </p:set>
+                                  </p:childTnLst>
+                                </p:cTn>
+                              </p:par>
+                              <p:par>
+                                <p:cTn id="15" presetID="1" presetClass="entr" presetSubtype="0" fill="hold" grpId="0" nodeType="withEffect">
+                                  <p:stCondLst>
+                                    <p:cond delay="0"/>
+                                  </p:stCondLst>
+                                  <p:childTnLst>
+                                    <p:set>
+                                      <p:cBhvr>
+                                        <p:cTn id="16" dur="1" fill="hold">
+                                          <p:stCondLst>
+                                            <p:cond delay="0"/>
+                                          </p:stCondLst>
+                                        </p:cTn>
+                                        <p:tgtEl>
+                                          <p:spTgt spid="19"/>
+                                        </p:tgtEl>
+                                        <p:attrNameLst>
+                                          <p:attrName>style.visibility</p:attrName>
+                                        </p:attrNameLst>
+                                      </p:cBhvr>
+                                      <p:to>
+                                        <p:strVal val="visible"/>
+                                      </p:to>
+                                    </p:set>
+                                  </p:childTnLst>
+                                </p:cTn>
+                              </p:par>
+                              <p:par>
+                                <p:cTn id="17" presetID="1" presetClass="entr" presetSubtype="0" fill="hold" nodeType="withEffect">
+                                  <p:stCondLst>
+                                    <p:cond delay="0"/>
+                                  </p:stCondLst>
+                                  <p:childTnLst>
+                                    <p:set>
+                                      <p:cBhvr>
+                                        <p:cTn id="18" dur="1" fill="hold">
+                                          <p:stCondLst>
+                                            <p:cond delay="0"/>
+                                          </p:stCondLst>
+                                        </p:cTn>
+                                        <p:tgtEl>
+                                          <p:spTgt spid="16"/>
+                                        </p:tgtEl>
+                                        <p:attrNameLst>
+                                          <p:attrName>style.visibility</p:attrName>
+                                        </p:attrNameLst>
+                                      </p:cBhvr>
+                                      <p:to>
+                                        <p:strVal val="visible"/>
+                                      </p:to>
+                                    </p:set>
+                                  </p:childTnLst>
+                                </p:cTn>
+                              </p:par>
+                              <p:par>
+                                <p:cTn id="19" presetID="1" presetClass="entr" presetSubtype="0" fill="hold" nodeType="withEffect">
+                                  <p:stCondLst>
+                                    <p:cond delay="0"/>
+                                  </p:stCondLst>
+                                  <p:childTnLst>
+                                    <p:set>
+                                      <p:cBhvr>
+                                        <p:cTn id="20" dur="1" fill="hold">
+                                          <p:stCondLst>
+                                            <p:cond delay="0"/>
+                                          </p:stCondLst>
+                                        </p:cTn>
+                                        <p:tgtEl>
+                                          <p:spTgt spid="15"/>
+                                        </p:tgtEl>
+                                        <p:attrNameLst>
+                                          <p:attrName>style.visibility</p:attrName>
+                                        </p:attrNameLst>
+                                      </p:cBhvr>
+                                      <p:to>
+                                        <p:strVal val="visible"/>
+                                      </p:to>
+                                    </p:set>
+                                  </p:childTnLst>
+                                </p:cTn>
+                              </p:par>
+                              <p:par>
+                                <p:cTn id="21" presetID="1" presetClass="entr" presetSubtype="0" fill="hold" nodeType="withEffect">
+                                  <p:stCondLst>
+                                    <p:cond delay="0"/>
+                                  </p:stCondLst>
+                                  <p:childTnLst>
+                                    <p:set>
+                                      <p:cBhvr>
+                                        <p:cTn id="22" dur="1" fill="hold">
+                                          <p:stCondLst>
+                                            <p:cond delay="0"/>
+                                          </p:stCondLst>
+                                        </p:cTn>
+                                        <p:tgtEl>
+                                          <p:spTgt spid="17"/>
+                                        </p:tgtEl>
+                                        <p:attrNameLst>
+                                          <p:attrName>style.visibility</p:attrName>
+                                        </p:attrNameLst>
+                                      </p:cBhvr>
+                                      <p:to>
+                                        <p:strVal val="visible"/>
+                                      </p:to>
+                                    </p:set>
+                                  </p:childTnLst>
+                                </p:cTn>
+                              </p:par>
+                              <p:par>
+                                <p:cTn id="23" presetID="1" presetClass="entr" presetSubtype="0" fill="hold" nodeType="withEffect">
+                                  <p:stCondLst>
+                                    <p:cond delay="0"/>
+                                  </p:stCondLst>
+                                  <p:childTnLst>
+                                    <p:set>
+                                      <p:cBhvr>
+                                        <p:cTn id="24" dur="1" fill="hold">
+                                          <p:stCondLst>
+                                            <p:cond delay="0"/>
+                                          </p:stCondLst>
+                                        </p:cTn>
+                                        <p:tgtEl>
+                                          <p:spTgt spid="9"/>
+                                        </p:tgtEl>
+                                        <p:attrNameLst>
+                                          <p:attrName>style.visibility</p:attrName>
+                                        </p:attrNameLst>
+                                      </p:cBhvr>
+                                      <p:to>
+                                        <p:strVal val="visible"/>
+                                      </p:to>
+                                    </p:set>
+                                  </p:childTnLst>
+                                </p:cTn>
+                              </p:par>
+                              <p:par>
+                                <p:cTn id="25" presetID="1" presetClass="entr" presetSubtype="0" fill="hold" grpId="0" nodeType="withEffect">
+                                  <p:stCondLst>
+                                    <p:cond delay="0"/>
+                                  </p:stCondLst>
+                                  <p:childTnLst>
+                                    <p:set>
+                                      <p:cBhvr>
+                                        <p:cTn id="26" dur="1" fill="hold">
+                                          <p:stCondLst>
+                                            <p:cond delay="0"/>
+                                          </p:stCondLst>
+                                        </p:cTn>
+                                        <p:tgtEl>
+                                          <p:spTgt spid="10"/>
+                                        </p:tgtEl>
+                                        <p:attrNameLst>
+                                          <p:attrName>style.visibility</p:attrName>
+                                        </p:attrNameLst>
+                                      </p:cBhvr>
+                                      <p:to>
+                                        <p:strVal val="visible"/>
+                                      </p:to>
+                                    </p:set>
+                                  </p:childTnLst>
+                                </p:cTn>
+                              </p:par>
+                              <p:par>
+                                <p:cTn id="27" presetID="1" presetClass="entr" presetSubtype="0" fill="hold" nodeType="withEffect">
+                                  <p:stCondLst>
+                                    <p:cond delay="0"/>
+                                  </p:stCondLst>
+                                  <p:childTnLst>
+                                    <p:set>
+                                      <p:cBhvr>
+                                        <p:cTn id="28" dur="1" fill="hold">
+                                          <p:stCondLst>
+                                            <p:cond delay="0"/>
+                                          </p:stCondLst>
+                                        </p:cTn>
+                                        <p:tgtEl>
+                                          <p:spTgt spid="8"/>
+                                        </p:tgtEl>
+                                        <p:attrNameLst>
+                                          <p:attrName>style.visibility</p:attrName>
+                                        </p:attrNameLst>
+                                      </p:cBhvr>
+                                      <p:to>
+                                        <p:strVal val="visible"/>
+                                      </p:to>
+                                    </p:set>
+                                  </p:childTnLst>
+                                </p:cTn>
+                              </p:par>
+                            </p:childTnLst>
+                          </p:cTn>
+                        </p:par>
+                      </p:childTnLst>
+                    </p:cTn>
+                  </p:par>
+                  <p:par>
+                    <p:cTn id="29" fill="hold">
+                      <p:stCondLst>
+                        <p:cond delay="indefinite"/>
+                      </p:stCondLst>
+                      <p:childTnLst>
+                        <p:par>
+                          <p:cTn id="30" fill="hold">
+                            <p:stCondLst>
+                              <p:cond delay="0"/>
+                            </p:stCondLst>
+                            <p:childTnLst>
+                              <p:par>
+                                <p:cTn id="31" presetID="1" presetClass="entr" presetSubtype="0" fill="hold" nodeType="clickEffect">
+                                  <p:stCondLst>
+                                    <p:cond delay="0"/>
+                                  </p:stCondLst>
+                                  <p:childTnLst>
+                                    <p:set>
+                                      <p:cBhvr>
+                                        <p:cTn id="32" dur="1" fill="hold">
+                                          <p:stCondLst>
+                                            <p:cond delay="0"/>
+                                          </p:stCondLst>
+                                        </p:cTn>
+                                        <p:tgtEl>
+                                          <p:spTgt spid="6">
+                                            <p:txEl>
+                                              <p:pRg st="9" end="9"/>
+                                            </p:txEl>
+                                          </p:spTgt>
+                                        </p:tgtEl>
+                                        <p:attrNameLst>
+                                          <p:attrName>style.visibility</p:attrName>
+                                        </p:attrNameLst>
+                                      </p:cBhvr>
+                                      <p:to>
+                                        <p:strVal val="visible"/>
+                                      </p:to>
+                                    </p:set>
+                                  </p:childTnLst>
+                                </p:cTn>
+                              </p:par>
+                              <p:par>
+                                <p:cTn id="33" presetID="1" presetClass="entr" presetSubtype="0" fill="hold" nodeType="withEffect">
+                                  <p:stCondLst>
+                                    <p:cond delay="0"/>
+                                  </p:stCondLst>
+                                  <p:childTnLst>
+                                    <p:set>
+                                      <p:cBhvr>
+                                        <p:cTn id="34" dur="1" fill="hold">
+                                          <p:stCondLst>
+                                            <p:cond delay="0"/>
+                                          </p:stCondLst>
+                                        </p:cTn>
+                                        <p:tgtEl>
+                                          <p:spTgt spid="6">
+                                            <p:txEl>
+                                              <p:pRg st="10" end="10"/>
+                                            </p:txEl>
+                                          </p:spTgt>
+                                        </p:tgtEl>
+                                        <p:attrNameLst>
+                                          <p:attrName>style.visibility</p:attrName>
+                                        </p:attrNameLst>
+                                      </p:cBhvr>
+                                      <p:to>
+                                        <p:strVal val="visible"/>
+                                      </p:to>
+                                    </p:set>
+                                  </p:childTnLst>
+                                </p:cTn>
+                              </p:par>
+                              <p:par>
+                                <p:cTn id="35" presetID="1" presetClass="entr" presetSubtype="0" fill="hold" nodeType="withEffect">
+                                  <p:stCondLst>
+                                    <p:cond delay="0"/>
+                                  </p:stCondLst>
+                                  <p:childTnLst>
+                                    <p:set>
+                                      <p:cBhvr>
+                                        <p:cTn id="36" dur="1" fill="hold">
+                                          <p:stCondLst>
+                                            <p:cond delay="0"/>
+                                          </p:stCondLst>
+                                        </p:cTn>
+                                        <p:tgtEl>
+                                          <p:spTgt spid="6">
+                                            <p:txEl>
+                                              <p:pRg st="11" end="11"/>
+                                            </p:txEl>
+                                          </p:spTgt>
+                                        </p:tgtEl>
+                                        <p:attrNameLst>
+                                          <p:attrName>style.visibility</p:attrName>
+                                        </p:attrNameLst>
+                                      </p:cBhvr>
+                                      <p:to>
+                                        <p:strVal val="visible"/>
+                                      </p:to>
+                                    </p:set>
+                                  </p:childTnLst>
+                                </p:cTn>
+                              </p:par>
+                              <p:par>
+                                <p:cTn id="37" presetID="1" presetClass="entr" presetSubtype="0" fill="hold" nodeType="withEffect">
+                                  <p:stCondLst>
+                                    <p:cond delay="0"/>
+                                  </p:stCondLst>
+                                  <p:childTnLst>
+                                    <p:set>
+                                      <p:cBhvr>
+                                        <p:cTn id="38" dur="1" fill="hold">
+                                          <p:stCondLst>
+                                            <p:cond delay="0"/>
+                                          </p:stCondLst>
+                                        </p:cTn>
+                                        <p:tgtEl>
+                                          <p:spTgt spid="6">
+                                            <p:txEl>
+                                              <p:pRg st="12" end="12"/>
+                                            </p:txEl>
+                                          </p:spTgt>
+                                        </p:tgtEl>
+                                        <p:attrNameLst>
+                                          <p:attrName>style.visibility</p:attrName>
+                                        </p:attrNameLst>
+                                      </p:cBhvr>
+                                      <p:to>
+                                        <p:strVal val="visible"/>
+                                      </p:to>
+                                    </p:set>
+                                  </p:childTnLst>
+                                </p:cTn>
+                              </p:par>
+                              <p:par>
+                                <p:cTn id="39" presetID="1" presetClass="entr" presetSubtype="0" fill="hold" grpId="0" nodeType="withEffect">
+                                  <p:stCondLst>
+                                    <p:cond delay="0"/>
+                                  </p:stCondLst>
+                                  <p:childTnLst>
+                                    <p:set>
+                                      <p:cBhvr>
+                                        <p:cTn id="40" dur="1" fill="hold">
+                                          <p:stCondLst>
+                                            <p:cond delay="0"/>
+                                          </p:stCondLst>
+                                        </p:cTn>
+                                        <p:tgtEl>
+                                          <p:spTgt spid="20"/>
+                                        </p:tgtEl>
+                                        <p:attrNameLst>
+                                          <p:attrName>style.visibility</p:attrName>
+                                        </p:attrNameLst>
+                                      </p:cBhvr>
+                                      <p:to>
+                                        <p:strVal val="visible"/>
+                                      </p:to>
+                                    </p:set>
+                                  </p:childTnLst>
+                                </p:cTn>
+                              </p:par>
+                              <p:par>
+                                <p:cTn id="41" presetID="1" presetClass="entr" presetSubtype="0" fill="hold" nodeType="withEffect">
+                                  <p:stCondLst>
+                                    <p:cond delay="0"/>
+                                  </p:stCondLst>
+                                  <p:childTnLst>
+                                    <p:set>
+                                      <p:cBhvr>
+                                        <p:cTn id="42" dur="1" fill="hold">
+                                          <p:stCondLst>
+                                            <p:cond delay="0"/>
+                                          </p:stCondLst>
+                                        </p:cTn>
+                                        <p:tgtEl>
+                                          <p:spTgt spid="21"/>
+                                        </p:tgtEl>
+                                        <p:attrNameLst>
+                                          <p:attrName>style.visibility</p:attrName>
+                                        </p:attrNameLst>
+                                      </p:cBhvr>
+                                      <p:to>
+                                        <p:strVal val="visible"/>
+                                      </p:to>
+                                    </p:set>
+                                  </p:childTnLst>
+                                </p:cTn>
+                              </p:par>
+                            </p:childTnLst>
+                          </p:cTn>
+                        </p:par>
+                      </p:childTnLst>
+                    </p:cTn>
+                  </p:par>
+                </p:childTnLst>
+              </p:cTn>
+              <p:prevCondLst>
+                <p:cond evt="onPrev" delay="0">
+                  <p:tgtEl>
+                    <p:sldTgt/>
+                  </p:tgtEl>
+                </p:cond>
+              </p:prevCondLst>
+              <p:nextCondLst>
+                <p:cond evt="onNext" delay="0">
+                  <p:tgtEl>
+                    <p:sldTgt/>
+                  </p:tgtEl>
+                </p:cond>
+              </p:nextCondLst>
+            </p:seq>
+          </p:childTnLst>
+        </p:cTn>
+      </p:par>
+    </p:tnLst>
+    <p:bldLst>
+      <p:bldP spid="10" grpId="0" animBg="1"/>
+      <p:bldP spid="19" grpId="0"/>
+      <p:bldP spid="20" grpId="0" animBg="1"/>
+    </p:bldLst>
+  </p:timing>
 </p:sld>
 </file>
 
@@ -17568,54 +18194,6 @@
           </a:effectLst>
         </p:spPr>
       </p:pic>
-      <p:sp>
-        <p:nvSpPr>
-          <p:cNvPr id="6" name="Espace réservé du contenu 5">
-            <a:extLst>
-              <a:ext uri="{FF2B5EF4-FFF2-40B4-BE49-F238E27FC236}">
-                <a16:creationId xmlns:a16="http://schemas.microsoft.com/office/drawing/2014/main" id="{B1601D69-96B6-161F-980F-BD5E211B4DBC}"/>
-              </a:ext>
-            </a:extLst>
-          </p:cNvPr>
-          <p:cNvSpPr>
-            <a:spLocks noGrp="1"/>
-          </p:cNvSpPr>
-          <p:nvPr>
-            <p:ph sz="quarter" idx="16"/>
-          </p:nvPr>
-        </p:nvSpPr>
-        <p:spPr>
-          <a:xfrm>
-            <a:off x="3407004" y="4720071"/>
-            <a:ext cx="7946796" cy="1818841"/>
-          </a:xfrm>
-          <a:solidFill>
-            <a:schemeClr val="accent1"/>
-          </a:solidFill>
-        </p:spPr>
-        <p:txBody>
-          <a:bodyPr/>
-          <a:lstStyle/>
-          <a:p>
-            <a:pPr marL="0" indent="0">
-              <a:buNone/>
-            </a:pPr>
-            <a:r>
-              <a:rPr lang="fr-FR" sz="2400" dirty="0">
-                <a:solidFill>
-                  <a:srgbClr val="FF0000"/>
-                </a:solidFill>
-              </a:rPr>
-              <a:t>Ici : Montrer à la place un exemple de script Jenkins</a:t>
-            </a:r>
-            <a:endParaRPr lang="fr-FR" sz="2000" dirty="0">
-              <a:solidFill>
-                <a:srgbClr val="FF0000"/>
-              </a:solidFill>
-            </a:endParaRPr>
-          </a:p>
-        </p:txBody>
-      </p:sp>
     </p:spTree>
     <p:extLst>
       <p:ext uri="{BB962C8B-B14F-4D97-AF65-F5344CB8AC3E}">
@@ -19599,7 +20177,7 @@
             <a:pPr lvl="1"/>
             <a:r>
               <a:rPr lang="fr-FR" dirty="0" err="1"/>
-              <a:t>Keycloack</a:t>
+              <a:t>Keycloak</a:t>
             </a:r>
             <a:r>
               <a:rPr lang="fr-FR" dirty="0"/>
@@ -19624,6 +20202,20 @@
             <a:r>
               <a:rPr lang="fr-FR" dirty="0"/>
               <a:t> pour contrôler les accès aux données</a:t>
+            </a:r>
+          </a:p>
+          <a:p>
+            <a:pPr lvl="1"/>
+            <a:r>
+              <a:rPr lang="fr-FR" dirty="0"/>
+              <a:t>Gateway masque les dockers backend</a:t>
+            </a:r>
+          </a:p>
+          <a:p>
+            <a:pPr lvl="1"/>
+            <a:r>
+              <a:rPr lang="fr-FR" dirty="0"/>
+              <a:t>Repose sur la sécurité du stockage sur Amazon S3 (authentification)</a:t>
             </a:r>
           </a:p>
           <a:p>
@@ -19685,6 +20277,209 @@
   <p:clrMapOvr>
     <a:masterClrMapping/>
   </p:clrMapOvr>
+  <p:timing>
+    <p:tnLst>
+      <p:par>
+        <p:cTn id="1" dur="indefinite" restart="never" nodeType="tmRoot">
+          <p:childTnLst>
+            <p:seq concurrent="1" nextAc="seek">
+              <p:cTn id="2" dur="indefinite" nodeType="mainSeq">
+                <p:childTnLst>
+                  <p:par>
+                    <p:cTn id="3" fill="hold">
+                      <p:stCondLst>
+                        <p:cond delay="indefinite"/>
+                      </p:stCondLst>
+                      <p:childTnLst>
+                        <p:par>
+                          <p:cTn id="4" fill="hold">
+                            <p:stCondLst>
+                              <p:cond delay="0"/>
+                            </p:stCondLst>
+                            <p:childTnLst>
+                              <p:par>
+                                <p:cTn id="5" presetID="1" presetClass="entr" presetSubtype="0" fill="hold" nodeType="clickEffect">
+                                  <p:stCondLst>
+                                    <p:cond delay="0"/>
+                                  </p:stCondLst>
+                                  <p:childTnLst>
+                                    <p:set>
+                                      <p:cBhvr>
+                                        <p:cTn id="6" dur="1" fill="hold">
+                                          <p:stCondLst>
+                                            <p:cond delay="0"/>
+                                          </p:stCondLst>
+                                        </p:cTn>
+                                        <p:tgtEl>
+                                          <p:spTgt spid="6">
+                                            <p:txEl>
+                                              <p:pRg st="5" end="5"/>
+                                            </p:txEl>
+                                          </p:spTgt>
+                                        </p:tgtEl>
+                                        <p:attrNameLst>
+                                          <p:attrName>style.visibility</p:attrName>
+                                        </p:attrNameLst>
+                                      </p:cBhvr>
+                                      <p:to>
+                                        <p:strVal val="visible"/>
+                                      </p:to>
+                                    </p:set>
+                                  </p:childTnLst>
+                                </p:cTn>
+                              </p:par>
+                              <p:par>
+                                <p:cTn id="7" presetID="1" presetClass="entr" presetSubtype="0" fill="hold" nodeType="withEffect">
+                                  <p:stCondLst>
+                                    <p:cond delay="0"/>
+                                  </p:stCondLst>
+                                  <p:childTnLst>
+                                    <p:set>
+                                      <p:cBhvr>
+                                        <p:cTn id="8" dur="1" fill="hold">
+                                          <p:stCondLst>
+                                            <p:cond delay="0"/>
+                                          </p:stCondLst>
+                                        </p:cTn>
+                                        <p:tgtEl>
+                                          <p:spTgt spid="6">
+                                            <p:txEl>
+                                              <p:pRg st="6" end="6"/>
+                                            </p:txEl>
+                                          </p:spTgt>
+                                        </p:tgtEl>
+                                        <p:attrNameLst>
+                                          <p:attrName>style.visibility</p:attrName>
+                                        </p:attrNameLst>
+                                      </p:cBhvr>
+                                      <p:to>
+                                        <p:strVal val="visible"/>
+                                      </p:to>
+                                    </p:set>
+                                  </p:childTnLst>
+                                </p:cTn>
+                              </p:par>
+                              <p:par>
+                                <p:cTn id="9" presetID="1" presetClass="entr" presetSubtype="0" fill="hold" nodeType="withEffect">
+                                  <p:stCondLst>
+                                    <p:cond delay="0"/>
+                                  </p:stCondLst>
+                                  <p:childTnLst>
+                                    <p:set>
+                                      <p:cBhvr>
+                                        <p:cTn id="10" dur="1" fill="hold">
+                                          <p:stCondLst>
+                                            <p:cond delay="0"/>
+                                          </p:stCondLst>
+                                        </p:cTn>
+                                        <p:tgtEl>
+                                          <p:spTgt spid="6">
+                                            <p:txEl>
+                                              <p:pRg st="7" end="7"/>
+                                            </p:txEl>
+                                          </p:spTgt>
+                                        </p:tgtEl>
+                                        <p:attrNameLst>
+                                          <p:attrName>style.visibility</p:attrName>
+                                        </p:attrNameLst>
+                                      </p:cBhvr>
+                                      <p:to>
+                                        <p:strVal val="visible"/>
+                                      </p:to>
+                                    </p:set>
+                                  </p:childTnLst>
+                                </p:cTn>
+                              </p:par>
+                              <p:par>
+                                <p:cTn id="11" presetID="1" presetClass="entr" presetSubtype="0" fill="hold" nodeType="withEffect">
+                                  <p:stCondLst>
+                                    <p:cond delay="0"/>
+                                  </p:stCondLst>
+                                  <p:childTnLst>
+                                    <p:set>
+                                      <p:cBhvr>
+                                        <p:cTn id="12" dur="1" fill="hold">
+                                          <p:stCondLst>
+                                            <p:cond delay="0"/>
+                                          </p:stCondLst>
+                                        </p:cTn>
+                                        <p:tgtEl>
+                                          <p:spTgt spid="6">
+                                            <p:txEl>
+                                              <p:pRg st="8" end="8"/>
+                                            </p:txEl>
+                                          </p:spTgt>
+                                        </p:tgtEl>
+                                        <p:attrNameLst>
+                                          <p:attrName>style.visibility</p:attrName>
+                                        </p:attrNameLst>
+                                      </p:cBhvr>
+                                      <p:to>
+                                        <p:strVal val="visible"/>
+                                      </p:to>
+                                    </p:set>
+                                  </p:childTnLst>
+                                </p:cTn>
+                              </p:par>
+                              <p:par>
+                                <p:cTn id="13" presetID="1" presetClass="entr" presetSubtype="0" fill="hold" nodeType="withEffect">
+                                  <p:stCondLst>
+                                    <p:cond delay="0"/>
+                                  </p:stCondLst>
+                                  <p:childTnLst>
+                                    <p:set>
+                                      <p:cBhvr>
+                                        <p:cTn id="14" dur="1" fill="hold">
+                                          <p:stCondLst>
+                                            <p:cond delay="0"/>
+                                          </p:stCondLst>
+                                        </p:cTn>
+                                        <p:tgtEl>
+                                          <p:spTgt spid="6">
+                                            <p:txEl>
+                                              <p:pRg st="9" end="9"/>
+                                            </p:txEl>
+                                          </p:spTgt>
+                                        </p:tgtEl>
+                                        <p:attrNameLst>
+                                          <p:attrName>style.visibility</p:attrName>
+                                        </p:attrNameLst>
+                                      </p:cBhvr>
+                                      <p:to>
+                                        <p:strVal val="visible"/>
+                                      </p:to>
+                                    </p:set>
+                                  </p:childTnLst>
+                                </p:cTn>
+                              </p:par>
+                            </p:childTnLst>
+                          </p:cTn>
+                        </p:par>
+                      </p:childTnLst>
+                    </p:cTn>
+                  </p:par>
+                </p:childTnLst>
+              </p:cTn>
+              <p:prevCondLst>
+                <p:cond evt="onPrev" delay="0">
+                  <p:tgtEl>
+                    <p:sldTgt/>
+                  </p:tgtEl>
+                </p:cond>
+              </p:prevCondLst>
+              <p:nextCondLst>
+                <p:cond evt="onNext" delay="0">
+                  <p:tgtEl>
+                    <p:sldTgt/>
+                  </p:tgtEl>
+                </p:cond>
+              </p:nextCondLst>
+            </p:seq>
+          </p:childTnLst>
+        </p:cTn>
+      </p:par>
+    </p:tnLst>
+  </p:timing>
 </p:sld>
 </file>
 
@@ -19869,8 +20664,8 @@
         </p:nvSpPr>
         <p:spPr>
           <a:xfrm>
-            <a:off x="838200" y="878052"/>
-            <a:ext cx="11353800" cy="5757886"/>
+            <a:off x="838200" y="1199072"/>
+            <a:ext cx="10963274" cy="4899803"/>
           </a:xfrm>
         </p:spPr>
         <p:txBody>
@@ -19899,7 +20694,10 @@
               <a:rPr lang="fr-FR" dirty="0" err="1"/>
               <a:t>MLOps</a:t>
             </a:r>
-            <a:endParaRPr lang="fr-FR" dirty="0"/>
+            <a:r>
+              <a:rPr lang="fr-FR" dirty="0"/>
+              <a:t> apprises</a:t>
+            </a:r>
           </a:p>
           <a:p>
             <a:pPr lvl="2"/>
@@ -19941,27 +20739,31 @@
             </a:r>
             <a:r>
               <a:rPr lang="fr-FR" sz="2400" b="1" dirty="0"/>
-              <a:t>DVC </a:t>
+              <a:t>DVC</a:t>
             </a:r>
             <a:r>
               <a:rPr lang="fr-FR" sz="2400" dirty="0"/>
-              <a:t>/ </a:t>
+              <a:t> / </a:t>
             </a:r>
             <a:r>
               <a:rPr lang="fr-FR" sz="2400" b="1" dirty="0"/>
-              <a:t>Git </a:t>
+              <a:t>Git</a:t>
             </a:r>
             <a:r>
               <a:rPr lang="fr-FR" sz="2400" dirty="0"/>
-              <a:t>/ </a:t>
+              <a:t> / </a:t>
             </a:r>
             <a:r>
               <a:rPr lang="fr-FR" sz="2400" b="1" dirty="0" err="1"/>
               <a:t>MLFlow</a:t>
             </a:r>
             <a:r>
+              <a:rPr lang="fr-FR" sz="2400" dirty="0"/>
+              <a:t> / </a:t>
+            </a:r>
+            <a:r>
               <a:rPr lang="fr-FR" sz="2400" b="1" dirty="0"/>
-              <a:t> / Amazon S3</a:t>
+              <a:t>Amazon S3</a:t>
             </a:r>
           </a:p>
           <a:p>
@@ -19972,23 +20774,19 @@
             </a:r>
             <a:r>
               <a:rPr lang="fr-FR" sz="2400" b="1" dirty="0"/>
-              <a:t>Jenkins </a:t>
+              <a:t>Jenkins</a:t>
             </a:r>
             <a:r>
               <a:rPr lang="fr-FR" sz="2400" dirty="0"/>
-              <a:t>/ </a:t>
+              <a:t> / </a:t>
             </a:r>
             <a:r>
               <a:rPr lang="fr-FR" sz="2400" b="1" dirty="0" err="1"/>
               <a:t>ArgoCD</a:t>
             </a:r>
             <a:r>
-              <a:rPr lang="fr-FR" sz="2400" b="1" dirty="0"/>
-              <a:t> </a:t>
-            </a:r>
-            <a:r>
               <a:rPr lang="fr-FR" sz="2400" dirty="0"/>
-              <a:t>/ </a:t>
+              <a:t> / </a:t>
             </a:r>
             <a:r>
               <a:rPr lang="fr-FR" sz="2400" b="1" dirty="0" err="1"/>
@@ -20007,12 +20805,8 @@
               <a:t>Prometheus</a:t>
             </a:r>
             <a:r>
-              <a:rPr lang="fr-FR" sz="2400" b="1" dirty="0"/>
-              <a:t> </a:t>
-            </a:r>
-            <a:r>
               <a:rPr lang="fr-FR" sz="2400" dirty="0"/>
-              <a:t>&amp; </a:t>
+              <a:t> &amp; </a:t>
             </a:r>
             <a:r>
               <a:rPr lang="fr-FR" sz="2400" b="1" dirty="0" err="1"/>
@@ -20027,25 +20821,17 @@
               <a:t>Sécurisation des APIs : </a:t>
             </a:r>
             <a:r>
-              <a:rPr lang="fr-FR" sz="2400" b="1" dirty="0" err="1"/>
-              <a:t>KeyCloak</a:t>
+              <a:rPr lang="fr-FR" sz="2400" b="1" dirty="0"/>
+              <a:t>Gateway</a:t>
             </a:r>
             <a:r>
               <a:rPr lang="fr-FR" sz="2400" dirty="0"/>
-              <a:t> / Gestion des secrets</a:t>
-            </a:r>
-          </a:p>
-          <a:p>
-            <a:pPr lvl="1"/>
-            <a:r>
-              <a:rPr lang="fr-FR" dirty="0"/>
-              <a:t>Application pratique des connaissances acquises via la formation </a:t>
-            </a:r>
-            <a:r>
-              <a:rPr lang="fr-FR" dirty="0" err="1"/>
-              <a:t>MLOps</a:t>
-            </a:r>
-            <a:endParaRPr lang="fr-FR" dirty="0"/>
+              <a:t> / </a:t>
+            </a:r>
+            <a:r>
+              <a:rPr lang="fr-FR" sz="2400" b="1" dirty="0"/>
+              <a:t>Gestion des secrets</a:t>
+            </a:r>
           </a:p>
           <a:p>
             <a:r>
@@ -20056,34 +20842,23 @@
           <a:p>
             <a:pPr lvl="1"/>
             <a:r>
-              <a:rPr lang="fr-FR" dirty="0">
-                <a:solidFill>
-                  <a:srgbClr val="FF0000"/>
-                </a:solidFill>
-              </a:rPr>
-              <a:t>…A voir ensemble selon niveau avancement…</a:t>
+              <a:rPr lang="fr-FR" dirty="0"/>
+              <a:t>Intégration de </a:t>
+            </a:r>
+            <a:r>
+              <a:rPr lang="fr-FR" dirty="0" err="1"/>
+              <a:t>Keycloak</a:t>
+            </a:r>
+            <a:r>
+              <a:rPr lang="fr-FR" dirty="0"/>
+              <a:t> / Kafka / Gestion des logs via Loki</a:t>
             </a:r>
           </a:p>
           <a:p>
             <a:pPr lvl="1"/>
             <a:r>
               <a:rPr lang="fr-FR" dirty="0"/>
-              <a:t>Model drift sur feedback utilisateur avec </a:t>
-            </a:r>
-            <a:r>
-              <a:rPr lang="fr-FR" dirty="0" err="1"/>
-              <a:t>ré-entrainement</a:t>
-            </a:r>
-            <a:r>
-              <a:rPr lang="fr-FR" dirty="0"/>
-              <a:t> automatique</a:t>
-            </a:r>
-          </a:p>
-          <a:p>
-            <a:pPr lvl="1"/>
-            <a:r>
-              <a:rPr lang="fr-FR" dirty="0"/>
-              <a:t>Utilisation de Kafka</a:t>
+              <a:t>Model Drift sur feedback utilisateur avec réentrainement automatique</a:t>
             </a:r>
           </a:p>
         </p:txBody>
@@ -20893,6 +21668,15 @@
 </file>
 
 <file path=customXml/item1.xml><?xml version="1.0" encoding="utf-8"?>
+<?mso-contentType ?>
+<FormTemplates xmlns="http://schemas.microsoft.com/sharepoint/v3/contenttype/forms">
+  <Display>DocumentLibraryForm</Display>
+  <Edit>DocumentLibraryForm</Edit>
+  <New>DocumentLibraryForm</New>
+</FormTemplates>
+</file>
+
+<file path=customXml/item2.xml><?xml version="1.0" encoding="utf-8"?>
 <ct:contentTypeSchema xmlns:ct="http://schemas.microsoft.com/office/2006/metadata/contentType" xmlns:ma="http://schemas.microsoft.com/office/2006/metadata/properties/metaAttributes" ct:_="" ma:_="" ma:contentTypeName="Document" ma:contentTypeID="0x01010079F111ED35F8CC479449609E8A0923A6" ma:contentTypeVersion="27" ma:contentTypeDescription="Create a new document." ma:contentTypeScope="" ma:versionID="c6f9a84f66a9c8b9a21755b9ffafb945">
   <xsd:schema xmlns:xsd="http://www.w3.org/2001/XMLSchema" xmlns:xs="http://www.w3.org/2001/XMLSchema" xmlns:p="http://schemas.microsoft.com/office/2006/metadata/properties" xmlns:ns1="http://schemas.microsoft.com/sharepoint/v3" xmlns:ns2="71af3243-3dd4-4a8d-8c0d-dd76da1f02a5" xmlns:ns3="16c05727-aa75-4e4a-9b5f-8a80a1165891" xmlns:ns4="230e9df3-be65-4c73-a93b-d1236ebd677e" targetNamespace="http://schemas.microsoft.com/office/2006/metadata/properties" ma:root="true" ma:fieldsID="27df39e3e7036dff54f89ddd5805ce72" ns1:_="" ns2:_="" ns3:_="" ns4:_="">
     <xsd:import namespace="http://schemas.microsoft.com/sharepoint/v3"/>
@@ -21198,15 +21982,6 @@
 </ct:contentTypeSchema>
 </file>
 
-<file path=customXml/item2.xml><?xml version="1.0" encoding="utf-8"?>
-<?mso-contentType ?>
-<FormTemplates xmlns="http://schemas.microsoft.com/sharepoint/v3/contenttype/forms">
-  <Display>DocumentLibraryForm</Display>
-  <Edit>DocumentLibraryForm</Edit>
-  <New>DocumentLibraryForm</New>
-</FormTemplates>
-</file>
-
 <file path=customXml/item3.xml><?xml version="1.0" encoding="utf-8"?>
 <p:properties xmlns:p="http://schemas.microsoft.com/office/2006/metadata/properties" xmlns:xsi="http://www.w3.org/2001/XMLSchema-instance" xmlns:pc="http://schemas.microsoft.com/office/infopath/2007/PartnerControls">
   <documentManagement>
@@ -21228,6 +22003,14 @@
 </file>
 
 <file path=customXml/itemProps1.xml><?xml version="1.0" encoding="utf-8"?>
+<ds:datastoreItem xmlns:ds="http://schemas.openxmlformats.org/officeDocument/2006/customXml" ds:itemID="{79BF405E-7930-4D5C-ABB3-493E9D6D6CEA}">
+  <ds:schemaRefs>
+    <ds:schemaRef ds:uri="http://schemas.microsoft.com/sharepoint/v3/contenttype/forms"/>
+  </ds:schemaRefs>
+</ds:datastoreItem>
+</file>
+
+<file path=customXml/itemProps2.xml><?xml version="1.0" encoding="utf-8"?>
 <ds:datastoreItem xmlns:ds="http://schemas.openxmlformats.org/officeDocument/2006/customXml" ds:itemID="{2C1F447F-FAA8-4106-988B-648F3C8EDB2D}">
   <ds:schemaRefs>
     <ds:schemaRef ds:uri="http://schemas.microsoft.com/office/2006/metadata/contentType"/>
@@ -21248,14 +22031,6 @@
 </ds:datastoreItem>
 </file>
 
-<file path=customXml/itemProps2.xml><?xml version="1.0" encoding="utf-8"?>
-<ds:datastoreItem xmlns:ds="http://schemas.openxmlformats.org/officeDocument/2006/customXml" ds:itemID="{79BF405E-7930-4D5C-ABB3-493E9D6D6CEA}">
-  <ds:schemaRefs>
-    <ds:schemaRef ds:uri="http://schemas.microsoft.com/sharepoint/v3/contenttype/forms"/>
-  </ds:schemaRefs>
-</ds:datastoreItem>
-</file>
-
 <file path=customXml/itemProps3.xml><?xml version="1.0" encoding="utf-8"?>
 <ds:datastoreItem xmlns:ds="http://schemas.openxmlformats.org/officeDocument/2006/customXml" ds:itemID="{6EA97235-BEC4-4F82-87A8-2F5DAD53B5F9}">
   <ds:schemaRefs>
